--- a/TCC_BI_Alunos_Negros.pptx
+++ b/TCC_BI_Alunos_Negros.pptx
@@ -176,27 +176,27 @@
                 <a:solidFill>
                   <a:schemeClr val="tx1"/>
                 </a:solidFill>
-                <a:effectLst>
-                  <a:outerShdw blurRad="50800" dist="38100" dir="5400000" algn="t" rotWithShape="0">
-                    <a:prstClr val="black">
-                      <a:alpha val="40000"/>
-                    </a:prstClr>
-                  </a:outerShdw>
-                </a:effectLst>
+                <a:effectLst/>
                 <a:latin typeface="+mn-lt"/>
                 <a:ea typeface="+mn-ea"/>
                 <a:cs typeface="+mn-cs"/>
               </a:defRPr>
             </a:pPr>
             <a:r>
-              <a:rPr lang="pt-BR" dirty="0" smtClean="0"/>
+              <a:rPr lang="pt-BR" dirty="0" smtClean="0">
+                <a:effectLst/>
+              </a:rPr>
               <a:t>Alunos por cor/raça</a:t>
             </a:r>
             <a:r>
-              <a:rPr lang="pt-BR" baseline="0" dirty="0" smtClean="0"/>
+              <a:rPr lang="pt-BR" baseline="0" dirty="0" smtClean="0">
+                <a:effectLst/>
+              </a:rPr>
               <a:t> (em milhões)</a:t>
             </a:r>
-            <a:endParaRPr lang="pt-BR" dirty="0"/>
+            <a:endParaRPr lang="pt-BR" dirty="0">
+              <a:effectLst/>
+            </a:endParaRPr>
           </a:p>
         </c:rich>
       </c:tx>
@@ -225,13 +225,7 @@
               <a:solidFill>
                 <a:schemeClr val="tx1"/>
               </a:solidFill>
-              <a:effectLst>
-                <a:outerShdw blurRad="50800" dist="38100" dir="5400000" algn="t" rotWithShape="0">
-                  <a:prstClr val="black">
-                    <a:alpha val="40000"/>
-                  </a:prstClr>
-                </a:outerShdw>
-              </a:effectLst>
+              <a:effectLst/>
               <a:latin typeface="+mn-lt"/>
               <a:ea typeface="+mn-ea"/>
               <a:cs typeface="+mn-cs"/>
@@ -405,7 +399,7 @@
           </c:val>
           <c:extLst>
             <c:ext xmlns:c16="http://schemas.microsoft.com/office/drawing/2014/chart" uri="{C3380CC4-5D6E-409C-BE32-E72D297353CC}">
-              <c16:uniqueId val="{00000000-D5DE-4EEF-AB4A-ECAEF9C89C39}"/>
+              <c16:uniqueId val="{00000000-255E-411E-93BF-9D6E46F713C1}"/>
             </c:ext>
           </c:extLst>
         </c:ser>
@@ -566,7 +560,7 @@
           </c:val>
           <c:extLst>
             <c:ext xmlns:c16="http://schemas.microsoft.com/office/drawing/2014/chart" uri="{C3380CC4-5D6E-409C-BE32-E72D297353CC}">
-              <c16:uniqueId val="{00000001-D5DE-4EEF-AB4A-ECAEF9C89C39}"/>
+              <c16:uniqueId val="{00000001-255E-411E-93BF-9D6E46F713C1}"/>
             </c:ext>
           </c:extLst>
         </c:ser>
@@ -727,7 +721,7 @@
           </c:val>
           <c:extLst>
             <c:ext xmlns:c16="http://schemas.microsoft.com/office/drawing/2014/chart" uri="{C3380CC4-5D6E-409C-BE32-E72D297353CC}">
-              <c16:uniqueId val="{00000002-D5DE-4EEF-AB4A-ECAEF9C89C39}"/>
+              <c16:uniqueId val="{00000002-255E-411E-93BF-9D6E46F713C1}"/>
             </c:ext>
           </c:extLst>
         </c:ser>
@@ -812,7 +806,7 @@
                   <c15:layout/>
                 </c:ext>
                 <c:ext xmlns:c16="http://schemas.microsoft.com/office/drawing/2014/chart" uri="{C3380CC4-5D6E-409C-BE32-E72D297353CC}">
-                  <c16:uniqueId val="{00000003-D5DE-4EEF-AB4A-ECAEF9C89C39}"/>
+                  <c16:uniqueId val="{00000003-255E-411E-93BF-9D6E46F713C1}"/>
                 </c:ext>
               </c:extLst>
             </c:dLbl>
@@ -911,7 +905,7 @@
           </c:val>
           <c:extLst>
             <c:ext xmlns:c16="http://schemas.microsoft.com/office/drawing/2014/chart" uri="{C3380CC4-5D6E-409C-BE32-E72D297353CC}">
-              <c16:uniqueId val="{00000004-D5DE-4EEF-AB4A-ECAEF9C89C39}"/>
+              <c16:uniqueId val="{00000004-255E-411E-93BF-9D6E46F713C1}"/>
             </c:ext>
           </c:extLst>
         </c:ser>
@@ -1072,7 +1066,7 @@
           </c:val>
           <c:extLst>
             <c:ext xmlns:c16="http://schemas.microsoft.com/office/drawing/2014/chart" uri="{C3380CC4-5D6E-409C-BE32-E72D297353CC}">
-              <c16:uniqueId val="{00000005-D5DE-4EEF-AB4A-ECAEF9C89C39}"/>
+              <c16:uniqueId val="{00000005-255E-411E-93BF-9D6E46F713C1}"/>
             </c:ext>
           </c:extLst>
         </c:ser>
@@ -1233,7 +1227,7 @@
           </c:val>
           <c:extLst>
             <c:ext xmlns:c16="http://schemas.microsoft.com/office/drawing/2014/chart" uri="{C3380CC4-5D6E-409C-BE32-E72D297353CC}">
-              <c16:uniqueId val="{00000006-D5DE-4EEF-AB4A-ECAEF9C89C39}"/>
+              <c16:uniqueId val="{00000006-255E-411E-93BF-9D6E46F713C1}"/>
             </c:ext>
           </c:extLst>
         </c:ser>
@@ -1420,8 +1414,22 @@
               </a:defRPr>
             </a:pPr>
             <a:r>
-              <a:rPr lang="pt-BR" dirty="0" smtClean="0"/>
-              <a:t>Alunos que se declararam negros (em milhões)</a:t>
+              <a:rPr lang="pt-BR" dirty="0" smtClean="0">
+                <a:effectLst/>
+              </a:rPr>
+              <a:t>Alunos que se </a:t>
+            </a:r>
+            <a:r>
+              <a:rPr lang="pt-BR" dirty="0" smtClean="0">
+                <a:effectLst/>
+              </a:rPr>
+              <a:t>declararam</a:t>
+            </a:r>
+            <a:r>
+              <a:rPr lang="pt-BR" dirty="0" smtClean="0">
+                <a:effectLst/>
+              </a:rPr>
+              <a:t> negros (em milhões)</a:t>
             </a:r>
           </a:p>
         </c:rich>
@@ -2052,7 +2060,7 @@
           </c:val>
           <c:extLst>
             <c:ext xmlns:c16="http://schemas.microsoft.com/office/drawing/2014/chart" uri="{C3380CC4-5D6E-409C-BE32-E72D297353CC}">
-              <c16:uniqueId val="{00000000-6AFF-4DD6-8BF6-AB6C7459C36C}"/>
+              <c16:uniqueId val="{00000000-43E0-4529-8164-E5D1E3A81B68}"/>
             </c:ext>
           </c:extLst>
         </c:ser>
@@ -3210,7 +3218,7 @@
           </c:val>
           <c:extLst>
             <c:ext xmlns:c16="http://schemas.microsoft.com/office/drawing/2014/chart" uri="{C3380CC4-5D6E-409C-BE32-E72D297353CC}">
-              <c16:uniqueId val="{00000000-ABF4-4878-B64E-B5CB2000297F}"/>
+              <c16:uniqueId val="{00000000-D8CD-42D2-863B-B905448DAC26}"/>
             </c:ext>
           </c:extLst>
         </c:ser>
@@ -3371,7 +3379,7 @@
           </c:val>
           <c:extLst>
             <c:ext xmlns:c16="http://schemas.microsoft.com/office/drawing/2014/chart" uri="{C3380CC4-5D6E-409C-BE32-E72D297353CC}">
-              <c16:uniqueId val="{00000001-ABF4-4878-B64E-B5CB2000297F}"/>
+              <c16:uniqueId val="{00000001-D8CD-42D2-863B-B905448DAC26}"/>
             </c:ext>
           </c:extLst>
         </c:ser>
@@ -6818,7 +6826,7 @@
           <a:p>
             <a:fld id="{892BBDE4-B257-4B28-AF9B-80911A110866}" type="datetimeFigureOut">
               <a:rPr lang="pt-BR" smtClean="0"/>
-              <a:t>10/12/2019</a:t>
+              <a:t>11/12/2019</a:t>
             </a:fld>
             <a:endParaRPr lang="pt-BR"/>
           </a:p>
@@ -8688,11 +8696,7 @@
           <a:p>
             <a:r>
               <a:rPr lang="pt-BR" dirty="0" smtClean="0"/>
-              <a:t>Citar a frase de Deming e </a:t>
-            </a:r>
-            <a:r>
-              <a:rPr lang="pt-BR" dirty="0" smtClean="0"/>
-              <a:t>passar logo</a:t>
+              <a:t>Citar a frase de Deming e passar logo</a:t>
             </a:r>
             <a:r>
               <a:rPr lang="pt-BR" baseline="0" dirty="0" smtClean="0"/>
@@ -8784,23 +8788,11 @@
           <a:p>
             <a:r>
               <a:rPr lang="pt-BR" dirty="0" smtClean="0"/>
-              <a:t>Encerrar o </a:t>
-            </a:r>
-            <a:r>
-              <a:rPr lang="pt-BR" dirty="0" smtClean="0"/>
-              <a:t>trabalho com</a:t>
+              <a:t>Encerrar o trabalho com</a:t>
             </a:r>
             <a:r>
               <a:rPr lang="pt-BR" baseline="0" dirty="0" smtClean="0"/>
-              <a:t> um </a:t>
-            </a:r>
-            <a:r>
-              <a:rPr lang="pt-BR" baseline="0" dirty="0" smtClean="0"/>
-              <a:t>‘muito obrigado e boa </a:t>
-            </a:r>
-            <a:r>
-              <a:rPr lang="pt-BR" baseline="0" dirty="0" smtClean="0"/>
-              <a:t>noite...’</a:t>
+              <a:t> um ‘muito obrigado e boa noite...’</a:t>
             </a:r>
             <a:endParaRPr lang="pt-BR" dirty="0"/>
           </a:p>
@@ -9659,7 +9651,7 @@
           <a:p>
             <a:fld id="{5608231A-01C7-43A8-9F27-B8568746F2D0}" type="datetime1">
               <a:rPr lang="pt-BR" smtClean="0"/>
-              <a:t>10/12/2019</a:t>
+              <a:t>11/12/2019</a:t>
             </a:fld>
             <a:endParaRPr lang="pt-BR"/>
           </a:p>
@@ -9829,7 +9821,7 @@
           <a:p>
             <a:fld id="{CA90437F-4746-41D5-875E-3EDF8407A153}" type="datetime1">
               <a:rPr lang="pt-BR" smtClean="0"/>
-              <a:t>10/12/2019</a:t>
+              <a:t>11/12/2019</a:t>
             </a:fld>
             <a:endParaRPr lang="pt-BR"/>
           </a:p>
@@ -10009,7 +10001,7 @@
           <a:p>
             <a:fld id="{C9BABADB-CEE7-4513-85C6-02AC753FE149}" type="datetime1">
               <a:rPr lang="pt-BR" smtClean="0"/>
-              <a:t>10/12/2019</a:t>
+              <a:t>11/12/2019</a:t>
             </a:fld>
             <a:endParaRPr lang="pt-BR"/>
           </a:p>
@@ -10179,7 +10171,7 @@
           <a:p>
             <a:fld id="{4E8CA431-1949-4491-8E05-D347E3C74D10}" type="datetime1">
               <a:rPr lang="pt-BR" smtClean="0"/>
-              <a:t>10/12/2019</a:t>
+              <a:t>11/12/2019</a:t>
             </a:fld>
             <a:endParaRPr lang="pt-BR"/>
           </a:p>
@@ -10425,7 +10417,7 @@
           <a:p>
             <a:fld id="{2E967C8F-DAFF-4C6C-A210-F26CDA289138}" type="datetime1">
               <a:rPr lang="pt-BR" smtClean="0"/>
-              <a:t>10/12/2019</a:t>
+              <a:t>11/12/2019</a:t>
             </a:fld>
             <a:endParaRPr lang="pt-BR"/>
           </a:p>
@@ -10713,7 +10705,7 @@
           <a:p>
             <a:fld id="{72FA03A6-FA3E-4FD5-BDA2-C2E2A7B9D603}" type="datetime1">
               <a:rPr lang="pt-BR" smtClean="0"/>
-              <a:t>10/12/2019</a:t>
+              <a:t>11/12/2019</a:t>
             </a:fld>
             <a:endParaRPr lang="pt-BR"/>
           </a:p>
@@ -11135,7 +11127,7 @@
           <a:p>
             <a:fld id="{9952EAC6-DEB8-400E-A784-4E74099B4BB6}" type="datetime1">
               <a:rPr lang="pt-BR" smtClean="0"/>
-              <a:t>10/12/2019</a:t>
+              <a:t>11/12/2019</a:t>
             </a:fld>
             <a:endParaRPr lang="pt-BR"/>
           </a:p>
@@ -11253,7 +11245,7 @@
           <a:p>
             <a:fld id="{FC7B5247-18B5-42C5-B49D-DD105872AB72}" type="datetime1">
               <a:rPr lang="pt-BR" smtClean="0"/>
-              <a:t>10/12/2019</a:t>
+              <a:t>11/12/2019</a:t>
             </a:fld>
             <a:endParaRPr lang="pt-BR"/>
           </a:p>
@@ -11348,7 +11340,7 @@
           <a:p>
             <a:fld id="{F67A856F-47A2-47FE-8E15-AFCA9D099C04}" type="datetime1">
               <a:rPr lang="pt-BR" smtClean="0"/>
-              <a:t>10/12/2019</a:t>
+              <a:t>11/12/2019</a:t>
             </a:fld>
             <a:endParaRPr lang="pt-BR"/>
           </a:p>
@@ -11625,7 +11617,7 @@
           <a:p>
             <a:fld id="{A6FAD85C-2C24-4C92-B3DE-64369A769FDA}" type="datetime1">
               <a:rPr lang="pt-BR" smtClean="0"/>
-              <a:t>10/12/2019</a:t>
+              <a:t>11/12/2019</a:t>
             </a:fld>
             <a:endParaRPr lang="pt-BR"/>
           </a:p>
@@ -11878,7 +11870,7 @@
           <a:p>
             <a:fld id="{0CD11CC5-01CD-4AA9-8FD2-35C2BF59A90E}" type="datetime1">
               <a:rPr lang="pt-BR" smtClean="0"/>
-              <a:t>10/12/2019</a:t>
+              <a:t>11/12/2019</a:t>
             </a:fld>
             <a:endParaRPr lang="pt-BR"/>
           </a:p>
@@ -12121,7 +12113,7 @@
           <a:p>
             <a:fld id="{C58C9F72-14F3-4865-972A-67D71CFBAA47}" type="datetime1">
               <a:rPr lang="pt-BR" smtClean="0"/>
-              <a:t>10/12/2019</a:t>
+              <a:t>11/12/2019</a:t>
             </a:fld>
             <a:endParaRPr lang="pt-BR"/>
           </a:p>
@@ -12522,7 +12514,7 @@
             <a:r>
               <a:rPr lang="pt-BR" sz="2800" b="1" dirty="0" smtClean="0">
                 <a:solidFill>
-                  <a:srgbClr val="FF0000"/>
+                  <a:srgbClr val="C00000"/>
                 </a:solidFill>
                 <a:latin typeface="+mn-lt"/>
               </a:rPr>
@@ -12531,7 +12523,7 @@
             <a:r>
               <a:rPr lang="pt-BR" sz="2800" b="1" dirty="0">
                 <a:solidFill>
-                  <a:srgbClr val="FF0000"/>
+                  <a:srgbClr val="C00000"/>
                 </a:solidFill>
                 <a:latin typeface="+mn-lt"/>
               </a:rPr>
@@ -12540,7 +12532,7 @@
             <a:r>
               <a:rPr lang="pt-BR" sz="2800" b="1" dirty="0" smtClean="0">
                 <a:solidFill>
-                  <a:srgbClr val="FF0000"/>
+                  <a:srgbClr val="C00000"/>
                 </a:solidFill>
                 <a:latin typeface="+mn-lt"/>
               </a:rPr>
@@ -12549,7 +12541,7 @@
             <a:r>
               <a:rPr lang="pt-BR" sz="2800" b="1" dirty="0">
                 <a:solidFill>
-                  <a:srgbClr val="FF0000"/>
+                  <a:srgbClr val="C00000"/>
                 </a:solidFill>
                 <a:latin typeface="+mn-lt"/>
               </a:rPr>
@@ -12558,7 +12550,7 @@
             <a:r>
               <a:rPr lang="pt-BR" sz="2800" b="1" dirty="0" smtClean="0">
                 <a:solidFill>
-                  <a:srgbClr val="FF0000"/>
+                  <a:srgbClr val="C00000"/>
                 </a:solidFill>
                 <a:latin typeface="+mn-lt"/>
               </a:rPr>
@@ -12567,7 +12559,7 @@
             <a:r>
               <a:rPr lang="pt-BR" sz="2800" b="1" dirty="0">
                 <a:solidFill>
-                  <a:srgbClr val="FF0000"/>
+                  <a:srgbClr val="C00000"/>
                 </a:solidFill>
                 <a:latin typeface="+mn-lt"/>
               </a:rPr>
@@ -12576,7 +12568,7 @@
             <a:r>
               <a:rPr lang="pt-BR" sz="2800" b="1" dirty="0" smtClean="0">
                 <a:solidFill>
-                  <a:srgbClr val="FF0000"/>
+                  <a:srgbClr val="C00000"/>
                 </a:solidFill>
                 <a:latin typeface="+mn-lt"/>
               </a:rPr>
@@ -12585,7 +12577,7 @@
             <a:r>
               <a:rPr lang="pt-BR" sz="2800" b="1" dirty="0">
                 <a:solidFill>
-                  <a:srgbClr val="FF0000"/>
+                  <a:srgbClr val="C00000"/>
                 </a:solidFill>
                 <a:latin typeface="+mn-lt"/>
               </a:rPr>
@@ -12594,7 +12586,7 @@
             <a:r>
               <a:rPr lang="pt-BR" sz="2800" b="1" dirty="0" smtClean="0">
                 <a:solidFill>
-                  <a:srgbClr val="FF0000"/>
+                  <a:srgbClr val="C00000"/>
                 </a:solidFill>
                 <a:latin typeface="+mn-lt"/>
               </a:rPr>
@@ -12603,7 +12595,7 @@
             <a:r>
               <a:rPr lang="pt-BR" sz="2800" b="1" dirty="0">
                 <a:solidFill>
-                  <a:srgbClr val="FF0000"/>
+                  <a:srgbClr val="C00000"/>
                 </a:solidFill>
                 <a:latin typeface="+mn-lt"/>
               </a:rPr>
@@ -12612,7 +12604,7 @@
             <a:r>
               <a:rPr lang="pt-BR" sz="2800" b="1" dirty="0" smtClean="0">
                 <a:solidFill>
-                  <a:srgbClr val="FF0000"/>
+                  <a:srgbClr val="C00000"/>
                 </a:solidFill>
                 <a:latin typeface="+mn-lt"/>
               </a:rPr>
@@ -12621,7 +12613,7 @@
             <a:r>
               <a:rPr lang="pt-BR" sz="2800" b="1" dirty="0">
                 <a:solidFill>
-                  <a:srgbClr val="FF0000"/>
+                  <a:srgbClr val="C00000"/>
                 </a:solidFill>
                 <a:latin typeface="+mn-lt"/>
               </a:rPr>
@@ -12630,7 +12622,7 @@
             <a:r>
               <a:rPr lang="pt-BR" sz="2800" b="1" dirty="0" smtClean="0">
                 <a:solidFill>
-                  <a:srgbClr val="FF0000"/>
+                  <a:srgbClr val="C00000"/>
                 </a:solidFill>
                 <a:latin typeface="+mn-lt"/>
               </a:rPr>
@@ -12639,7 +12631,7 @@
             <a:r>
               <a:rPr lang="pt-BR" sz="2800" b="1" dirty="0">
                 <a:solidFill>
-                  <a:srgbClr val="FF0000"/>
+                  <a:srgbClr val="C00000"/>
                 </a:solidFill>
                 <a:latin typeface="+mn-lt"/>
               </a:rPr>
@@ -12648,7 +12640,7 @@
             <a:r>
               <a:rPr lang="pt-BR" sz="2800" b="1" dirty="0" smtClean="0">
                 <a:solidFill>
-                  <a:srgbClr val="FF0000"/>
+                  <a:srgbClr val="C00000"/>
                 </a:solidFill>
                 <a:latin typeface="+mn-lt"/>
               </a:rPr>
@@ -12657,7 +12649,7 @@
             <a:r>
               <a:rPr lang="pt-BR" sz="2800" b="1" dirty="0">
                 <a:solidFill>
-                  <a:srgbClr val="FF0000"/>
+                  <a:srgbClr val="C00000"/>
                 </a:solidFill>
                 <a:latin typeface="+mn-lt"/>
               </a:rPr>
@@ -12666,7 +12658,7 @@
             <a:r>
               <a:rPr lang="pt-BR" sz="2800" b="1" i="1" dirty="0" smtClean="0">
                 <a:solidFill>
-                  <a:srgbClr val="FF0000"/>
+                  <a:srgbClr val="C00000"/>
                 </a:solidFill>
                 <a:latin typeface="+mn-lt"/>
               </a:rPr>
@@ -12674,7 +12666,7 @@
             </a:r>
             <a:endParaRPr lang="pt-BR" sz="2800" b="1" i="1" dirty="0">
               <a:solidFill>
-                <a:srgbClr val="FF0000"/>
+                <a:srgbClr val="C00000"/>
               </a:solidFill>
               <a:latin typeface="+mn-lt"/>
             </a:endParaRPr>
@@ -12693,7 +12685,7 @@
         </p:nvSpPr>
         <p:spPr>
           <a:xfrm>
-            <a:off x="4283968" y="3167024"/>
+            <a:off x="4427984" y="3155682"/>
             <a:ext cx="4032448" cy="1846152"/>
           </a:xfrm>
         </p:spPr>
@@ -12856,9 +12848,7 @@
             <a:r>
               <a:rPr lang="pt-BR" sz="2400" b="1" dirty="0" smtClean="0">
                 <a:solidFill>
-                  <a:schemeClr val="accent6">
-                    <a:lumMod val="50000"/>
-                  </a:schemeClr>
+                  <a:schemeClr val="accent2"/>
                 </a:solidFill>
               </a:rPr>
               <a:t>Orientador: </a:t>
@@ -12866,9 +12856,7 @@
             <a:r>
               <a:rPr lang="pt-BR" sz="2400" b="1" dirty="0">
                 <a:solidFill>
-                  <a:schemeClr val="accent6">
-                    <a:lumMod val="50000"/>
-                  </a:schemeClr>
+                  <a:schemeClr val="accent2"/>
                 </a:solidFill>
               </a:rPr>
               <a:t>Prof. </a:t>
@@ -12876,9 +12864,7 @@
             <a:r>
               <a:rPr lang="pt-BR" sz="2400" b="1" dirty="0" err="1" smtClean="0">
                 <a:solidFill>
-                  <a:schemeClr val="accent6">
-                    <a:lumMod val="50000"/>
-                  </a:schemeClr>
+                  <a:schemeClr val="accent2"/>
                 </a:solidFill>
               </a:rPr>
               <a:t>MSc</a:t>
@@ -12886,18 +12872,14 @@
             <a:r>
               <a:rPr lang="pt-BR" sz="2400" b="1" dirty="0" smtClean="0">
                 <a:solidFill>
-                  <a:schemeClr val="accent6">
-                    <a:lumMod val="50000"/>
-                  </a:schemeClr>
+                  <a:schemeClr val="accent2"/>
                 </a:solidFill>
               </a:rPr>
               <a:t>. Claudio Gonçalves Bernardo </a:t>
             </a:r>
             <a:endParaRPr lang="pt-BR" sz="2400" b="1" dirty="0">
               <a:solidFill>
-                <a:schemeClr val="accent6">
-                  <a:lumMod val="50000"/>
-                </a:schemeClr>
+                <a:schemeClr val="accent2"/>
               </a:solidFill>
             </a:endParaRPr>
           </a:p>
@@ -12911,8 +12893,8 @@
         </p:nvSpPr>
         <p:spPr>
           <a:xfrm>
-            <a:off x="2689870" y="6124654"/>
-            <a:ext cx="5626546" cy="830997"/>
+            <a:off x="2987824" y="6013251"/>
+            <a:ext cx="5472608" cy="830997"/>
           </a:xfrm>
           <a:prstGeom prst="rect">
             <a:avLst/>
@@ -12925,7 +12907,7 @@
           </a:bodyPr>
           <a:lstStyle/>
           <a:p>
-            <a:pPr algn="ctr"/>
+            <a:pPr algn="r"/>
             <a:r>
               <a:rPr lang="pt-BR" sz="2400" b="1" dirty="0" smtClean="0"/>
               <a:t>Brasília </a:t>
@@ -12941,7 +12923,7 @@
             <a:endParaRPr lang="pt-BR" sz="2400" b="1" dirty="0"/>
           </a:p>
           <a:p>
-            <a:pPr algn="ctr"/>
+            <a:pPr algn="r"/>
             <a:endParaRPr lang="pt-BR" sz="2400" b="1" dirty="0" smtClean="0"/>
           </a:p>
         </p:txBody>
@@ -12995,7 +12977,7 @@
         </p:nvSpPr>
         <p:spPr>
           <a:xfrm>
-            <a:off x="452611" y="332656"/>
+            <a:off x="446770" y="341036"/>
             <a:ext cx="8229600" cy="792088"/>
           </a:xfrm>
         </p:spPr>
@@ -13023,7 +13005,12 @@
             <p:ph type="sldNum" sz="quarter" idx="12"/>
           </p:nvPr>
         </p:nvSpPr>
-        <p:spPr/>
+        <p:spPr>
+          <a:xfrm>
+            <a:off x="7010400" y="6492875"/>
+            <a:ext cx="2133600" cy="365125"/>
+          </a:xfrm>
+        </p:spPr>
         <p:txBody>
           <a:bodyPr/>
           <a:lstStyle/>
@@ -13032,7 +13019,7 @@
               <a:rPr lang="pt-BR" smtClean="0"/>
               <a:t>10</a:t>
             </a:fld>
-            <a:endParaRPr lang="pt-BR"/>
+            <a:endParaRPr lang="pt-BR" dirty="0"/>
           </a:p>
         </p:txBody>
       </p:sp>
@@ -13496,7 +13483,12 @@
             <p:ph type="sldNum" sz="quarter" idx="12"/>
           </p:nvPr>
         </p:nvSpPr>
-        <p:spPr/>
+        <p:spPr>
+          <a:xfrm>
+            <a:off x="7010400" y="6492875"/>
+            <a:ext cx="2133600" cy="365125"/>
+          </a:xfrm>
+        </p:spPr>
         <p:txBody>
           <a:bodyPr/>
           <a:lstStyle/>
@@ -13627,7 +13619,12 @@
             <p:ph type="sldNum" sz="quarter" idx="12"/>
           </p:nvPr>
         </p:nvSpPr>
-        <p:spPr/>
+        <p:spPr>
+          <a:xfrm>
+            <a:off x="7010400" y="6492875"/>
+            <a:ext cx="2133600" cy="365125"/>
+          </a:xfrm>
+        </p:spPr>
         <p:txBody>
           <a:bodyPr/>
           <a:lstStyle/>
@@ -13636,7 +13633,7 @@
               <a:rPr lang="pt-BR" smtClean="0"/>
               <a:t>12</a:t>
             </a:fld>
-            <a:endParaRPr lang="pt-BR"/>
+            <a:endParaRPr lang="pt-BR" dirty="0"/>
           </a:p>
         </p:txBody>
       </p:sp>
@@ -13840,29 +13837,6 @@
           </a:p>
         </p:txBody>
       </p:sp>
-      <p:sp>
-        <p:nvSpPr>
-          <p:cNvPr id="2" name="Espaço Reservado para Número de Slide 1"/>
-          <p:cNvSpPr>
-            <a:spLocks noGrp="1"/>
-          </p:cNvSpPr>
-          <p:nvPr>
-            <p:ph type="sldNum" sz="quarter" idx="12"/>
-          </p:nvPr>
-        </p:nvSpPr>
-        <p:spPr/>
-        <p:txBody>
-          <a:bodyPr/>
-          <a:lstStyle/>
-          <a:p>
-            <a:fld id="{5DCFF196-1009-4A4B-B1F7-75730F18EC55}" type="slidenum">
-              <a:rPr lang="pt-BR" smtClean="0"/>
-              <a:t>13</a:t>
-            </a:fld>
-            <a:endParaRPr lang="pt-BR"/>
-          </a:p>
-        </p:txBody>
-      </p:sp>
       <p:pic>
         <p:nvPicPr>
           <p:cNvPr id="8" name="Imagem 7"/>
@@ -13885,14 +13859,50 @@
         </p:blipFill>
         <p:spPr>
           <a:xfrm>
-            <a:off x="0" y="1268760"/>
-            <a:ext cx="9144000" cy="5559007"/>
+            <a:off x="-1" y="1700808"/>
+            <a:ext cx="9144001" cy="5157192"/>
           </a:xfrm>
           <a:prstGeom prst="rect">
             <a:avLst/>
           </a:prstGeom>
         </p:spPr>
       </p:pic>
+      <p:sp>
+        <p:nvSpPr>
+          <p:cNvPr id="6" name="Espaço Reservado para Número de Slide 1"/>
+          <p:cNvSpPr>
+            <a:spLocks noGrp="1"/>
+          </p:cNvSpPr>
+          <p:nvPr>
+            <p:ph type="sldNum" sz="quarter" idx="12"/>
+          </p:nvPr>
+        </p:nvSpPr>
+        <p:spPr>
+          <a:xfrm>
+            <a:off x="7039637" y="6492875"/>
+            <a:ext cx="2133600" cy="365125"/>
+          </a:xfrm>
+        </p:spPr>
+        <p:txBody>
+          <a:bodyPr/>
+          <a:lstStyle/>
+          <a:p>
+            <a:fld id="{5DCFF196-1009-4A4B-B1F7-75730F18EC55}" type="slidenum">
+              <a:rPr lang="pt-BR" smtClean="0">
+                <a:solidFill>
+                  <a:schemeClr val="bg1"/>
+                </a:solidFill>
+              </a:rPr>
+              <a:t>13</a:t>
+            </a:fld>
+            <a:endParaRPr lang="pt-BR">
+              <a:solidFill>
+                <a:schemeClr val="bg1"/>
+              </a:solidFill>
+            </a:endParaRPr>
+          </a:p>
+        </p:txBody>
+      </p:sp>
     </p:spTree>
     <p:extLst>
       <p:ext uri="{BB962C8B-B14F-4D97-AF65-F5344CB8AC3E}">
@@ -13942,13 +13952,13 @@
         </p:nvSpPr>
         <p:spPr>
           <a:xfrm>
-            <a:off x="475481" y="116632"/>
+            <a:off x="458403" y="260648"/>
             <a:ext cx="8229600" cy="426963"/>
           </a:xfrm>
         </p:spPr>
         <p:txBody>
           <a:bodyPr>
-            <a:normAutofit fontScale="90000"/>
+            <a:noAutofit/>
           </a:bodyPr>
           <a:lstStyle/>
           <a:p>
@@ -13972,7 +13982,7 @@
         </p:nvSpPr>
         <p:spPr>
           <a:xfrm>
-            <a:off x="457200" y="543595"/>
+            <a:off x="458403" y="687611"/>
             <a:ext cx="8229600" cy="576064"/>
           </a:xfrm>
         </p:spPr>
@@ -13989,29 +13999,6 @@
               <a:rPr lang="pt-BR" sz="2800" dirty="0" smtClean="0"/>
               <a:t>Abordagem Kimball x Inmon</a:t>
             </a:r>
-          </a:p>
-        </p:txBody>
-      </p:sp>
-      <p:sp>
-        <p:nvSpPr>
-          <p:cNvPr id="2" name="Espaço Reservado para Número de Slide 1"/>
-          <p:cNvSpPr>
-            <a:spLocks noGrp="1"/>
-          </p:cNvSpPr>
-          <p:nvPr>
-            <p:ph type="sldNum" sz="quarter" idx="12"/>
-          </p:nvPr>
-        </p:nvSpPr>
-        <p:spPr/>
-        <p:txBody>
-          <a:bodyPr/>
-          <a:lstStyle/>
-          <a:p>
-            <a:fld id="{5DCFF196-1009-4A4B-B1F7-75730F18EC55}" type="slidenum">
-              <a:rPr lang="pt-BR" smtClean="0"/>
-              <a:t>14</a:t>
-            </a:fld>
-            <a:endParaRPr lang="pt-BR"/>
           </a:p>
         </p:txBody>
       </p:sp>
@@ -14037,14 +14024,50 @@
         </p:blipFill>
         <p:spPr>
           <a:xfrm>
-            <a:off x="0" y="1119659"/>
-            <a:ext cx="9144000" cy="5738341"/>
+            <a:off x="0" y="1546622"/>
+            <a:ext cx="9144000" cy="5311378"/>
           </a:xfrm>
           <a:prstGeom prst="rect">
             <a:avLst/>
           </a:prstGeom>
         </p:spPr>
       </p:pic>
+      <p:sp>
+        <p:nvSpPr>
+          <p:cNvPr id="6" name="Espaço Reservado para Número de Slide 1"/>
+          <p:cNvSpPr>
+            <a:spLocks noGrp="1"/>
+          </p:cNvSpPr>
+          <p:nvPr>
+            <p:ph type="sldNum" sz="quarter" idx="12"/>
+          </p:nvPr>
+        </p:nvSpPr>
+        <p:spPr>
+          <a:xfrm>
+            <a:off x="7010400" y="6453336"/>
+            <a:ext cx="2133600" cy="365125"/>
+          </a:xfrm>
+        </p:spPr>
+        <p:txBody>
+          <a:bodyPr/>
+          <a:lstStyle/>
+          <a:p>
+            <a:fld id="{5DCFF196-1009-4A4B-B1F7-75730F18EC55}" type="slidenum">
+              <a:rPr lang="pt-BR" smtClean="0">
+                <a:solidFill>
+                  <a:schemeClr val="bg1"/>
+                </a:solidFill>
+              </a:rPr>
+              <a:t>14</a:t>
+            </a:fld>
+            <a:endParaRPr lang="pt-BR" dirty="0">
+              <a:solidFill>
+                <a:schemeClr val="bg1"/>
+              </a:solidFill>
+            </a:endParaRPr>
+          </a:p>
+        </p:txBody>
+      </p:sp>
     </p:spTree>
     <p:extLst>
       <p:ext uri="{BB962C8B-B14F-4D97-AF65-F5344CB8AC3E}">
@@ -14149,29 +14172,6 @@
               <a:rPr lang="pt-BR" sz="2800" dirty="0" smtClean="0"/>
               <a:t>Neve</a:t>
             </a:r>
-          </a:p>
-        </p:txBody>
-      </p:sp>
-      <p:sp>
-        <p:nvSpPr>
-          <p:cNvPr id="2" name="Espaço Reservado para Número de Slide 1"/>
-          <p:cNvSpPr>
-            <a:spLocks noGrp="1"/>
-          </p:cNvSpPr>
-          <p:nvPr>
-            <p:ph type="sldNum" sz="quarter" idx="12"/>
-          </p:nvPr>
-        </p:nvSpPr>
-        <p:spPr/>
-        <p:txBody>
-          <a:bodyPr/>
-          <a:lstStyle/>
-          <a:p>
-            <a:fld id="{5DCFF196-1009-4A4B-B1F7-75730F18EC55}" type="slidenum">
-              <a:rPr lang="pt-BR" smtClean="0"/>
-              <a:t>15</a:t>
-            </a:fld>
-            <a:endParaRPr lang="pt-BR"/>
           </a:p>
         </p:txBody>
       </p:sp>
@@ -14236,14 +14236,42 @@
         </p:blipFill>
         <p:spPr>
           <a:xfrm>
-            <a:off x="0" y="1649922"/>
-            <a:ext cx="9144000" cy="5208078"/>
+            <a:off x="0" y="1649921"/>
+            <a:ext cx="9144000" cy="5208079"/>
           </a:xfrm>
           <a:prstGeom prst="rect">
             <a:avLst/>
           </a:prstGeom>
         </p:spPr>
       </p:pic>
+      <p:sp>
+        <p:nvSpPr>
+          <p:cNvPr id="7" name="Espaço Reservado para Número de Slide 1"/>
+          <p:cNvSpPr>
+            <a:spLocks noGrp="1"/>
+          </p:cNvSpPr>
+          <p:nvPr>
+            <p:ph type="sldNum" sz="quarter" idx="12"/>
+          </p:nvPr>
+        </p:nvSpPr>
+        <p:spPr>
+          <a:xfrm>
+            <a:off x="7007324" y="6492875"/>
+            <a:ext cx="2133600" cy="365125"/>
+          </a:xfrm>
+        </p:spPr>
+        <p:txBody>
+          <a:bodyPr/>
+          <a:lstStyle/>
+          <a:p>
+            <a:fld id="{5DCFF196-1009-4A4B-B1F7-75730F18EC55}" type="slidenum">
+              <a:rPr lang="pt-BR" smtClean="0"/>
+              <a:t>15</a:t>
+            </a:fld>
+            <a:endParaRPr lang="pt-BR"/>
+          </a:p>
+        </p:txBody>
+      </p:sp>
     </p:spTree>
     <p:extLst>
       <p:ext uri="{BB962C8B-B14F-4D97-AF65-F5344CB8AC3E}">
@@ -14348,29 +14376,6 @@
               <a:rPr lang="pt-BR" sz="2800" dirty="0" smtClean="0"/>
               <a:t>Neve</a:t>
             </a:r>
-          </a:p>
-        </p:txBody>
-      </p:sp>
-      <p:sp>
-        <p:nvSpPr>
-          <p:cNvPr id="2" name="Espaço Reservado para Número de Slide 1"/>
-          <p:cNvSpPr>
-            <a:spLocks noGrp="1"/>
-          </p:cNvSpPr>
-          <p:nvPr>
-            <p:ph type="sldNum" sz="quarter" idx="12"/>
-          </p:nvPr>
-        </p:nvSpPr>
-        <p:spPr/>
-        <p:txBody>
-          <a:bodyPr/>
-          <a:lstStyle/>
-          <a:p>
-            <a:fld id="{5DCFF196-1009-4A4B-B1F7-75730F18EC55}" type="slidenum">
-              <a:rPr lang="pt-BR" smtClean="0"/>
-              <a:t>16</a:t>
-            </a:fld>
-            <a:endParaRPr lang="pt-BR"/>
           </a:p>
         </p:txBody>
       </p:sp>
@@ -14443,6 +14448,34 @@
           </a:prstGeom>
         </p:spPr>
       </p:pic>
+      <p:sp>
+        <p:nvSpPr>
+          <p:cNvPr id="7" name="Espaço Reservado para Número de Slide 1"/>
+          <p:cNvSpPr>
+            <a:spLocks noGrp="1"/>
+          </p:cNvSpPr>
+          <p:nvPr>
+            <p:ph type="sldNum" sz="quarter" idx="12"/>
+          </p:nvPr>
+        </p:nvSpPr>
+        <p:spPr>
+          <a:xfrm>
+            <a:off x="7007324" y="6492875"/>
+            <a:ext cx="2133600" cy="365125"/>
+          </a:xfrm>
+        </p:spPr>
+        <p:txBody>
+          <a:bodyPr/>
+          <a:lstStyle/>
+          <a:p>
+            <a:fld id="{5DCFF196-1009-4A4B-B1F7-75730F18EC55}" type="slidenum">
+              <a:rPr lang="pt-BR" smtClean="0"/>
+              <a:t>16</a:t>
+            </a:fld>
+            <a:endParaRPr lang="pt-BR" dirty="0"/>
+          </a:p>
+        </p:txBody>
+      </p:sp>
     </p:spTree>
     <p:extLst>
       <p:ext uri="{BB962C8B-B14F-4D97-AF65-F5344CB8AC3E}">
@@ -14492,7 +14525,7 @@
         </p:nvSpPr>
         <p:spPr>
           <a:xfrm>
-            <a:off x="457200" y="116632"/>
+            <a:off x="457200" y="188640"/>
             <a:ext cx="8229600" cy="576064"/>
           </a:xfrm>
         </p:spPr>
@@ -14507,29 +14540,6 @@
               <a:t>Descrição da Montagem do Ambiente</a:t>
             </a:r>
             <a:endParaRPr lang="pt-BR" sz="2800" b="1" dirty="0"/>
-          </a:p>
-        </p:txBody>
-      </p:sp>
-      <p:sp>
-        <p:nvSpPr>
-          <p:cNvPr id="2" name="Espaço Reservado para Número de Slide 1"/>
-          <p:cNvSpPr>
-            <a:spLocks noGrp="1"/>
-          </p:cNvSpPr>
-          <p:nvPr>
-            <p:ph type="sldNum" sz="quarter" idx="12"/>
-          </p:nvPr>
-        </p:nvSpPr>
-        <p:spPr/>
-        <p:txBody>
-          <a:bodyPr/>
-          <a:lstStyle/>
-          <a:p>
-            <a:fld id="{5DCFF196-1009-4A4B-B1F7-75730F18EC55}" type="slidenum">
-              <a:rPr lang="pt-BR" smtClean="0"/>
-              <a:t>17</a:t>
-            </a:fld>
-            <a:endParaRPr lang="pt-BR"/>
           </a:p>
         </p:txBody>
       </p:sp>
@@ -14557,14 +14567,42 @@
         </p:blipFill>
         <p:spPr>
           <a:xfrm>
-            <a:off x="0" y="908720"/>
-            <a:ext cx="9144000" cy="5949280"/>
+            <a:off x="0" y="1196752"/>
+            <a:ext cx="9144000" cy="5652187"/>
           </a:xfrm>
           <a:prstGeom prst="rect">
             <a:avLst/>
           </a:prstGeom>
         </p:spPr>
       </p:pic>
+      <p:sp>
+        <p:nvSpPr>
+          <p:cNvPr id="5" name="Espaço Reservado para Número de Slide 1"/>
+          <p:cNvSpPr>
+            <a:spLocks noGrp="1"/>
+          </p:cNvSpPr>
+          <p:nvPr>
+            <p:ph type="sldNum" sz="quarter" idx="12"/>
+          </p:nvPr>
+        </p:nvSpPr>
+        <p:spPr>
+          <a:xfrm>
+            <a:off x="6948264" y="6492875"/>
+            <a:ext cx="2133600" cy="365125"/>
+          </a:xfrm>
+        </p:spPr>
+        <p:txBody>
+          <a:bodyPr/>
+          <a:lstStyle/>
+          <a:p>
+            <a:fld id="{5DCFF196-1009-4A4B-B1F7-75730F18EC55}" type="slidenum">
+              <a:rPr lang="pt-BR" smtClean="0"/>
+              <a:t>17</a:t>
+            </a:fld>
+            <a:endParaRPr lang="pt-BR" dirty="0"/>
+          </a:p>
+        </p:txBody>
+      </p:sp>
     </p:spTree>
     <p:extLst>
       <p:ext uri="{BB962C8B-B14F-4D97-AF65-F5344CB8AC3E}">
@@ -14614,7 +14652,7 @@
         </p:nvSpPr>
         <p:spPr>
           <a:xfrm>
-            <a:off x="457200" y="116632"/>
+            <a:off x="539552" y="116632"/>
             <a:ext cx="8229600" cy="592472"/>
           </a:xfrm>
         </p:spPr>
@@ -14678,76 +14716,14 @@
           </a:p>
         </p:txBody>
       </p:sp>
-      <p:sp>
-        <p:nvSpPr>
-          <p:cNvPr id="2" name="Espaço Reservado para Número de Slide 1"/>
-          <p:cNvSpPr>
-            <a:spLocks noGrp="1"/>
-          </p:cNvSpPr>
-          <p:nvPr>
-            <p:ph type="sldNum" sz="quarter" idx="12"/>
-          </p:nvPr>
-        </p:nvSpPr>
-        <p:spPr/>
-        <p:txBody>
-          <a:bodyPr/>
-          <a:lstStyle/>
-          <a:p>
-            <a:fld id="{5DCFF196-1009-4A4B-B1F7-75730F18EC55}" type="slidenum">
-              <a:rPr lang="pt-BR" smtClean="0"/>
-              <a:t>18</a:t>
-            </a:fld>
-            <a:endParaRPr lang="pt-BR"/>
-          </a:p>
-        </p:txBody>
-      </p:sp>
-      <p:sp>
-        <p:nvSpPr>
-          <p:cNvPr id="3" name="CaixaDeTexto 2"/>
-          <p:cNvSpPr txBox="1"/>
-          <p:nvPr/>
-        </p:nvSpPr>
-        <p:spPr>
-          <a:xfrm>
-            <a:off x="453429" y="777627"/>
-            <a:ext cx="8229600" cy="1231106"/>
-          </a:xfrm>
-          <a:prstGeom prst="rect">
-            <a:avLst/>
-          </a:prstGeom>
-          <a:noFill/>
-        </p:spPr>
-        <p:txBody>
-          <a:bodyPr wrap="square" rtlCol="0">
-            <a:spAutoFit/>
-          </a:bodyPr>
-          <a:lstStyle/>
-          <a:p>
-            <a:pPr lvl="0" algn="ctr"/>
-            <a:r>
-              <a:rPr lang="pt-BR" sz="2800" dirty="0">
-                <a:solidFill>
-                  <a:schemeClr val="accent6">
-                    <a:lumMod val="75000"/>
-                  </a:schemeClr>
-                </a:solidFill>
-              </a:rPr>
-              <a:t>Qual o total de alunos por cada Cor/Raça definida pelo Censo Escolar entre os anos da análise?</a:t>
-            </a:r>
-          </a:p>
-          <a:p>
-            <a:endParaRPr lang="pt-BR" dirty="0"/>
-          </a:p>
-        </p:txBody>
-      </p:sp>
       <p:graphicFrame>
         <p:nvGraphicFramePr>
-          <p:cNvPr id="8" name="Gráfico 7"/>
+          <p:cNvPr id="7" name="Gráfico 6"/>
           <p:cNvGraphicFramePr/>
           <p:nvPr>
             <p:extLst>
               <p:ext uri="{D42A27DB-BD31-4B8C-83A1-F6EECF244321}">
-                <p14:modId xmlns:p14="http://schemas.microsoft.com/office/powerpoint/2010/main" val="2298257052"/>
+                <p14:modId xmlns:p14="http://schemas.microsoft.com/office/powerpoint/2010/main" val="3714836512"/>
               </p:ext>
             </p:extLst>
           </p:nvPr>
@@ -14762,6 +14738,73 @@
           </a:graphicData>
         </a:graphic>
       </p:graphicFrame>
+      <p:sp>
+        <p:nvSpPr>
+          <p:cNvPr id="3" name="CaixaDeTexto 2"/>
+          <p:cNvSpPr txBox="1"/>
+          <p:nvPr/>
+        </p:nvSpPr>
+        <p:spPr>
+          <a:xfrm>
+            <a:off x="453429" y="777627"/>
+            <a:ext cx="8229600" cy="1231106"/>
+          </a:xfrm>
+          <a:prstGeom prst="rect">
+            <a:avLst/>
+          </a:prstGeom>
+          <a:noFill/>
+        </p:spPr>
+        <p:txBody>
+          <a:bodyPr wrap="square" rtlCol="0">
+            <a:spAutoFit/>
+          </a:bodyPr>
+          <a:lstStyle/>
+          <a:p>
+            <a:pPr lvl="0" algn="ctr"/>
+            <a:r>
+              <a:rPr lang="pt-BR" sz="2800" dirty="0">
+                <a:solidFill>
+                  <a:schemeClr val="accent6">
+                    <a:lumMod val="75000"/>
+                  </a:schemeClr>
+                </a:solidFill>
+              </a:rPr>
+              <a:t>Qual o total de alunos por cada Cor/Raça definida pelo Censo Escolar entre os anos da análise?</a:t>
+            </a:r>
+          </a:p>
+          <a:p>
+            <a:endParaRPr lang="pt-BR" dirty="0"/>
+          </a:p>
+        </p:txBody>
+      </p:sp>
+      <p:sp>
+        <p:nvSpPr>
+          <p:cNvPr id="2" name="Espaço Reservado para Número de Slide 1"/>
+          <p:cNvSpPr>
+            <a:spLocks noGrp="1"/>
+          </p:cNvSpPr>
+          <p:nvPr>
+            <p:ph type="sldNum" sz="quarter" idx="12"/>
+          </p:nvPr>
+        </p:nvSpPr>
+        <p:spPr>
+          <a:xfrm>
+            <a:off x="6981408" y="6476641"/>
+            <a:ext cx="2133600" cy="365125"/>
+          </a:xfrm>
+        </p:spPr>
+        <p:txBody>
+          <a:bodyPr/>
+          <a:lstStyle/>
+          <a:p>
+            <a:fld id="{5DCFF196-1009-4A4B-B1F7-75730F18EC55}" type="slidenum">
+              <a:rPr lang="pt-BR" smtClean="0"/>
+              <a:t>18</a:t>
+            </a:fld>
+            <a:endParaRPr lang="pt-BR" dirty="0"/>
+          </a:p>
+        </p:txBody>
+      </p:sp>
     </p:spTree>
     <p:extLst>
       <p:ext uri="{BB962C8B-B14F-4D97-AF65-F5344CB8AC3E}">
@@ -14806,14 +14849,14 @@
           <p:nvPr>
             <p:extLst>
               <p:ext uri="{D42A27DB-BD31-4B8C-83A1-F6EECF244321}">
-                <p14:modId xmlns:p14="http://schemas.microsoft.com/office/powerpoint/2010/main" val="1617374136"/>
+                <p14:modId xmlns:p14="http://schemas.microsoft.com/office/powerpoint/2010/main" val="2649259902"/>
               </p:ext>
             </p:extLst>
           </p:nvPr>
         </p:nvGraphicFramePr>
         <p:xfrm>
-          <a:off x="457200" y="1580798"/>
-          <a:ext cx="8229600" cy="4687544"/>
+          <a:off x="0" y="1844824"/>
+          <a:ext cx="9144000" cy="5013176"/>
         </p:xfrm>
         <a:graphic>
           <a:graphicData uri="http://schemas.openxmlformats.org/drawingml/2006/chart">
@@ -14833,7 +14876,7 @@
         </p:nvSpPr>
         <p:spPr>
           <a:xfrm>
-            <a:off x="611560" y="116632"/>
+            <a:off x="539552" y="44624"/>
             <a:ext cx="8229600" cy="792088"/>
           </a:xfrm>
         </p:spPr>
@@ -14869,7 +14912,12 @@
             <p:ph type="sldNum" sz="quarter" idx="12"/>
           </p:nvPr>
         </p:nvSpPr>
-        <p:spPr/>
+        <p:spPr>
+          <a:xfrm>
+            <a:off x="7010400" y="6492875"/>
+            <a:ext cx="2133600" cy="365125"/>
+          </a:xfrm>
+        </p:spPr>
         <p:txBody>
           <a:bodyPr/>
           <a:lstStyle/>
@@ -14878,7 +14926,7 @@
               <a:rPr lang="pt-BR" smtClean="0"/>
               <a:t>19</a:t>
             </a:fld>
-            <a:endParaRPr lang="pt-BR"/>
+            <a:endParaRPr lang="pt-BR" dirty="0"/>
           </a:p>
         </p:txBody>
       </p:sp>
@@ -15095,7 +15143,7 @@
         </p:nvSpPr>
         <p:spPr>
           <a:xfrm>
-            <a:off x="6553200" y="5872187"/>
+            <a:off x="7010400" y="6491861"/>
             <a:ext cx="2133600" cy="365125"/>
           </a:xfrm>
         </p:spPr>
@@ -15107,7 +15155,7 @@
               <a:rPr lang="pt-BR" smtClean="0"/>
               <a:t>2</a:t>
             </a:fld>
-            <a:endParaRPr lang="pt-BR"/>
+            <a:endParaRPr lang="pt-BR" dirty="0"/>
           </a:p>
         </p:txBody>
       </p:sp>
@@ -15158,7 +15206,7 @@
         </p:nvSpPr>
         <p:spPr>
           <a:xfrm>
-            <a:off x="457200" y="44624"/>
+            <a:off x="457200" y="156646"/>
             <a:ext cx="8229600" cy="504056"/>
           </a:xfrm>
           <a:prstGeom prst="rect">
@@ -15378,36 +15426,13 @@
       </p:sp>
       <p:sp>
         <p:nvSpPr>
-          <p:cNvPr id="6" name="Espaço Reservado para Número de Slide 5"/>
-          <p:cNvSpPr>
-            <a:spLocks noGrp="1"/>
-          </p:cNvSpPr>
-          <p:nvPr>
-            <p:ph type="sldNum" sz="quarter" idx="12"/>
-          </p:nvPr>
-        </p:nvSpPr>
-        <p:spPr/>
-        <p:txBody>
-          <a:bodyPr/>
-          <a:lstStyle/>
-          <a:p>
-            <a:fld id="{5DCFF196-1009-4A4B-B1F7-75730F18EC55}" type="slidenum">
-              <a:rPr lang="pt-BR" smtClean="0"/>
-              <a:t>20</a:t>
-            </a:fld>
-            <a:endParaRPr lang="pt-BR"/>
-          </a:p>
-        </p:txBody>
-      </p:sp>
-      <p:sp>
-        <p:nvSpPr>
           <p:cNvPr id="8" name="CaixaDeTexto 7"/>
           <p:cNvSpPr txBox="1"/>
           <p:nvPr/>
         </p:nvSpPr>
         <p:spPr>
           <a:xfrm>
-            <a:off x="457200" y="548680"/>
+            <a:off x="457200" y="639864"/>
             <a:ext cx="8229600" cy="1231106"/>
           </a:xfrm>
           <a:prstGeom prst="rect">
@@ -15446,19 +15471,19 @@
       </p:sp>
       <p:graphicFrame>
         <p:nvGraphicFramePr>
-          <p:cNvPr id="7" name="Gráfico 6"/>
+          <p:cNvPr id="9" name="Gráfico 8"/>
           <p:cNvGraphicFramePr/>
           <p:nvPr>
             <p:extLst>
               <p:ext uri="{D42A27DB-BD31-4B8C-83A1-F6EECF244321}">
-                <p14:modId xmlns:p14="http://schemas.microsoft.com/office/powerpoint/2010/main" val="1631139269"/>
+                <p14:modId xmlns:p14="http://schemas.microsoft.com/office/powerpoint/2010/main" val="3497972825"/>
               </p:ext>
             </p:extLst>
           </p:nvPr>
         </p:nvGraphicFramePr>
         <p:xfrm>
-          <a:off x="0" y="1708754"/>
-          <a:ext cx="9144000" cy="5149245"/>
+          <a:off x="0" y="1844824"/>
+          <a:ext cx="9144000" cy="5013175"/>
         </p:xfrm>
         <a:graphic>
           <a:graphicData uri="http://schemas.openxmlformats.org/drawingml/2006/chart">
@@ -15466,6 +15491,34 @@
           </a:graphicData>
         </a:graphic>
       </p:graphicFrame>
+      <p:sp>
+        <p:nvSpPr>
+          <p:cNvPr id="6" name="Espaço Reservado para Número de Slide 5"/>
+          <p:cNvSpPr>
+            <a:spLocks noGrp="1"/>
+          </p:cNvSpPr>
+          <p:nvPr>
+            <p:ph type="sldNum" sz="quarter" idx="12"/>
+          </p:nvPr>
+        </p:nvSpPr>
+        <p:spPr>
+          <a:xfrm>
+            <a:off x="7022477" y="6541482"/>
+            <a:ext cx="2133600" cy="365125"/>
+          </a:xfrm>
+        </p:spPr>
+        <p:txBody>
+          <a:bodyPr/>
+          <a:lstStyle/>
+          <a:p>
+            <a:fld id="{5DCFF196-1009-4A4B-B1F7-75730F18EC55}" type="slidenum">
+              <a:rPr lang="pt-BR" smtClean="0"/>
+              <a:t>20</a:t>
+            </a:fld>
+            <a:endParaRPr lang="pt-BR" dirty="0"/>
+          </a:p>
+        </p:txBody>
+      </p:sp>
     </p:spTree>
     <p:extLst>
       <p:ext uri="{BB962C8B-B14F-4D97-AF65-F5344CB8AC3E}">
@@ -15510,14 +15563,14 @@
           <p:nvPr>
             <p:extLst>
               <p:ext uri="{D42A27DB-BD31-4B8C-83A1-F6EECF244321}">
-                <p14:modId xmlns:p14="http://schemas.microsoft.com/office/powerpoint/2010/main" val="3007206376"/>
+                <p14:modId xmlns:p14="http://schemas.microsoft.com/office/powerpoint/2010/main" val="1206162075"/>
               </p:ext>
             </p:extLst>
           </p:nvPr>
         </p:nvGraphicFramePr>
         <p:xfrm>
-          <a:off x="457200" y="1612994"/>
-          <a:ext cx="8229600" cy="4743355"/>
+          <a:off x="0" y="1795557"/>
+          <a:ext cx="9144000" cy="5062443"/>
         </p:xfrm>
         <a:graphic>
           <a:graphicData uri="http://schemas.openxmlformats.org/drawingml/2006/chart">
@@ -15535,7 +15588,7 @@
         </p:nvSpPr>
         <p:spPr>
           <a:xfrm>
-            <a:off x="457200" y="116632"/>
+            <a:off x="457200" y="157076"/>
             <a:ext cx="8229600" cy="504056"/>
           </a:xfrm>
           <a:prstGeom prst="rect">
@@ -15755,7 +15808,12 @@
             <p:ph type="sldNum" sz="quarter" idx="12"/>
           </p:nvPr>
         </p:nvSpPr>
-        <p:spPr/>
+        <p:spPr>
+          <a:xfrm>
+            <a:off x="7022219" y="6509110"/>
+            <a:ext cx="2133600" cy="365125"/>
+          </a:xfrm>
+        </p:spPr>
         <p:txBody>
           <a:bodyPr/>
           <a:lstStyle/>
@@ -15764,7 +15822,7 @@
               <a:rPr lang="pt-BR" smtClean="0"/>
               <a:t>21</a:t>
             </a:fld>
-            <a:endParaRPr lang="pt-BR"/>
+            <a:endParaRPr lang="pt-BR" dirty="0"/>
           </a:p>
         </p:txBody>
       </p:sp>
@@ -15873,14 +15931,14 @@
           <p:nvPr>
             <p:extLst>
               <p:ext uri="{D42A27DB-BD31-4B8C-83A1-F6EECF244321}">
-                <p14:modId xmlns:p14="http://schemas.microsoft.com/office/powerpoint/2010/main" val="202604864"/>
+                <p14:modId xmlns:p14="http://schemas.microsoft.com/office/powerpoint/2010/main" val="224541789"/>
               </p:ext>
             </p:extLst>
           </p:nvPr>
         </p:nvGraphicFramePr>
         <p:xfrm>
-          <a:off x="457200" y="1715283"/>
-          <a:ext cx="8229600" cy="4562537"/>
+          <a:off x="-36512" y="1793813"/>
+          <a:ext cx="9180512" cy="5064187"/>
         </p:xfrm>
         <a:graphic>
           <a:graphicData uri="http://schemas.openxmlformats.org/drawingml/2006/chart">
@@ -16137,7 +16195,12 @@
             <p:ph type="sldNum" sz="quarter" idx="12"/>
           </p:nvPr>
         </p:nvSpPr>
-        <p:spPr/>
+        <p:spPr>
+          <a:xfrm>
+            <a:off x="7010400" y="6492875"/>
+            <a:ext cx="2133600" cy="365125"/>
+          </a:xfrm>
+        </p:spPr>
         <p:txBody>
           <a:bodyPr/>
           <a:lstStyle/>
@@ -16146,7 +16209,7 @@
               <a:rPr lang="pt-BR" smtClean="0"/>
               <a:t>22</a:t>
             </a:fld>
-            <a:endParaRPr lang="pt-BR"/>
+            <a:endParaRPr lang="pt-BR" dirty="0"/>
           </a:p>
         </p:txBody>
       </p:sp>
@@ -16401,29 +16464,6 @@
       </p:sp>
       <p:sp>
         <p:nvSpPr>
-          <p:cNvPr id="6" name="Espaço Reservado para Número de Slide 5"/>
-          <p:cNvSpPr>
-            <a:spLocks noGrp="1"/>
-          </p:cNvSpPr>
-          <p:nvPr>
-            <p:ph type="sldNum" sz="quarter" idx="12"/>
-          </p:nvPr>
-        </p:nvSpPr>
-        <p:spPr/>
-        <p:txBody>
-          <a:bodyPr/>
-          <a:lstStyle/>
-          <a:p>
-            <a:fld id="{5DCFF196-1009-4A4B-B1F7-75730F18EC55}" type="slidenum">
-              <a:rPr lang="pt-BR" smtClean="0"/>
-              <a:t>23</a:t>
-            </a:fld>
-            <a:endParaRPr lang="pt-BR"/>
-          </a:p>
-        </p:txBody>
-      </p:sp>
-      <p:sp>
-        <p:nvSpPr>
           <p:cNvPr id="8" name="CaixaDeTexto 7"/>
           <p:cNvSpPr txBox="1"/>
           <p:nvPr/>
@@ -16477,12 +16517,12 @@
       </p:sp>
       <p:graphicFrame>
         <p:nvGraphicFramePr>
-          <p:cNvPr id="7" name="Gráfico 6"/>
+          <p:cNvPr id="9" name="Gráfico 8"/>
           <p:cNvGraphicFramePr/>
           <p:nvPr>
             <p:extLst>
               <p:ext uri="{D42A27DB-BD31-4B8C-83A1-F6EECF244321}">
-                <p14:modId xmlns:p14="http://schemas.microsoft.com/office/powerpoint/2010/main" val="2195167269"/>
+                <p14:modId xmlns:p14="http://schemas.microsoft.com/office/powerpoint/2010/main" val="3792919880"/>
               </p:ext>
             </p:extLst>
           </p:nvPr>
@@ -16497,6 +16537,34 @@
           </a:graphicData>
         </a:graphic>
       </p:graphicFrame>
+      <p:sp>
+        <p:nvSpPr>
+          <p:cNvPr id="6" name="Espaço Reservado para Número de Slide 5"/>
+          <p:cNvSpPr>
+            <a:spLocks noGrp="1"/>
+          </p:cNvSpPr>
+          <p:nvPr>
+            <p:ph type="sldNum" sz="quarter" idx="12"/>
+          </p:nvPr>
+        </p:nvSpPr>
+        <p:spPr>
+          <a:xfrm>
+            <a:off x="7010400" y="6476639"/>
+            <a:ext cx="2133600" cy="365125"/>
+          </a:xfrm>
+        </p:spPr>
+        <p:txBody>
+          <a:bodyPr/>
+          <a:lstStyle/>
+          <a:p>
+            <a:fld id="{5DCFF196-1009-4A4B-B1F7-75730F18EC55}" type="slidenum">
+              <a:rPr lang="pt-BR" smtClean="0"/>
+              <a:t>23</a:t>
+            </a:fld>
+            <a:endParaRPr lang="pt-BR" dirty="0"/>
+          </a:p>
+        </p:txBody>
+      </p:sp>
     </p:spTree>
     <p:extLst>
       <p:ext uri="{BB962C8B-B14F-4D97-AF65-F5344CB8AC3E}">
@@ -16552,7 +16620,7 @@
         </p:nvSpPr>
         <p:spPr>
           <a:xfrm>
-            <a:off x="465956" y="116632"/>
+            <a:off x="465956" y="332656"/>
             <a:ext cx="8229600" cy="504056"/>
           </a:xfrm>
           <a:prstGeom prst="rect">
@@ -16829,7 +16897,12 @@
             <p:ph type="sldNum" sz="quarter" idx="12"/>
           </p:nvPr>
         </p:nvSpPr>
-        <p:spPr/>
+        <p:spPr>
+          <a:xfrm>
+            <a:off x="7006101" y="6500676"/>
+            <a:ext cx="2133600" cy="365125"/>
+          </a:xfrm>
+        </p:spPr>
         <p:txBody>
           <a:bodyPr/>
           <a:lstStyle/>
@@ -16838,7 +16911,7 @@
               <a:rPr lang="pt-BR" smtClean="0"/>
               <a:t>24</a:t>
             </a:fld>
-            <a:endParaRPr lang="pt-BR"/>
+            <a:endParaRPr lang="pt-BR" dirty="0"/>
           </a:p>
         </p:txBody>
       </p:sp>
@@ -17074,7 +17147,12 @@
             <p:ph type="sldNum" sz="quarter" idx="12"/>
           </p:nvPr>
         </p:nvSpPr>
-        <p:spPr/>
+        <p:spPr>
+          <a:xfrm>
+            <a:off x="7010400" y="6499529"/>
+            <a:ext cx="2133600" cy="365125"/>
+          </a:xfrm>
+        </p:spPr>
         <p:txBody>
           <a:bodyPr/>
           <a:lstStyle/>
@@ -17337,7 +17415,12 @@
             <p:ph type="sldNum" sz="quarter" idx="12"/>
           </p:nvPr>
         </p:nvSpPr>
-        <p:spPr/>
+        <p:spPr>
+          <a:xfrm>
+            <a:off x="7010400" y="6492875"/>
+            <a:ext cx="2133600" cy="365125"/>
+          </a:xfrm>
+        </p:spPr>
         <p:txBody>
           <a:bodyPr/>
           <a:lstStyle/>
@@ -17346,7 +17429,7 @@
               <a:rPr lang="pt-BR" smtClean="0"/>
               <a:t>26</a:t>
             </a:fld>
-            <a:endParaRPr lang="pt-BR"/>
+            <a:endParaRPr lang="pt-BR" dirty="0"/>
           </a:p>
         </p:txBody>
       </p:sp>
@@ -17644,7 +17727,7 @@
         </p:nvSpPr>
         <p:spPr>
           <a:xfrm>
-            <a:off x="6553200" y="5578425"/>
+            <a:off x="7014809" y="6508629"/>
             <a:ext cx="2133600" cy="365125"/>
           </a:xfrm>
         </p:spPr>
@@ -17792,7 +17875,7 @@
         </p:nvSpPr>
         <p:spPr>
           <a:xfrm>
-            <a:off x="6553200" y="5578425"/>
+            <a:off x="7010400" y="6499921"/>
             <a:ext cx="2133600" cy="365125"/>
           </a:xfrm>
         </p:spPr>
@@ -17967,7 +18050,12 @@
             <p:ph type="sldNum" sz="quarter" idx="12"/>
           </p:nvPr>
         </p:nvSpPr>
-        <p:spPr/>
+        <p:spPr>
+          <a:xfrm>
+            <a:off x="7010400" y="6500366"/>
+            <a:ext cx="2133600" cy="365125"/>
+          </a:xfrm>
+        </p:spPr>
         <p:txBody>
           <a:bodyPr/>
           <a:lstStyle/>
@@ -17976,7 +18064,7 @@
               <a:rPr lang="pt-BR" smtClean="0"/>
               <a:t>5</a:t>
             </a:fld>
-            <a:endParaRPr lang="pt-BR"/>
+            <a:endParaRPr lang="pt-BR" dirty="0"/>
           </a:p>
         </p:txBody>
       </p:sp>
@@ -18029,7 +18117,7 @@
         </p:nvSpPr>
         <p:spPr>
           <a:xfrm>
-            <a:off x="457200" y="332656"/>
+            <a:off x="457200" y="404664"/>
             <a:ext cx="8229600" cy="792088"/>
           </a:xfrm>
         </p:spPr>
@@ -18059,7 +18147,7 @@
         </p:nvSpPr>
         <p:spPr>
           <a:xfrm>
-            <a:off x="323528" y="1364283"/>
+            <a:off x="323528" y="1556792"/>
             <a:ext cx="8363272" cy="4752528"/>
           </a:xfrm>
         </p:spPr>
@@ -18139,11 +18227,7 @@
             </a:r>
             <a:r>
               <a:rPr lang="en-US" sz="2800" i="1" dirty="0" smtClean="0"/>
-              <a:t>Data </a:t>
-            </a:r>
-            <a:r>
-              <a:rPr lang="en-US" sz="2800" i="1" dirty="0" smtClean="0"/>
-              <a:t>Warehouse</a:t>
+              <a:t>Data Warehouse</a:t>
             </a:r>
             <a:r>
               <a:rPr lang="pt-BR" sz="2800" dirty="0" smtClean="0"/>
@@ -18173,7 +18257,12 @@
             <p:ph type="sldNum" sz="quarter" idx="12"/>
           </p:nvPr>
         </p:nvSpPr>
-        <p:spPr/>
+        <p:spPr>
+          <a:xfrm>
+            <a:off x="7016499" y="6479772"/>
+            <a:ext cx="2133600" cy="365125"/>
+          </a:xfrm>
+        </p:spPr>
         <p:txBody>
           <a:bodyPr/>
           <a:lstStyle/>
@@ -18182,7 +18271,7 @@
               <a:rPr lang="pt-BR" smtClean="0"/>
               <a:t>6</a:t>
             </a:fld>
-            <a:endParaRPr lang="pt-BR"/>
+            <a:endParaRPr lang="pt-BR" dirty="0"/>
           </a:p>
         </p:txBody>
       </p:sp>
@@ -18235,7 +18324,7 @@
         </p:nvSpPr>
         <p:spPr>
           <a:xfrm>
-            <a:off x="430138" y="260648"/>
+            <a:off x="430138" y="404664"/>
             <a:ext cx="8229600" cy="792088"/>
           </a:xfrm>
         </p:spPr>
@@ -18265,7 +18354,7 @@
         </p:nvSpPr>
         <p:spPr>
           <a:xfrm>
-            <a:off x="457200" y="1461936"/>
+            <a:off x="430138" y="1694787"/>
             <a:ext cx="8229600" cy="4125176"/>
           </a:xfrm>
         </p:spPr>
@@ -18341,7 +18430,7 @@
         </p:nvSpPr>
         <p:spPr>
           <a:xfrm>
-            <a:off x="6553200" y="5996312"/>
+            <a:off x="7010400" y="6492875"/>
             <a:ext cx="2133600" cy="365125"/>
           </a:xfrm>
         </p:spPr>
@@ -18460,29 +18549,6 @@
           </a:p>
         </p:txBody>
       </p:sp>
-      <p:sp>
-        <p:nvSpPr>
-          <p:cNvPr id="2" name="Espaço Reservado para Número de Slide 1"/>
-          <p:cNvSpPr>
-            <a:spLocks noGrp="1"/>
-          </p:cNvSpPr>
-          <p:nvPr>
-            <p:ph type="sldNum" sz="quarter" idx="12"/>
-          </p:nvPr>
-        </p:nvSpPr>
-        <p:spPr/>
-        <p:txBody>
-          <a:bodyPr/>
-          <a:lstStyle/>
-          <a:p>
-            <a:fld id="{5DCFF196-1009-4A4B-B1F7-75730F18EC55}" type="slidenum">
-              <a:rPr lang="pt-BR" smtClean="0"/>
-              <a:t>8</a:t>
-            </a:fld>
-            <a:endParaRPr lang="pt-BR"/>
-          </a:p>
-        </p:txBody>
-      </p:sp>
       <p:pic>
         <p:nvPicPr>
           <p:cNvPr id="3" name="Imagem 2"/>
@@ -18513,6 +18579,34 @@
           </a:prstGeom>
         </p:spPr>
       </p:pic>
+      <p:sp>
+        <p:nvSpPr>
+          <p:cNvPr id="6" name="Espaço Reservado para Número de Slide 1"/>
+          <p:cNvSpPr>
+            <a:spLocks noGrp="1"/>
+          </p:cNvSpPr>
+          <p:nvPr>
+            <p:ph type="sldNum" sz="quarter" idx="12"/>
+          </p:nvPr>
+        </p:nvSpPr>
+        <p:spPr>
+          <a:xfrm>
+            <a:off x="6876256" y="6492875"/>
+            <a:ext cx="2133600" cy="365125"/>
+          </a:xfrm>
+        </p:spPr>
+        <p:txBody>
+          <a:bodyPr/>
+          <a:lstStyle/>
+          <a:p>
+            <a:fld id="{5DCFF196-1009-4A4B-B1F7-75730F18EC55}" type="slidenum">
+              <a:rPr lang="pt-BR" smtClean="0"/>
+              <a:t>8</a:t>
+            </a:fld>
+            <a:endParaRPr lang="pt-BR" dirty="0"/>
+          </a:p>
+        </p:txBody>
+      </p:sp>
     </p:spTree>
     <p:extLst>
       <p:ext uri="{BB962C8B-B14F-4D97-AF65-F5344CB8AC3E}">
@@ -18562,7 +18656,7 @@
         </p:nvSpPr>
         <p:spPr>
           <a:xfrm>
-            <a:off x="465187" y="332656"/>
+            <a:off x="447675" y="332656"/>
             <a:ext cx="8229600" cy="792088"/>
           </a:xfrm>
         </p:spPr>
@@ -18626,7 +18720,12 @@
             <p:ph type="sldNum" sz="quarter" idx="12"/>
           </p:nvPr>
         </p:nvSpPr>
-        <p:spPr/>
+        <p:spPr>
+          <a:xfrm>
+            <a:off x="7010400" y="6479772"/>
+            <a:ext cx="2133600" cy="365125"/>
+          </a:xfrm>
+        </p:spPr>
         <p:txBody>
           <a:bodyPr/>
           <a:lstStyle/>
@@ -18635,7 +18734,7 @@
               <a:rPr lang="pt-BR" smtClean="0"/>
               <a:t>9</a:t>
             </a:fld>
-            <a:endParaRPr lang="pt-BR"/>
+            <a:endParaRPr lang="pt-BR" dirty="0"/>
           </a:p>
         </p:txBody>
       </p:sp>

--- a/TCC_BI_Alunos_Negros.pptx
+++ b/TCC_BI_Alunos_Negros.pptx
@@ -135,12 +135,12 @@
   <p:extLst>
     <p:ext uri="{EFAFB233-063F-42B5-8137-9DF3F51BA10A}">
       <p15:sldGuideLst xmlns:p15="http://schemas.microsoft.com/office/powerpoint/2012/main">
-        <p15:guide id="1" orient="horz" pos="2160">
+        <p15:guide id="1" orient="horz" pos="2160" userDrawn="1">
           <p15:clr>
             <a:srgbClr val="A4A3A4"/>
           </p15:clr>
         </p15:guide>
-        <p15:guide id="2" pos="2880">
+        <p15:guide id="2" pos="2880" userDrawn="1">
           <p15:clr>
             <a:srgbClr val="A4A3A4"/>
           </p15:clr>
@@ -337,7 +337,6 @@
             <c:showLeaderLines val="0"/>
             <c:extLst>
               <c:ext xmlns:c15="http://schemas.microsoft.com/office/drawing/2012/chart" uri="{CE6537A1-D6FC-4f65-9D91-7224C49458BB}">
-                <c15:layout/>
                 <c15:showLeaderLines val="1"/>
                 <c15:leaderLines>
                   <c:spPr>
@@ -498,7 +497,6 @@
             <c:showLeaderLines val="0"/>
             <c:extLst>
               <c:ext xmlns:c15="http://schemas.microsoft.com/office/drawing/2012/chart" uri="{CE6537A1-D6FC-4f65-9D91-7224C49458BB}">
-                <c15:layout/>
                 <c15:showLeaderLines val="1"/>
                 <c15:leaderLines>
                   <c:spPr>
@@ -659,7 +657,6 @@
             <c:showLeaderLines val="0"/>
             <c:extLst>
               <c:ext xmlns:c15="http://schemas.microsoft.com/office/drawing/2012/chart" uri="{CE6537A1-D6FC-4f65-9D91-7224C49458BB}">
-                <c15:layout/>
                 <c15:showLeaderLines val="1"/>
                 <c15:leaderLines>
                   <c:spPr>
@@ -802,9 +799,7 @@
               <c:showPercent val="0"/>
               <c:showBubbleSize val="0"/>
               <c:extLst>
-                <c:ext xmlns:c15="http://schemas.microsoft.com/office/drawing/2012/chart" uri="{CE6537A1-D6FC-4f65-9D91-7224C49458BB}">
-                  <c15:layout/>
-                </c:ext>
+                <c:ext xmlns:c15="http://schemas.microsoft.com/office/drawing/2012/chart" uri="{CE6537A1-D6FC-4f65-9D91-7224C49458BB}"/>
                 <c:ext xmlns:c16="http://schemas.microsoft.com/office/drawing/2014/chart" uri="{C3380CC4-5D6E-409C-BE32-E72D297353CC}">
                   <c16:uniqueId val="{00000003-255E-411E-93BF-9D6E46F713C1}"/>
                 </c:ext>
@@ -843,7 +838,6 @@
             <c:showLeaderLines val="0"/>
             <c:extLst>
               <c:ext xmlns:c15="http://schemas.microsoft.com/office/drawing/2012/chart" uri="{CE6537A1-D6FC-4f65-9D91-7224C49458BB}">
-                <c15:layout/>
                 <c15:showLeaderLines val="1"/>
                 <c15:leaderLines>
                   <c:spPr>
@@ -1004,7 +998,6 @@
             <c:showLeaderLines val="0"/>
             <c:extLst>
               <c:ext xmlns:c15="http://schemas.microsoft.com/office/drawing/2012/chart" uri="{CE6537A1-D6FC-4f65-9D91-7224C49458BB}">
-                <c15:layout/>
                 <c15:showLeaderLines val="1"/>
                 <c15:leaderLines>
                   <c:spPr>
@@ -1165,7 +1158,6 @@
             <c:showLeaderLines val="0"/>
             <c:extLst>
               <c:ext xmlns:c15="http://schemas.microsoft.com/office/drawing/2012/chart" uri="{CE6537A1-D6FC-4f65-9D91-7224C49458BB}">
-                <c15:layout/>
                 <c15:showLeaderLines val="1"/>
                 <c15:leaderLines>
                   <c:spPr>
@@ -1316,7 +1308,6 @@
     </c:plotArea>
     <c:legend>
       <c:legendPos val="b"/>
-      <c:layout/>
       <c:overlay val="0"/>
       <c:spPr>
         <a:noFill/>
@@ -1417,24 +1408,11 @@
               <a:rPr lang="pt-BR" dirty="0" smtClean="0">
                 <a:effectLst/>
               </a:rPr>
-              <a:t>Alunos que se </a:t>
-            </a:r>
-            <a:r>
-              <a:rPr lang="pt-BR" dirty="0" smtClean="0">
-                <a:effectLst/>
-              </a:rPr>
-              <a:t>declararam</a:t>
-            </a:r>
-            <a:r>
-              <a:rPr lang="pt-BR" dirty="0" smtClean="0">
-                <a:effectLst/>
-              </a:rPr>
-              <a:t> negros (em milhões)</a:t>
+              <a:t>Alunos que se declararam negros (em milhões)</a:t>
             </a:r>
           </a:p>
         </c:rich>
       </c:tx>
-      <c:layout/>
       <c:overlay val="0"/>
       <c:spPr>
         <a:noFill/>
@@ -1593,7 +1571,6 @@
             <c:showLeaderLines val="0"/>
             <c:extLst>
               <c:ext xmlns:c15="http://schemas.microsoft.com/office/drawing/2012/chart" uri="{CE6537A1-D6FC-4f65-9D91-7224C49458BB}">
-                <c15:layout/>
                 <c15:showLeaderLines val="1"/>
                 <c15:leaderLines>
                   <c:spPr>
@@ -2627,7 +2604,6 @@
           </a:p>
         </c:rich>
       </c:tx>
-      <c:layout/>
       <c:overlay val="0"/>
       <c:spPr>
         <a:noFill/>
@@ -2786,7 +2762,6 @@
             <c:showLeaderLines val="0"/>
             <c:extLst>
               <c:ext xmlns:c15="http://schemas.microsoft.com/office/drawing/2012/chart" uri="{CE6537A1-D6FC-4f65-9D91-7224C49458BB}">
-                <c15:layout/>
                 <c15:showLeaderLines val="1"/>
                 <c15:leaderLines>
                   <c:spPr>
@@ -3020,7 +2995,6 @@
           </a:p>
         </c:rich>
       </c:tx>
-      <c:layout/>
       <c:overlay val="0"/>
       <c:spPr>
         <a:noFill/>
@@ -3156,7 +3130,6 @@
             <c:showLeaderLines val="0"/>
             <c:extLst>
               <c:ext xmlns:c15="http://schemas.microsoft.com/office/drawing/2012/chart" uri="{CE6537A1-D6FC-4f65-9D91-7224C49458BB}">
-                <c15:layout/>
                 <c15:showLeaderLines val="1"/>
                 <c15:leaderLines>
                   <c:spPr>
@@ -3317,7 +3290,6 @@
             <c:showLeaderLines val="0"/>
             <c:extLst>
               <c:ext xmlns:c15="http://schemas.microsoft.com/office/drawing/2012/chart" uri="{CE6537A1-D6FC-4f65-9D91-7224C49458BB}">
-                <c15:layout/>
                 <c15:showLeaderLines val="1"/>
                 <c15:leaderLines>
                   <c:spPr>
@@ -3468,7 +3440,6 @@
     </c:plotArea>
     <c:legend>
       <c:legendPos val="b"/>
-      <c:layout/>
       <c:overlay val="0"/>
       <c:spPr>
         <a:noFill/>
@@ -7121,7 +7092,12 @@
             <p:ph type="sldImg"/>
           </p:nvPr>
         </p:nvSpPr>
-        <p:spPr/>
+        <p:spPr>
+          <a:xfrm>
+            <a:off x="1143000" y="685800"/>
+            <a:ext cx="4572000" cy="3429000"/>
+          </a:xfrm>
+        </p:spPr>
       </p:sp>
       <p:sp>
         <p:nvSpPr>
@@ -7229,7 +7205,12 @@
             <p:ph type="sldImg"/>
           </p:nvPr>
         </p:nvSpPr>
-        <p:spPr/>
+        <p:spPr>
+          <a:xfrm>
+            <a:off x="1143000" y="685800"/>
+            <a:ext cx="4572000" cy="3429000"/>
+          </a:xfrm>
+        </p:spPr>
       </p:sp>
       <p:sp>
         <p:nvSpPr>
@@ -7321,7 +7302,12 @@
             <p:ph type="sldImg"/>
           </p:nvPr>
         </p:nvSpPr>
-        <p:spPr/>
+        <p:spPr>
+          <a:xfrm>
+            <a:off x="1143000" y="685800"/>
+            <a:ext cx="4572000" cy="3429000"/>
+          </a:xfrm>
+        </p:spPr>
       </p:sp>
       <p:sp>
         <p:nvSpPr>
@@ -7413,7 +7399,12 @@
             <p:ph type="sldImg"/>
           </p:nvPr>
         </p:nvSpPr>
-        <p:spPr/>
+        <p:spPr>
+          <a:xfrm>
+            <a:off x="1143000" y="685800"/>
+            <a:ext cx="4572000" cy="3429000"/>
+          </a:xfrm>
+        </p:spPr>
       </p:sp>
       <p:sp>
         <p:nvSpPr>
@@ -7505,7 +7496,12 @@
             <p:ph type="sldImg"/>
           </p:nvPr>
         </p:nvSpPr>
-        <p:spPr/>
+        <p:spPr>
+          <a:xfrm>
+            <a:off x="1143000" y="685800"/>
+            <a:ext cx="4572000" cy="3429000"/>
+          </a:xfrm>
+        </p:spPr>
       </p:sp>
       <p:sp>
         <p:nvSpPr>
@@ -7597,7 +7593,12 @@
             <p:ph type="sldImg"/>
           </p:nvPr>
         </p:nvSpPr>
-        <p:spPr/>
+        <p:spPr>
+          <a:xfrm>
+            <a:off x="1143000" y="685800"/>
+            <a:ext cx="4572000" cy="3429000"/>
+          </a:xfrm>
+        </p:spPr>
       </p:sp>
       <p:sp>
         <p:nvSpPr>
@@ -7685,7 +7686,12 @@
             <p:ph type="sldImg"/>
           </p:nvPr>
         </p:nvSpPr>
-        <p:spPr/>
+        <p:spPr>
+          <a:xfrm>
+            <a:off x="1143000" y="685800"/>
+            <a:ext cx="4572000" cy="3429000"/>
+          </a:xfrm>
+        </p:spPr>
       </p:sp>
       <p:sp>
         <p:nvSpPr>
@@ -7773,7 +7779,12 @@
             <p:ph type="sldImg"/>
           </p:nvPr>
         </p:nvSpPr>
-        <p:spPr/>
+        <p:spPr>
+          <a:xfrm>
+            <a:off x="1143000" y="685800"/>
+            <a:ext cx="4572000" cy="3429000"/>
+          </a:xfrm>
+        </p:spPr>
       </p:sp>
       <p:sp>
         <p:nvSpPr>
@@ -7865,7 +7876,12 @@
             <p:ph type="sldImg"/>
           </p:nvPr>
         </p:nvSpPr>
-        <p:spPr/>
+        <p:spPr>
+          <a:xfrm>
+            <a:off x="1143000" y="685800"/>
+            <a:ext cx="4572000" cy="3429000"/>
+          </a:xfrm>
+        </p:spPr>
       </p:sp>
       <p:sp>
         <p:nvSpPr>
@@ -7957,7 +7973,12 @@
             <p:ph type="sldImg"/>
           </p:nvPr>
         </p:nvSpPr>
-        <p:spPr/>
+        <p:spPr>
+          <a:xfrm>
+            <a:off x="1143000" y="685800"/>
+            <a:ext cx="4572000" cy="3429000"/>
+          </a:xfrm>
+        </p:spPr>
       </p:sp>
       <p:sp>
         <p:nvSpPr>
@@ -8045,7 +8066,12 @@
             <p:ph type="sldImg"/>
           </p:nvPr>
         </p:nvSpPr>
-        <p:spPr/>
+        <p:spPr>
+          <a:xfrm>
+            <a:off x="1143000" y="685800"/>
+            <a:ext cx="4572000" cy="3429000"/>
+          </a:xfrm>
+        </p:spPr>
       </p:sp>
       <p:sp>
         <p:nvSpPr>
@@ -8133,7 +8159,12 @@
             <p:ph type="sldImg"/>
           </p:nvPr>
         </p:nvSpPr>
-        <p:spPr/>
+        <p:spPr>
+          <a:xfrm>
+            <a:off x="1143000" y="685800"/>
+            <a:ext cx="4572000" cy="3429000"/>
+          </a:xfrm>
+        </p:spPr>
       </p:sp>
       <p:sp>
         <p:nvSpPr>
@@ -8229,7 +8260,12 @@
             <p:ph type="sldImg"/>
           </p:nvPr>
         </p:nvSpPr>
-        <p:spPr/>
+        <p:spPr>
+          <a:xfrm>
+            <a:off x="1143000" y="685800"/>
+            <a:ext cx="4572000" cy="3429000"/>
+          </a:xfrm>
+        </p:spPr>
       </p:sp>
       <p:sp>
         <p:nvSpPr>
@@ -8317,7 +8353,12 @@
             <p:ph type="sldImg"/>
           </p:nvPr>
         </p:nvSpPr>
-        <p:spPr/>
+        <p:spPr>
+          <a:xfrm>
+            <a:off x="1143000" y="685800"/>
+            <a:ext cx="4572000" cy="3429000"/>
+          </a:xfrm>
+        </p:spPr>
       </p:sp>
       <p:sp>
         <p:nvSpPr>
@@ -8405,7 +8446,12 @@
             <p:ph type="sldImg"/>
           </p:nvPr>
         </p:nvSpPr>
-        <p:spPr/>
+        <p:spPr>
+          <a:xfrm>
+            <a:off x="1143000" y="685800"/>
+            <a:ext cx="4572000" cy="3429000"/>
+          </a:xfrm>
+        </p:spPr>
       </p:sp>
       <p:sp>
         <p:nvSpPr>
@@ -8497,7 +8543,12 @@
             <p:ph type="sldImg"/>
           </p:nvPr>
         </p:nvSpPr>
-        <p:spPr/>
+        <p:spPr>
+          <a:xfrm>
+            <a:off x="1143000" y="685800"/>
+            <a:ext cx="4572000" cy="3429000"/>
+          </a:xfrm>
+        </p:spPr>
       </p:sp>
       <p:sp>
         <p:nvSpPr>
@@ -8585,7 +8636,12 @@
             <p:ph type="sldImg"/>
           </p:nvPr>
         </p:nvSpPr>
-        <p:spPr/>
+        <p:spPr>
+          <a:xfrm>
+            <a:off x="1143000" y="685800"/>
+            <a:ext cx="4572000" cy="3429000"/>
+          </a:xfrm>
+        </p:spPr>
       </p:sp>
       <p:sp>
         <p:nvSpPr>
@@ -8677,7 +8733,12 @@
             <p:ph type="sldImg"/>
           </p:nvPr>
         </p:nvSpPr>
-        <p:spPr/>
+        <p:spPr>
+          <a:xfrm>
+            <a:off x="1143000" y="685800"/>
+            <a:ext cx="4572000" cy="3429000"/>
+          </a:xfrm>
+        </p:spPr>
       </p:sp>
       <p:sp>
         <p:nvSpPr>
@@ -8769,7 +8830,12 @@
             <p:ph type="sldImg"/>
           </p:nvPr>
         </p:nvSpPr>
-        <p:spPr/>
+        <p:spPr>
+          <a:xfrm>
+            <a:off x="1143000" y="685800"/>
+            <a:ext cx="4572000" cy="3429000"/>
+          </a:xfrm>
+        </p:spPr>
       </p:sp>
       <p:sp>
         <p:nvSpPr>
@@ -8861,7 +8927,12 @@
             <p:ph type="sldImg"/>
           </p:nvPr>
         </p:nvSpPr>
-        <p:spPr/>
+        <p:spPr>
+          <a:xfrm>
+            <a:off x="1143000" y="685800"/>
+            <a:ext cx="4572000" cy="3429000"/>
+          </a:xfrm>
+        </p:spPr>
       </p:sp>
       <p:sp>
         <p:nvSpPr>
@@ -8949,7 +9020,12 @@
             <p:ph type="sldImg"/>
           </p:nvPr>
         </p:nvSpPr>
-        <p:spPr/>
+        <p:spPr>
+          <a:xfrm>
+            <a:off x="1143000" y="685800"/>
+            <a:ext cx="4572000" cy="3429000"/>
+          </a:xfrm>
+        </p:spPr>
       </p:sp>
       <p:sp>
         <p:nvSpPr>
@@ -9037,7 +9113,12 @@
             <p:ph type="sldImg"/>
           </p:nvPr>
         </p:nvSpPr>
-        <p:spPr/>
+        <p:spPr>
+          <a:xfrm>
+            <a:off x="1143000" y="685800"/>
+            <a:ext cx="4572000" cy="3429000"/>
+          </a:xfrm>
+        </p:spPr>
       </p:sp>
       <p:sp>
         <p:nvSpPr>
@@ -9129,7 +9210,12 @@
             <p:ph type="sldImg"/>
           </p:nvPr>
         </p:nvSpPr>
-        <p:spPr/>
+        <p:spPr>
+          <a:xfrm>
+            <a:off x="1143000" y="685800"/>
+            <a:ext cx="4572000" cy="3429000"/>
+          </a:xfrm>
+        </p:spPr>
       </p:sp>
       <p:sp>
         <p:nvSpPr>
@@ -9221,7 +9307,12 @@
             <p:ph type="sldImg"/>
           </p:nvPr>
         </p:nvSpPr>
-        <p:spPr/>
+        <p:spPr>
+          <a:xfrm>
+            <a:off x="1143000" y="685800"/>
+            <a:ext cx="4572000" cy="3429000"/>
+          </a:xfrm>
+        </p:spPr>
       </p:sp>
       <p:sp>
         <p:nvSpPr>
@@ -9313,7 +9404,12 @@
             <p:ph type="sldImg"/>
           </p:nvPr>
         </p:nvSpPr>
-        <p:spPr/>
+        <p:spPr>
+          <a:xfrm>
+            <a:off x="1143000" y="685800"/>
+            <a:ext cx="4572000" cy="3429000"/>
+          </a:xfrm>
+        </p:spPr>
       </p:sp>
       <p:sp>
         <p:nvSpPr>
@@ -9405,7 +9501,12 @@
             <p:ph type="sldImg"/>
           </p:nvPr>
         </p:nvSpPr>
-        <p:spPr/>
+        <p:spPr>
+          <a:xfrm>
+            <a:off x="1143000" y="685800"/>
+            <a:ext cx="4572000" cy="3429000"/>
+          </a:xfrm>
+        </p:spPr>
       </p:sp>
       <p:sp>
         <p:nvSpPr>
@@ -9499,7 +9600,7 @@
         </p:nvSpPr>
         <p:spPr>
           <a:xfrm>
-            <a:off x="685800" y="2130425"/>
+            <a:off x="685800" y="2130429"/>
             <a:ext cx="7772400" cy="1470025"/>
           </a:xfrm>
         </p:spPr>
@@ -9911,7 +10012,7 @@
         </p:nvSpPr>
         <p:spPr>
           <a:xfrm>
-            <a:off x="6629400" y="274638"/>
+            <a:off x="6629400" y="274642"/>
             <a:ext cx="2057400" cy="5851525"/>
           </a:xfrm>
         </p:spPr>
@@ -9939,7 +10040,7 @@
         </p:nvSpPr>
         <p:spPr>
           <a:xfrm>
-            <a:off x="457200" y="274638"/>
+            <a:off x="457200" y="274642"/>
             <a:ext cx="6019800" cy="5851525"/>
           </a:xfrm>
         </p:spPr>
@@ -10261,7 +10362,7 @@
         </p:nvSpPr>
         <p:spPr>
           <a:xfrm>
-            <a:off x="722313" y="4406900"/>
+            <a:off x="722313" y="4406904"/>
             <a:ext cx="7772400" cy="1362075"/>
           </a:xfrm>
         </p:spPr>
@@ -10530,7 +10631,7 @@
         </p:nvSpPr>
         <p:spPr>
           <a:xfrm>
-            <a:off x="457200" y="1600200"/>
+            <a:off x="457200" y="1600204"/>
             <a:ext cx="4038600" cy="4525963"/>
           </a:xfrm>
         </p:spPr>
@@ -10615,7 +10716,7 @@
         </p:nvSpPr>
         <p:spPr>
           <a:xfrm>
-            <a:off x="4648200" y="1600200"/>
+            <a:off x="4648200" y="1600204"/>
             <a:ext cx="4038600" cy="4525963"/>
           </a:xfrm>
         </p:spPr>
@@ -10972,7 +11073,7 @@
         </p:nvSpPr>
         <p:spPr>
           <a:xfrm>
-            <a:off x="4645025" y="1535113"/>
+            <a:off x="4645027" y="1535113"/>
             <a:ext cx="4041775" cy="639762"/>
           </a:xfrm>
         </p:spPr>
@@ -11037,7 +11138,7 @@
         </p:nvSpPr>
         <p:spPr>
           <a:xfrm>
-            <a:off x="4645025" y="2174875"/>
+            <a:off x="4645027" y="2174875"/>
             <a:ext cx="4041775" cy="3951288"/>
           </a:xfrm>
         </p:spPr>
@@ -11430,7 +11531,7 @@
         </p:nvSpPr>
         <p:spPr>
           <a:xfrm>
-            <a:off x="457200" y="273050"/>
+            <a:off x="457202" y="273050"/>
             <a:ext cx="3008313" cy="1162050"/>
           </a:xfrm>
         </p:spPr>
@@ -11462,7 +11563,7 @@
         </p:nvSpPr>
         <p:spPr>
           <a:xfrm>
-            <a:off x="3575050" y="273050"/>
+            <a:off x="3575050" y="273054"/>
             <a:ext cx="5111750" cy="5853113"/>
           </a:xfrm>
         </p:spPr>
@@ -11547,7 +11648,7 @@
         </p:nvSpPr>
         <p:spPr>
           <a:xfrm>
-            <a:off x="457200" y="1435100"/>
+            <a:off x="457202" y="1435103"/>
             <a:ext cx="3008313" cy="4691063"/>
           </a:xfrm>
         </p:spPr>
@@ -12028,7 +12129,7 @@
         </p:nvSpPr>
         <p:spPr>
           <a:xfrm>
-            <a:off x="457200" y="1600200"/>
+            <a:off x="457200" y="1600204"/>
             <a:ext cx="8229600" cy="4525963"/>
           </a:xfrm>
           <a:prstGeom prst="rect">
@@ -12090,7 +12191,7 @@
         </p:nvSpPr>
         <p:spPr>
           <a:xfrm>
-            <a:off x="457200" y="6356350"/>
+            <a:off x="457200" y="6356354"/>
             <a:ext cx="2133600" cy="365125"/>
           </a:xfrm>
           <a:prstGeom prst="rect">
@@ -12131,7 +12232,7 @@
         </p:nvSpPr>
         <p:spPr>
           <a:xfrm>
-            <a:off x="3124200" y="6356350"/>
+            <a:off x="3124200" y="6356354"/>
             <a:ext cx="2895600" cy="365125"/>
           </a:xfrm>
           <a:prstGeom prst="rect">
@@ -12168,7 +12269,7 @@
         </p:nvSpPr>
         <p:spPr>
           <a:xfrm>
-            <a:off x="6553200" y="6356350"/>
+            <a:off x="6553200" y="6356354"/>
             <a:ext cx="2133600" cy="365125"/>
           </a:xfrm>
           <a:prstGeom prst="rect">
@@ -12501,7 +12602,7 @@
         </p:nvSpPr>
         <p:spPr>
           <a:xfrm>
-            <a:off x="539552" y="1435024"/>
+            <a:off x="539552" y="1435028"/>
             <a:ext cx="8280920" cy="1470025"/>
           </a:xfrm>
         </p:spPr>
@@ -12512,7 +12613,7 @@
           <a:lstStyle/>
           <a:p>
             <a:r>
-              <a:rPr lang="pt-BR" sz="2800" b="1" dirty="0" smtClean="0">
+              <a:rPr lang="pt-BR" sz="2800" b="1" dirty="0">
                 <a:solidFill>
                   <a:srgbClr val="C00000"/>
                 </a:solidFill>
@@ -12530,7 +12631,7 @@
               <a:t>do </a:t>
             </a:r>
             <a:r>
-              <a:rPr lang="pt-BR" sz="2800" b="1" dirty="0" smtClean="0">
+              <a:rPr lang="pt-BR" sz="2800" b="1" dirty="0">
                 <a:solidFill>
                   <a:srgbClr val="C00000"/>
                 </a:solidFill>
@@ -12548,7 +12649,7 @@
               <a:t>da </a:t>
             </a:r>
             <a:r>
-              <a:rPr lang="pt-BR" sz="2800" b="1" dirty="0" smtClean="0">
+              <a:rPr lang="pt-BR" sz="2800" b="1" dirty="0">
                 <a:solidFill>
                   <a:srgbClr val="C00000"/>
                 </a:solidFill>
@@ -12566,7 +12667,7 @@
               <a:t>do </a:t>
             </a:r>
             <a:r>
-              <a:rPr lang="pt-BR" sz="2800" b="1" dirty="0" smtClean="0">
+              <a:rPr lang="pt-BR" sz="2800" b="1" dirty="0">
                 <a:solidFill>
                   <a:srgbClr val="C00000"/>
                 </a:solidFill>
@@ -12584,7 +12685,7 @@
               <a:t>n</a:t>
             </a:r>
             <a:r>
-              <a:rPr lang="pt-BR" sz="2800" b="1" dirty="0" smtClean="0">
+              <a:rPr lang="pt-BR" sz="2800" b="1" dirty="0">
                 <a:solidFill>
                   <a:srgbClr val="C00000"/>
                 </a:solidFill>
@@ -12602,7 +12703,7 @@
               <a:t>na </a:t>
             </a:r>
             <a:r>
-              <a:rPr lang="pt-BR" sz="2800" b="1" dirty="0" smtClean="0">
+              <a:rPr lang="pt-BR" sz="2800" b="1" dirty="0">
                 <a:solidFill>
                   <a:srgbClr val="C00000"/>
                 </a:solidFill>
@@ -12620,7 +12721,7 @@
               <a:t>b</a:t>
             </a:r>
             <a:r>
-              <a:rPr lang="pt-BR" sz="2800" b="1" dirty="0" smtClean="0">
+              <a:rPr lang="pt-BR" sz="2800" b="1" dirty="0">
                 <a:solidFill>
                   <a:srgbClr val="C00000"/>
                 </a:solidFill>
@@ -12638,7 +12739,7 @@
               <a:t>b</a:t>
             </a:r>
             <a:r>
-              <a:rPr lang="pt-BR" sz="2800" b="1" dirty="0" smtClean="0">
+              <a:rPr lang="pt-BR" sz="2800" b="1" dirty="0">
                 <a:solidFill>
                   <a:srgbClr val="C00000"/>
                 </a:solidFill>
@@ -12656,7 +12757,7 @@
               <a:t>de 2015 a 2018 utilizando </a:t>
             </a:r>
             <a:r>
-              <a:rPr lang="pt-BR" sz="2800" b="1" i="1" dirty="0" smtClean="0">
+              <a:rPr lang="pt-BR" sz="2800" b="1" i="1" dirty="0">
                 <a:solidFill>
                   <a:srgbClr val="C00000"/>
                 </a:solidFill>
@@ -12697,7 +12798,7 @@
           <a:p>
             <a:pPr algn="r"/>
             <a:r>
-              <a:rPr lang="pt-BR" sz="2000" b="1" dirty="0" smtClean="0">
+              <a:rPr lang="pt-BR" sz="2000" b="1" dirty="0">
                 <a:solidFill>
                   <a:schemeClr val="tx1"/>
                 </a:solidFill>
@@ -12708,7 +12809,7 @@
           <a:p>
             <a:pPr algn="r"/>
             <a:r>
-              <a:rPr lang="pt-BR" sz="2000" b="1" dirty="0" smtClean="0">
+              <a:rPr lang="pt-BR" sz="2000" b="1" dirty="0">
                 <a:solidFill>
                   <a:schemeClr val="tx1"/>
                 </a:solidFill>
@@ -12719,7 +12820,7 @@
           <a:p>
             <a:pPr algn="r"/>
             <a:r>
-              <a:rPr lang="pt-BR" sz="2000" b="1" dirty="0" smtClean="0">
+              <a:rPr lang="pt-BR" sz="2000" b="1" dirty="0">
                 <a:solidFill>
                   <a:schemeClr val="tx1"/>
                 </a:solidFill>
@@ -12730,7 +12831,7 @@
           <a:p>
             <a:pPr algn="r"/>
             <a:r>
-              <a:rPr lang="pt-BR" sz="2000" b="1" dirty="0" smtClean="0">
+              <a:rPr lang="pt-BR" sz="2000" b="1" dirty="0">
                 <a:solidFill>
                   <a:schemeClr val="tx1"/>
                 </a:solidFill>
@@ -12741,7 +12842,7 @@
           <a:p>
             <a:pPr algn="r"/>
             <a:r>
-              <a:rPr lang="pt-BR" sz="2000" b="1" dirty="0" smtClean="0">
+              <a:rPr lang="pt-BR" sz="2000" b="1" dirty="0">
                 <a:solidFill>
                   <a:schemeClr val="tx1"/>
                 </a:solidFill>
@@ -12774,7 +12875,7 @@
         </p:blipFill>
         <p:spPr>
           <a:xfrm>
-            <a:off x="539552" y="404664"/>
+            <a:off x="539556" y="404664"/>
             <a:ext cx="1767583" cy="576064"/>
           </a:xfrm>
           <a:prstGeom prst="rect">
@@ -12816,7 +12917,7 @@
               <a:t>INSTITUTO DE CIÊNCIAS EXATAS E TECNOLOGIA - </a:t>
             </a:r>
             <a:r>
-              <a:rPr lang="pt-BR" sz="2000" b="1" dirty="0" smtClean="0"/>
+              <a:rPr lang="pt-BR" sz="2000" b="1" dirty="0"/>
               <a:t>ICET</a:t>
             </a:r>
             <a:endParaRPr lang="pt-BR" sz="2000" dirty="0"/>
@@ -12831,7 +12932,7 @@
         </p:nvSpPr>
         <p:spPr>
           <a:xfrm>
-            <a:off x="685800" y="5373215"/>
+            <a:off x="685800" y="5373219"/>
             <a:ext cx="7054552" cy="461665"/>
           </a:xfrm>
           <a:prstGeom prst="rect">
@@ -12846,7 +12947,7 @@
           <a:lstStyle/>
           <a:p>
             <a:r>
-              <a:rPr lang="pt-BR" sz="2400" b="1" dirty="0" smtClean="0">
+              <a:rPr lang="pt-BR" sz="2400" b="1" dirty="0">
                 <a:solidFill>
                   <a:schemeClr val="accent2"/>
                 </a:solidFill>
@@ -12862,7 +12963,7 @@
               <a:t>Prof. </a:t>
             </a:r>
             <a:r>
-              <a:rPr lang="pt-BR" sz="2400" b="1" dirty="0" err="1" smtClean="0">
+              <a:rPr lang="pt-BR" sz="2400" b="1" dirty="0" err="1">
                 <a:solidFill>
                   <a:schemeClr val="accent2"/>
                 </a:solidFill>
@@ -12870,7 +12971,7 @@
               <a:t>MSc</a:t>
             </a:r>
             <a:r>
-              <a:rPr lang="pt-BR" sz="2400" b="1" dirty="0" smtClean="0">
+              <a:rPr lang="pt-BR" sz="2400" b="1" dirty="0">
                 <a:solidFill>
                   <a:schemeClr val="accent2"/>
                 </a:solidFill>
@@ -12893,7 +12994,7 @@
         </p:nvSpPr>
         <p:spPr>
           <a:xfrm>
-            <a:off x="2987824" y="6013251"/>
+            <a:off x="2987824" y="6013255"/>
             <a:ext cx="5472608" cy="830997"/>
           </a:xfrm>
           <a:prstGeom prst="rect">
@@ -12909,7 +13010,7 @@
           <a:p>
             <a:pPr algn="r"/>
             <a:r>
-              <a:rPr lang="pt-BR" sz="2400" b="1" dirty="0" smtClean="0"/>
+              <a:rPr lang="pt-BR" sz="2400" b="1" dirty="0"/>
               <a:t>Brasília </a:t>
             </a:r>
             <a:r>
@@ -12917,14 +13018,14 @@
               <a:t>– DF, </a:t>
             </a:r>
             <a:r>
-              <a:rPr lang="pt-BR" sz="2400" b="1" dirty="0" smtClean="0"/>
+              <a:rPr lang="pt-BR" sz="2400" b="1" dirty="0"/>
               <a:t>12 de dezembro de 2019</a:t>
             </a:r>
             <a:endParaRPr lang="pt-BR" sz="2400" b="1" dirty="0"/>
           </a:p>
           <a:p>
             <a:pPr algn="r"/>
-            <a:endParaRPr lang="pt-BR" sz="2400" b="1" dirty="0" smtClean="0"/>
+            <a:endParaRPr lang="pt-BR" sz="2400" b="1" dirty="0"/>
           </a:p>
         </p:txBody>
       </p:sp>
@@ -12988,7 +13089,7 @@
           <a:lstStyle/>
           <a:p>
             <a:r>
-              <a:rPr lang="pt-BR" sz="2800" b="1" dirty="0" smtClean="0"/>
+              <a:rPr lang="pt-BR" sz="2800" b="1" dirty="0"/>
               <a:t>Embasamento teórico</a:t>
             </a:r>
             <a:endParaRPr lang="pt-BR" sz="2800" b="1" dirty="0"/>
@@ -13007,7 +13108,7 @@
         </p:nvSpPr>
         <p:spPr>
           <a:xfrm>
-            <a:off x="7010400" y="6492875"/>
+            <a:off x="7010400" y="6492879"/>
             <a:ext cx="2133600" cy="365125"/>
           </a:xfrm>
         </p:spPr>
@@ -13031,7 +13132,7 @@
         </p:nvSpPr>
         <p:spPr>
           <a:xfrm>
-            <a:off x="1861270" y="1367190"/>
+            <a:off x="1861270" y="1268760"/>
             <a:ext cx="5400600" cy="523220"/>
           </a:xfrm>
           <a:prstGeom prst="rect">
@@ -13047,7 +13148,7 @@
           <a:p>
             <a:pPr algn="ctr"/>
             <a:r>
-              <a:rPr lang="pt-BR" sz="2800" dirty="0" smtClean="0"/>
+              <a:rPr lang="pt-BR" sz="2800" dirty="0"/>
               <a:t>Ferramentas</a:t>
             </a:r>
             <a:endParaRPr lang="pt-BR" sz="2800" dirty="0"/>
@@ -13064,7 +13165,7 @@
         </p:nvSpPr>
         <p:spPr>
           <a:xfrm>
-            <a:off x="3374546" y="3097160"/>
+            <a:off x="2631803" y="3062824"/>
             <a:ext cx="4320480" cy="614264"/>
           </a:xfrm>
           <a:prstGeom prst="rect">
@@ -13214,14 +13315,13 @@
           </a:lstStyle>
           <a:p>
             <a:pPr marL="457200" lvl="1" indent="0">
-              <a:buFont typeface="Arial" panose="020B0604020202020204" pitchFamily="34" charset="0"/>
               <a:buNone/>
             </a:pPr>
             <a:r>
-              <a:rPr lang="en-US" smtClean="0"/>
+              <a:rPr lang="en-US"/>
               <a:t>Pentaho Data Integrator</a:t>
             </a:r>
-            <a:endParaRPr lang="pt-BR" dirty="0" smtClean="0"/>
+            <a:endParaRPr lang="pt-BR" dirty="0"/>
           </a:p>
         </p:txBody>
       </p:sp>
@@ -13247,7 +13347,7 @@
         </p:blipFill>
         <p:spPr>
           <a:xfrm>
-            <a:off x="2294426" y="2620818"/>
+            <a:off x="1691680" y="2522764"/>
             <a:ext cx="1080120" cy="1080120"/>
           </a:xfrm>
           <a:prstGeom prst="rect">
@@ -13284,7 +13384,7 @@
         </p:blipFill>
         <p:spPr>
           <a:xfrm>
-            <a:off x="1889060" y="4342847"/>
+            <a:off x="1286314" y="4244797"/>
             <a:ext cx="1890852" cy="992697"/>
           </a:xfrm>
           <a:prstGeom prst="rect">
@@ -13307,7 +13407,7 @@
         </p:nvSpPr>
         <p:spPr>
           <a:xfrm>
-            <a:off x="3779912" y="4437112"/>
+            <a:off x="3059832" y="4402776"/>
             <a:ext cx="3024336" cy="523220"/>
           </a:xfrm>
           <a:prstGeom prst="rect">
@@ -13322,7 +13422,7 @@
           <a:lstStyle/>
           <a:p>
             <a:r>
-              <a:rPr lang="pt-BR" sz="2800" dirty="0" smtClean="0"/>
+              <a:rPr lang="pt-BR" sz="2800" dirty="0"/>
               <a:t>Power BI</a:t>
             </a:r>
             <a:endParaRPr lang="pt-BR" sz="2800" dirty="0"/>
@@ -13389,7 +13489,7 @@
           <a:lstStyle/>
           <a:p>
             <a:r>
-              <a:rPr lang="pt-BR" sz="2800" b="1" dirty="0" smtClean="0"/>
+              <a:rPr lang="pt-BR" sz="2800" b="1" dirty="0"/>
               <a:t>Estudo de caso: MEC e INEP</a:t>
             </a:r>
             <a:endParaRPr lang="pt-BR" sz="2800" b="1" dirty="0"/>
@@ -13424,11 +13524,11 @@
               </a:lnSpc>
             </a:pPr>
             <a:r>
-              <a:rPr lang="pt-BR" sz="2800" cap="all" dirty="0" smtClean="0"/>
+              <a:rPr lang="pt-BR" sz="2800" cap="all" dirty="0"/>
               <a:t>MEC: </a:t>
             </a:r>
             <a:r>
-              <a:rPr lang="pt-BR" sz="2800" dirty="0" smtClean="0"/>
+              <a:rPr lang="pt-BR" sz="2800" dirty="0"/>
               <a:t>Início em 1930 – Ministério dos Negócios da Educação e Saúde Pública; 1995 – criou-se o </a:t>
             </a:r>
             <a:r>
@@ -13436,7 +13536,7 @@
               <a:t>Ministério da Educação e </a:t>
             </a:r>
             <a:r>
-              <a:rPr lang="pt-BR" sz="2800" dirty="0" smtClean="0"/>
+              <a:rPr lang="pt-BR" sz="2800" dirty="0"/>
               <a:t>Cultura (MEC).</a:t>
             </a:r>
           </a:p>
@@ -13446,7 +13546,7 @@
                 <a:spcPct val="150000"/>
               </a:lnSpc>
             </a:pPr>
-            <a:endParaRPr lang="pt-BR" sz="2800" cap="all" dirty="0" smtClean="0"/>
+            <a:endParaRPr lang="pt-BR" sz="2800" cap="all" dirty="0"/>
           </a:p>
           <a:p>
             <a:pPr algn="just">
@@ -13455,11 +13555,11 @@
               </a:lnSpc>
             </a:pPr>
             <a:r>
-              <a:rPr lang="pt-BR" sz="2800" cap="all" dirty="0" smtClean="0"/>
+              <a:rPr lang="pt-BR" sz="2800" cap="all" dirty="0"/>
               <a:t>INEP: </a:t>
             </a:r>
             <a:r>
-              <a:rPr lang="pt-BR" sz="2800" dirty="0" smtClean="0"/>
+              <a:rPr lang="pt-BR" sz="2800" dirty="0"/>
               <a:t>Criado </a:t>
             </a:r>
             <a:r>
@@ -13467,7 +13567,7 @@
               <a:t>em 13 de janeiro de </a:t>
             </a:r>
             <a:r>
-              <a:rPr lang="pt-BR" sz="2800" dirty="0" smtClean="0"/>
+              <a:rPr lang="pt-BR" sz="2800" dirty="0"/>
               <a:t>1937; 1938 – início dos trabalhos; Decreto-Lei nº 580;</a:t>
             </a:r>
           </a:p>
@@ -13485,7 +13585,7 @@
         </p:nvSpPr>
         <p:spPr>
           <a:xfrm>
-            <a:off x="7010400" y="6492875"/>
+            <a:off x="7010400" y="6492879"/>
             <a:ext cx="2133600" cy="365125"/>
           </a:xfrm>
         </p:spPr>
@@ -13561,7 +13661,7 @@
           <a:lstStyle/>
           <a:p>
             <a:r>
-              <a:rPr lang="pt-BR" sz="2800" b="1" dirty="0" smtClean="0"/>
+              <a:rPr lang="pt-BR" sz="2800" b="1" dirty="0"/>
               <a:t>Descrição da Montagem do Ambiente</a:t>
             </a:r>
             <a:endParaRPr lang="pt-BR" sz="2800" b="1" dirty="0"/>
@@ -13605,7 +13705,7 @@
               <a:rPr lang="pt-BR" dirty="0" smtClean="0"/>
               <a:t>Dimensão</a:t>
             </a:r>
-            <a:endParaRPr lang="pt-BR" sz="2000" dirty="0" smtClean="0"/>
+            <a:endParaRPr lang="pt-BR" sz="2000" dirty="0"/>
           </a:p>
         </p:txBody>
       </p:sp>
@@ -13621,7 +13721,7 @@
         </p:nvSpPr>
         <p:spPr>
           <a:xfrm>
-            <a:off x="7010400" y="6492875"/>
+            <a:off x="7010400" y="6492879"/>
             <a:ext cx="2133600" cy="365125"/>
           </a:xfrm>
         </p:spPr>
@@ -13667,7 +13767,7 @@
               <a:buChar char="•"/>
             </a:pPr>
             <a:r>
-              <a:rPr lang="pt-BR" sz="2800" dirty="0" smtClean="0"/>
+              <a:rPr lang="pt-BR" sz="2800" dirty="0"/>
               <a:t>Fato: Dados quantitativos sendo números ou textos;</a:t>
             </a:r>
           </a:p>
@@ -13678,7 +13778,7 @@
               </a:lnSpc>
             </a:pPr>
             <a:r>
-              <a:rPr lang="pt-BR" sz="2800" dirty="0" smtClean="0"/>
+              <a:rPr lang="pt-BR" sz="2800" dirty="0"/>
               <a:t>	Ex.: 50%, 10.000, M, F.</a:t>
             </a:r>
           </a:p>
@@ -13699,7 +13799,7 @@
               <a:buChar char="•"/>
             </a:pPr>
             <a:r>
-              <a:rPr lang="pt-BR" sz="2800" dirty="0" smtClean="0"/>
+              <a:rPr lang="pt-BR" sz="2800" dirty="0"/>
               <a:t>Dimensão: Dados com característica descritiva;</a:t>
             </a:r>
           </a:p>
@@ -13710,7 +13810,7 @@
               </a:lnSpc>
             </a:pPr>
             <a:r>
-              <a:rPr lang="pt-BR" sz="2800" dirty="0" smtClean="0"/>
+              <a:rPr lang="pt-BR" sz="2800" dirty="0"/>
               <a:t>	Ex.: Total de alunos por sexo, total de alunos por</a:t>
             </a:r>
           </a:p>
@@ -13725,7 +13825,7 @@
               <a:t>	</a:t>
             </a:r>
             <a:r>
-              <a:rPr lang="pt-BR" sz="2800" dirty="0" smtClean="0"/>
+              <a:rPr lang="pt-BR" sz="2800" dirty="0"/>
               <a:t>       cor/raça, total de alunos por ano.</a:t>
             </a:r>
             <a:endParaRPr lang="pt-BR" sz="2800" dirty="0"/>
@@ -13792,7 +13892,7 @@
           <a:lstStyle/>
           <a:p>
             <a:r>
-              <a:rPr lang="pt-BR" sz="2800" b="1" dirty="0" smtClean="0"/>
+              <a:rPr lang="pt-BR" sz="2800" b="1" dirty="0"/>
               <a:t>Descrição da Montagem do Ambiente</a:t>
             </a:r>
             <a:endParaRPr lang="pt-BR" sz="2800" b="1" dirty="0"/>
@@ -13833,7 +13933,7 @@
             <a:pPr marL="0" indent="0" algn="ctr">
               <a:buNone/>
             </a:pPr>
-            <a:endParaRPr lang="pt-BR" sz="2800" dirty="0" smtClean="0"/>
+            <a:endParaRPr lang="pt-BR" sz="2800" dirty="0"/>
           </a:p>
         </p:txBody>
       </p:sp>
@@ -13859,7 +13959,7 @@
         </p:blipFill>
         <p:spPr>
           <a:xfrm>
-            <a:off x="-1" y="1700808"/>
+            <a:off x="3" y="1700808"/>
             <a:ext cx="9144001" cy="5157192"/>
           </a:xfrm>
           <a:prstGeom prst="rect">
@@ -13879,7 +13979,7 @@
         </p:nvSpPr>
         <p:spPr>
           <a:xfrm>
-            <a:off x="7039637" y="6492875"/>
+            <a:off x="7039637" y="6492879"/>
             <a:ext cx="2133600" cy="365125"/>
           </a:xfrm>
         </p:spPr>
@@ -13952,7 +14052,7 @@
         </p:nvSpPr>
         <p:spPr>
           <a:xfrm>
-            <a:off x="458403" y="260648"/>
+            <a:off x="458403" y="260652"/>
             <a:ext cx="8229600" cy="426963"/>
           </a:xfrm>
         </p:spPr>
@@ -13963,7 +14063,7 @@
           <a:lstStyle/>
           <a:p>
             <a:r>
-              <a:rPr lang="pt-BR" sz="2800" b="1" dirty="0" smtClean="0"/>
+              <a:rPr lang="pt-BR" sz="2800" b="1" dirty="0"/>
               <a:t>Descrição da Montagem do Ambiente</a:t>
             </a:r>
             <a:endParaRPr lang="pt-BR" sz="2800" b="1" dirty="0"/>
@@ -13996,7 +14096,7 @@
               <a:buNone/>
             </a:pPr>
             <a:r>
-              <a:rPr lang="pt-BR" sz="2800" dirty="0" smtClean="0"/>
+              <a:rPr lang="pt-BR" sz="2800" dirty="0"/>
               <a:t>Abordagem Kimball x Inmon</a:t>
             </a:r>
           </a:p>
@@ -14044,7 +14144,7 @@
         </p:nvSpPr>
         <p:spPr>
           <a:xfrm>
-            <a:off x="7010400" y="6453336"/>
+            <a:off x="7010400" y="6453340"/>
             <a:ext cx="2133600" cy="365125"/>
           </a:xfrm>
         </p:spPr>
@@ -14128,7 +14228,7 @@
           <a:lstStyle/>
           <a:p>
             <a:r>
-              <a:rPr lang="pt-BR" sz="2800" b="1" dirty="0" smtClean="0"/>
+              <a:rPr lang="pt-BR" sz="2800" b="1" dirty="0"/>
               <a:t>Descrição da Montagem do Ambiente</a:t>
             </a:r>
             <a:endParaRPr lang="pt-BR" sz="2800" b="1" dirty="0"/>
@@ -14161,7 +14261,7 @@
               <a:buNone/>
             </a:pPr>
             <a:r>
-              <a:rPr lang="pt-BR" sz="2800" dirty="0" smtClean="0"/>
+              <a:rPr lang="pt-BR" sz="2800" dirty="0"/>
               <a:t>Modelos </a:t>
             </a:r>
             <a:r>
@@ -14169,7 +14269,7 @@
               <a:t>Estrela e Floco de </a:t>
             </a:r>
             <a:r>
-              <a:rPr lang="pt-BR" sz="2800" dirty="0" smtClean="0"/>
+              <a:rPr lang="pt-BR" sz="2800" dirty="0"/>
               <a:t>Neve</a:t>
             </a:r>
           </a:p>
@@ -14206,7 +14306,7 @@
         </p:blipFill>
         <p:spPr>
           <a:xfrm>
-            <a:off x="1399034" y="1694962"/>
+            <a:off x="1399034" y="1694966"/>
             <a:ext cx="6342856" cy="4861859"/>
           </a:xfrm>
           <a:prstGeom prst="rect">
@@ -14236,7 +14336,7 @@
         </p:blipFill>
         <p:spPr>
           <a:xfrm>
-            <a:off x="0" y="1649921"/>
+            <a:off x="0" y="1649925"/>
             <a:ext cx="9144000" cy="5208079"/>
           </a:xfrm>
           <a:prstGeom prst="rect">
@@ -14256,7 +14356,7 @@
         </p:nvSpPr>
         <p:spPr>
           <a:xfrm>
-            <a:off x="7007324" y="6492875"/>
+            <a:off x="7007324" y="6492879"/>
             <a:ext cx="2133600" cy="365125"/>
           </a:xfrm>
         </p:spPr>
@@ -14321,7 +14421,7 @@
         </p:nvSpPr>
         <p:spPr>
           <a:xfrm>
-            <a:off x="455662" y="116632"/>
+            <a:off x="455662" y="116636"/>
             <a:ext cx="8229600" cy="663625"/>
           </a:xfrm>
         </p:spPr>
@@ -14332,7 +14432,7 @@
           <a:lstStyle/>
           <a:p>
             <a:r>
-              <a:rPr lang="pt-BR" sz="2800" b="1" dirty="0" smtClean="0"/>
+              <a:rPr lang="pt-BR" sz="2800" b="1" dirty="0"/>
               <a:t>Descrição da Montagem do Ambiente</a:t>
             </a:r>
             <a:endParaRPr lang="pt-BR" sz="2800" b="1" dirty="0"/>
@@ -14365,7 +14465,7 @@
               <a:buNone/>
             </a:pPr>
             <a:r>
-              <a:rPr lang="pt-BR" sz="2800" dirty="0" smtClean="0"/>
+              <a:rPr lang="pt-BR" sz="2800" dirty="0"/>
               <a:t>Modelos </a:t>
             </a:r>
             <a:r>
@@ -14373,7 +14473,7 @@
               <a:t>Estrela e Floco de </a:t>
             </a:r>
             <a:r>
-              <a:rPr lang="pt-BR" sz="2800" dirty="0" smtClean="0"/>
+              <a:rPr lang="pt-BR" sz="2800" dirty="0"/>
               <a:t>Neve</a:t>
             </a:r>
           </a:p>
@@ -14410,7 +14510,7 @@
         </p:blipFill>
         <p:spPr>
           <a:xfrm>
-            <a:off x="1399034" y="1694962"/>
+            <a:off x="1399034" y="1694966"/>
             <a:ext cx="6342856" cy="4861859"/>
           </a:xfrm>
           <a:prstGeom prst="rect">
@@ -14440,7 +14540,7 @@
         </p:blipFill>
         <p:spPr>
           <a:xfrm>
-            <a:off x="0" y="1392138"/>
+            <a:off x="4" y="1392138"/>
             <a:ext cx="9143999" cy="5465862"/>
           </a:xfrm>
           <a:prstGeom prst="rect">
@@ -14460,7 +14560,7 @@
         </p:nvSpPr>
         <p:spPr>
           <a:xfrm>
-            <a:off x="7007324" y="6492875"/>
+            <a:off x="7007324" y="6492879"/>
             <a:ext cx="2133600" cy="365125"/>
           </a:xfrm>
         </p:spPr>
@@ -14536,7 +14636,7 @@
           <a:lstStyle/>
           <a:p>
             <a:r>
-              <a:rPr lang="pt-BR" sz="2800" b="1" dirty="0" smtClean="0"/>
+              <a:rPr lang="pt-BR" sz="2800" b="1" dirty="0"/>
               <a:t>Descrição da Montagem do Ambiente</a:t>
             </a:r>
             <a:endParaRPr lang="pt-BR" sz="2800" b="1" dirty="0"/>
@@ -14567,7 +14667,7 @@
         </p:blipFill>
         <p:spPr>
           <a:xfrm>
-            <a:off x="0" y="1196752"/>
+            <a:off x="0" y="1196756"/>
             <a:ext cx="9144000" cy="5652187"/>
           </a:xfrm>
           <a:prstGeom prst="rect">
@@ -14587,7 +14687,7 @@
         </p:nvSpPr>
         <p:spPr>
           <a:xfrm>
-            <a:off x="6948264" y="6492875"/>
+            <a:off x="6948264" y="6492879"/>
             <a:ext cx="2133600" cy="365125"/>
           </a:xfrm>
         </p:spPr>
@@ -14663,7 +14763,7 @@
           <a:lstStyle/>
           <a:p>
             <a:r>
-              <a:rPr lang="pt-BR" sz="2800" b="1" dirty="0" smtClean="0"/>
+              <a:rPr lang="pt-BR" sz="2800" b="1" dirty="0"/>
               <a:t>Resultados </a:t>
             </a:r>
             <a:r>
@@ -14671,7 +14771,7 @@
               <a:t>d</a:t>
             </a:r>
             <a:r>
-              <a:rPr lang="pt-BR" sz="2800" b="1" dirty="0" smtClean="0"/>
+              <a:rPr lang="pt-BR" sz="2800" b="1" dirty="0"/>
               <a:t>a </a:t>
             </a:r>
             <a:r>
@@ -14679,7 +14779,7 @@
               <a:t>a</a:t>
             </a:r>
             <a:r>
-              <a:rPr lang="pt-BR" sz="2800" b="1" dirty="0" smtClean="0"/>
+              <a:rPr lang="pt-BR" sz="2800" b="1" dirty="0"/>
               <a:t>nálise</a:t>
             </a:r>
             <a:endParaRPr lang="pt-BR" sz="2800" b="1" dirty="0"/>
@@ -14708,7 +14808,7 @@
           </a:bodyPr>
           <a:lstStyle/>
           <a:p>
-            <a:endParaRPr lang="pt-BR" sz="2400" dirty="0" smtClean="0"/>
+            <a:endParaRPr lang="pt-BR" sz="2400" dirty="0"/>
           </a:p>
           <a:p>
             <a:pPr lvl="0"/>
@@ -14789,7 +14889,7 @@
         </p:nvSpPr>
         <p:spPr>
           <a:xfrm>
-            <a:off x="6981408" y="6476641"/>
+            <a:off x="6981408" y="6476645"/>
             <a:ext cx="2133600" cy="365125"/>
           </a:xfrm>
         </p:spPr>
@@ -14887,7 +14987,7 @@
           <a:lstStyle/>
           <a:p>
             <a:r>
-              <a:rPr lang="pt-BR" sz="2800" b="1" dirty="0" smtClean="0"/>
+              <a:rPr lang="pt-BR" sz="2800" b="1" dirty="0"/>
               <a:t>Resultados da </a:t>
             </a:r>
             <a:r>
@@ -14895,7 +14995,7 @@
               <a:t>a</a:t>
             </a:r>
             <a:r>
-              <a:rPr lang="pt-BR" sz="2800" b="1" dirty="0" smtClean="0"/>
+              <a:rPr lang="pt-BR" sz="2800" b="1" dirty="0"/>
               <a:t>nálise</a:t>
             </a:r>
             <a:endParaRPr lang="pt-BR" sz="2800" b="1" dirty="0"/>
@@ -14914,7 +15014,7 @@
         </p:nvSpPr>
         <p:spPr>
           <a:xfrm>
-            <a:off x="7010400" y="6492875"/>
+            <a:off x="7010400" y="6492879"/>
             <a:ext cx="2133600" cy="365125"/>
           </a:xfrm>
         </p:spPr>
@@ -14964,7 +15064,7 @@
               <a:t>Qual o total de alunos que se declararam </a:t>
             </a:r>
             <a:r>
-              <a:rPr lang="pt-BR" sz="2800" dirty="0" smtClean="0">
+              <a:rPr lang="pt-BR" sz="2800" dirty="0">
                 <a:solidFill>
                   <a:schemeClr val="accent6">
                     <a:lumMod val="75000"/>
@@ -15043,7 +15143,7 @@
           <a:lstStyle/>
           <a:p>
             <a:r>
-              <a:rPr lang="pt-BR" sz="2800" b="1" dirty="0" smtClean="0"/>
+              <a:rPr lang="pt-BR" sz="2800" b="1" dirty="0"/>
               <a:t>Justificativa</a:t>
             </a:r>
             <a:endParaRPr lang="pt-BR" sz="2800" b="1" dirty="0"/>
@@ -15074,7 +15174,7 @@
           <a:p>
             <a:pPr algn="just"/>
             <a:r>
-              <a:rPr lang="pt-BR" sz="2800" dirty="0" smtClean="0"/>
+              <a:rPr lang="pt-BR" sz="2800" dirty="0"/>
               <a:t>Princípio da transparência na Administração Pública previstas no Art. 37 da Constituição Federal de 1988;</a:t>
             </a:r>
           </a:p>
@@ -15082,12 +15182,12 @@
             <a:pPr marL="0" indent="0" algn="just">
               <a:buNone/>
             </a:pPr>
-            <a:endParaRPr lang="pt-BR" sz="2800" dirty="0" smtClean="0"/>
+            <a:endParaRPr lang="pt-BR" sz="2800" dirty="0"/>
           </a:p>
           <a:p>
             <a:pPr algn="just"/>
             <a:r>
-              <a:rPr lang="pt-BR" sz="2800" dirty="0" smtClean="0"/>
+              <a:rPr lang="pt-BR" sz="2800" dirty="0"/>
               <a:t>Necessidade </a:t>
             </a:r>
             <a:r>
@@ -15095,7 +15195,7 @@
               <a:t>de uma análise do panorama da atuação do aluno negro na educação básica </a:t>
             </a:r>
             <a:r>
-              <a:rPr lang="pt-BR" sz="2800" dirty="0" smtClean="0"/>
+              <a:rPr lang="pt-BR" sz="2800" dirty="0"/>
               <a:t>brasileira;</a:t>
             </a:r>
           </a:p>
@@ -15103,12 +15203,12 @@
             <a:pPr marL="0" indent="0" algn="just">
               <a:buNone/>
             </a:pPr>
-            <a:endParaRPr lang="pt-BR" sz="2800" dirty="0" smtClean="0"/>
+            <a:endParaRPr lang="pt-BR" sz="2800" dirty="0"/>
           </a:p>
           <a:p>
             <a:pPr algn="just"/>
             <a:r>
-              <a:rPr lang="pt-BR" sz="2800" dirty="0" smtClean="0"/>
+              <a:rPr lang="pt-BR" sz="2800" dirty="0"/>
               <a:t>Demonstrar </a:t>
             </a:r>
             <a:r>
@@ -15116,7 +15216,7 @@
               <a:t>o processo de </a:t>
             </a:r>
             <a:r>
-              <a:rPr lang="pt-BR" sz="2800" dirty="0" smtClean="0"/>
+              <a:rPr lang="pt-BR" sz="2800" dirty="0"/>
               <a:t>BI </a:t>
             </a:r>
             <a:r>
@@ -15124,7 +15224,7 @@
               <a:t>para análise de </a:t>
             </a:r>
             <a:r>
-              <a:rPr lang="pt-BR" sz="2800" dirty="0" smtClean="0"/>
+              <a:rPr lang="pt-BR" sz="2800" dirty="0"/>
               <a:t>dados.</a:t>
             </a:r>
             <a:endParaRPr lang="pt-BR" sz="2800" dirty="0"/>
@@ -15143,7 +15243,7 @@
         </p:nvSpPr>
         <p:spPr>
           <a:xfrm>
-            <a:off x="7010400" y="6491861"/>
+            <a:off x="7010400" y="6491865"/>
             <a:ext cx="2133600" cy="365125"/>
           </a:xfrm>
         </p:spPr>
@@ -15235,7 +15335,7 @@
           </a:lstStyle>
           <a:p>
             <a:r>
-              <a:rPr lang="pt-BR" sz="2800" b="1" dirty="0" smtClean="0"/>
+              <a:rPr lang="pt-BR" sz="2800" b="1" dirty="0"/>
               <a:t>Resultados </a:t>
             </a:r>
             <a:r>
@@ -15243,7 +15343,7 @@
               <a:t>d</a:t>
             </a:r>
             <a:r>
-              <a:rPr lang="pt-BR" sz="2800" b="1" dirty="0" smtClean="0"/>
+              <a:rPr lang="pt-BR" sz="2800" b="1" dirty="0"/>
               <a:t>a </a:t>
             </a:r>
             <a:r>
@@ -15251,7 +15351,7 @@
               <a:t>a</a:t>
             </a:r>
             <a:r>
-              <a:rPr lang="pt-BR" sz="2800" b="1" dirty="0" smtClean="0"/>
+              <a:rPr lang="pt-BR" sz="2800" b="1" dirty="0"/>
               <a:t>nálise</a:t>
             </a:r>
             <a:endParaRPr lang="pt-BR" sz="2800" b="1" dirty="0"/>
@@ -15420,7 +15520,7 @@
             <a:pPr marL="0" indent="0">
               <a:buNone/>
             </a:pPr>
-            <a:endParaRPr lang="pt-BR" sz="2400" dirty="0" smtClean="0"/>
+            <a:endParaRPr lang="pt-BR" sz="2400" dirty="0"/>
           </a:p>
         </p:txBody>
       </p:sp>
@@ -15482,7 +15582,7 @@
           </p:nvPr>
         </p:nvGraphicFramePr>
         <p:xfrm>
-          <a:off x="0" y="1844824"/>
+          <a:off x="0" y="1844828"/>
           <a:ext cx="9144000" cy="5013175"/>
         </p:xfrm>
         <a:graphic>
@@ -15503,7 +15603,7 @@
         </p:nvSpPr>
         <p:spPr>
           <a:xfrm>
-            <a:off x="7022477" y="6541482"/>
+            <a:off x="7022477" y="6541486"/>
             <a:ext cx="2133600" cy="365125"/>
           </a:xfrm>
         </p:spPr>
@@ -15569,7 +15669,7 @@
           </p:nvPr>
         </p:nvGraphicFramePr>
         <p:xfrm>
-          <a:off x="0" y="1795557"/>
+          <a:off x="0" y="1795561"/>
           <a:ext cx="9144000" cy="5062443"/>
         </p:xfrm>
         <a:graphic>
@@ -15617,7 +15717,7 @@
           </a:lstStyle>
           <a:p>
             <a:r>
-              <a:rPr lang="pt-BR" sz="2800" b="1" dirty="0" smtClean="0"/>
+              <a:rPr lang="pt-BR" sz="2800" b="1" dirty="0"/>
               <a:t>Resultados da </a:t>
             </a:r>
             <a:r>
@@ -15625,7 +15725,7 @@
               <a:t>a</a:t>
             </a:r>
             <a:r>
-              <a:rPr lang="pt-BR" sz="2800" b="1" dirty="0" smtClean="0"/>
+              <a:rPr lang="pt-BR" sz="2800" b="1" dirty="0"/>
               <a:t>nálise</a:t>
             </a:r>
             <a:endParaRPr lang="pt-BR" sz="2800" b="1" dirty="0"/>
@@ -15794,7 +15894,7 @@
             <a:pPr marL="0" indent="0">
               <a:buNone/>
             </a:pPr>
-            <a:endParaRPr lang="pt-BR" sz="2400" dirty="0" smtClean="0"/>
+            <a:endParaRPr lang="pt-BR" sz="2400" dirty="0"/>
           </a:p>
         </p:txBody>
       </p:sp>
@@ -15810,7 +15910,7 @@
         </p:nvSpPr>
         <p:spPr>
           <a:xfrm>
-            <a:off x="7022219" y="6509110"/>
+            <a:off x="7022219" y="6509114"/>
             <a:ext cx="2133600" cy="365125"/>
           </a:xfrm>
         </p:spPr>
@@ -15834,7 +15934,7 @@
         </p:nvSpPr>
         <p:spPr>
           <a:xfrm>
-            <a:off x="457200" y="625277"/>
+            <a:off x="457200" y="625281"/>
             <a:ext cx="8229600" cy="954107"/>
           </a:xfrm>
           <a:prstGeom prst="rect">
@@ -15860,7 +15960,7 @@
               <a:t>Qual a UF que possui a maior concentração de alunos estrangeiros negros</a:t>
             </a:r>
             <a:r>
-              <a:rPr lang="pt-BR" sz="2800" dirty="0" smtClean="0">
+              <a:rPr lang="pt-BR" sz="2800" dirty="0">
                 <a:solidFill>
                   <a:schemeClr val="accent6">
                     <a:lumMod val="75000"/>
@@ -15937,7 +16037,7 @@
           </p:nvPr>
         </p:nvGraphicFramePr>
         <p:xfrm>
-          <a:off x="-36512" y="1793813"/>
+          <a:off x="-36512" y="1793817"/>
           <a:ext cx="9180512" cy="5064187"/>
         </p:xfrm>
         <a:graphic>
@@ -15985,7 +16085,7 @@
           </a:lstStyle>
           <a:p>
             <a:r>
-              <a:rPr lang="pt-BR" sz="2800" b="1" dirty="0" smtClean="0"/>
+              <a:rPr lang="pt-BR" sz="2800" b="1" dirty="0"/>
               <a:t>Resultados da </a:t>
             </a:r>
             <a:r>
@@ -15993,7 +16093,7 @@
               <a:t>a</a:t>
             </a:r>
             <a:r>
-              <a:rPr lang="pt-BR" sz="2800" b="1" dirty="0" smtClean="0"/>
+              <a:rPr lang="pt-BR" sz="2800" b="1" dirty="0"/>
               <a:t>nálise</a:t>
             </a:r>
             <a:endParaRPr lang="pt-BR" sz="2800" b="1" dirty="0"/>
@@ -16159,11 +16259,11 @@
             </a:lvl9pPr>
           </a:lstStyle>
           <a:p>
-            <a:pPr marL="0" lvl="0" indent="0" algn="ctr">
+            <a:pPr marL="0" indent="0" algn="ctr">
               <a:buNone/>
             </a:pPr>
             <a:r>
-              <a:rPr lang="pt-BR" sz="2800" dirty="0" smtClean="0">
+              <a:rPr lang="pt-BR" sz="2800" dirty="0">
                 <a:solidFill>
                   <a:schemeClr val="accent6">
                     <a:lumMod val="75000"/>
@@ -16197,7 +16297,7 @@
         </p:nvSpPr>
         <p:spPr>
           <a:xfrm>
-            <a:off x="7010400" y="6492875"/>
+            <a:off x="7010400" y="6492879"/>
             <a:ext cx="2133600" cy="365125"/>
           </a:xfrm>
         </p:spPr>
@@ -16260,7 +16360,7 @@
         </p:nvSpPr>
         <p:spPr>
           <a:xfrm>
-            <a:off x="457200" y="116632"/>
+            <a:off x="457200" y="116636"/>
             <a:ext cx="8229600" cy="527571"/>
           </a:xfrm>
           <a:prstGeom prst="rect">
@@ -16289,7 +16389,7 @@
           </a:lstStyle>
           <a:p>
             <a:r>
-              <a:rPr lang="pt-BR" sz="2800" b="1" dirty="0" smtClean="0"/>
+              <a:rPr lang="pt-BR" sz="2800" b="1" dirty="0"/>
               <a:t>Resultados da análise</a:t>
             </a:r>
             <a:endParaRPr lang="pt-BR" sz="2800" b="1" dirty="0"/>
@@ -16458,7 +16558,7 @@
             <a:pPr marL="0" indent="0">
               <a:buNone/>
             </a:pPr>
-            <a:endParaRPr lang="pt-BR" sz="2400" dirty="0" smtClean="0"/>
+            <a:endParaRPr lang="pt-BR" sz="2400" dirty="0"/>
           </a:p>
         </p:txBody>
       </p:sp>
@@ -16470,7 +16570,7 @@
         </p:nvSpPr>
         <p:spPr>
           <a:xfrm>
-            <a:off x="472058" y="644203"/>
+            <a:off x="472058" y="644207"/>
             <a:ext cx="8229600" cy="954107"/>
           </a:xfrm>
           <a:prstGeom prst="rect">
@@ -16496,7 +16596,7 @@
               <a:t>Qual a quantidade de alunos negros que moram em zona urbana ou rural entre os anos da análise</a:t>
             </a:r>
             <a:r>
-              <a:rPr lang="pt-BR" sz="2800" dirty="0" smtClean="0">
+              <a:rPr lang="pt-BR" sz="2800" dirty="0">
                 <a:solidFill>
                   <a:schemeClr val="accent6">
                     <a:lumMod val="75000"/>
@@ -16528,7 +16628,7 @@
           </p:nvPr>
         </p:nvGraphicFramePr>
         <p:xfrm>
-          <a:off x="0" y="1817646"/>
+          <a:off x="0" y="1817650"/>
           <a:ext cx="9144000" cy="5040353"/>
         </p:xfrm>
         <a:graphic>
@@ -16549,7 +16649,7 @@
         </p:nvSpPr>
         <p:spPr>
           <a:xfrm>
-            <a:off x="7010400" y="6476639"/>
+            <a:off x="7010400" y="6476643"/>
             <a:ext cx="2133600" cy="365125"/>
           </a:xfrm>
         </p:spPr>
@@ -16649,7 +16749,7 @@
           </a:lstStyle>
           <a:p>
             <a:r>
-              <a:rPr lang="pt-BR" sz="2800" b="1" dirty="0" smtClean="0"/>
+              <a:rPr lang="pt-BR" sz="2800" b="1" dirty="0"/>
               <a:t>Considerações Finais</a:t>
             </a:r>
             <a:endParaRPr lang="pt-BR" sz="2800" b="1" dirty="0"/>
@@ -16816,17 +16916,17 @@
           </a:lstStyle>
           <a:p>
             <a:pPr lvl="0" algn="just"/>
-            <a:endParaRPr lang="pt-BR" sz="2400" dirty="0" smtClean="0"/>
-          </a:p>
-          <a:p>
-            <a:pPr marL="0" lvl="0" indent="0" algn="just">
+            <a:endParaRPr lang="pt-BR" sz="2400" dirty="0"/>
+          </a:p>
+          <a:p>
+            <a:pPr marL="0" indent="0" algn="just">
               <a:lnSpc>
                 <a:spcPct val="150000"/>
               </a:lnSpc>
               <a:buNone/>
             </a:pPr>
             <a:r>
-              <a:rPr lang="pt-BR" sz="2800" dirty="0" smtClean="0"/>
+              <a:rPr lang="pt-BR" sz="2800" dirty="0"/>
               <a:t>Foram analisados:</a:t>
             </a:r>
           </a:p>
@@ -16837,7 +16937,7 @@
               </a:lnSpc>
             </a:pPr>
             <a:r>
-              <a:rPr lang="pt-BR" sz="2800" dirty="0" smtClean="0"/>
+              <a:rPr lang="pt-BR" sz="2800" dirty="0"/>
               <a:t>Quase 200 </a:t>
             </a:r>
             <a:r>
@@ -16845,7 +16945,7 @@
               <a:t>milhões de alunos envolvidos na base do INEP segundo o recorte temporal de 2015 a </a:t>
             </a:r>
             <a:r>
-              <a:rPr lang="pt-BR" sz="2800" dirty="0" smtClean="0"/>
+              <a:rPr lang="pt-BR" sz="2800" dirty="0"/>
               <a:t>2018;</a:t>
             </a:r>
           </a:p>
@@ -16856,14 +16956,14 @@
               </a:lnSpc>
             </a:pPr>
             <a:r>
-              <a:rPr lang="pt-BR" sz="2800" dirty="0" smtClean="0"/>
+              <a:rPr lang="pt-BR" sz="2800" dirty="0"/>
               <a:t>Em média, </a:t>
             </a:r>
             <a:r>
               <a:rPr lang="pt-BR" sz="2800" dirty="0"/>
               <a:t>50 milhões de alunos para cada um dos anos da análise. </a:t>
             </a:r>
-            <a:endParaRPr lang="pt-BR" sz="2800" dirty="0" smtClean="0"/>
+            <a:endParaRPr lang="pt-BR" sz="2800" dirty="0"/>
           </a:p>
           <a:p>
             <a:pPr algn="just">
@@ -16872,7 +16972,7 @@
               </a:lnSpc>
             </a:pPr>
             <a:r>
-              <a:rPr lang="pt-BR" sz="2800" dirty="0" smtClean="0"/>
+              <a:rPr lang="pt-BR" sz="2800" dirty="0"/>
               <a:t>Para </a:t>
             </a:r>
             <a:r>
@@ -16880,7 +16980,7 @@
               <a:t>os alunos negros, tem-se, em média, 1,8 milhões de registros em cada um dos </a:t>
             </a:r>
             <a:r>
-              <a:rPr lang="pt-BR" sz="2800" dirty="0" smtClean="0"/>
+              <a:rPr lang="pt-BR" sz="2800" dirty="0"/>
               <a:t>anos;</a:t>
             </a:r>
             <a:endParaRPr lang="pt-BR" sz="2800" dirty="0"/>
@@ -16899,7 +16999,7 @@
         </p:nvSpPr>
         <p:spPr>
           <a:xfrm>
-            <a:off x="7006101" y="6500676"/>
+            <a:off x="7006101" y="6500680"/>
             <a:ext cx="2133600" cy="365125"/>
           </a:xfrm>
         </p:spPr>
@@ -17111,26 +17211,26 @@
             </a:lvl9pPr>
           </a:lstStyle>
           <a:p>
-            <a:pPr marL="0" lvl="0" indent="0" algn="ctr">
+            <a:pPr marL="0" indent="0" algn="ctr">
               <a:lnSpc>
                 <a:spcPct val="150000"/>
               </a:lnSpc>
               <a:buNone/>
             </a:pPr>
             <a:r>
-              <a:rPr lang="pt-BR" dirty="0" smtClean="0"/>
+              <a:rPr lang="pt-BR" dirty="0"/>
               <a:t>“Sem dados você é apenas mais uma pessoa com uma opinião”.</a:t>
             </a:r>
           </a:p>
           <a:p>
-            <a:pPr marL="0" lvl="0" indent="0" algn="r">
+            <a:pPr marL="0" indent="0" algn="r">
               <a:lnSpc>
                 <a:spcPct val="150000"/>
               </a:lnSpc>
               <a:buNone/>
             </a:pPr>
             <a:r>
-              <a:rPr lang="pt-BR" sz="2000" dirty="0" smtClean="0"/>
+              <a:rPr lang="pt-BR" sz="2000" dirty="0"/>
               <a:t>W. Edwards Deming</a:t>
             </a:r>
             <a:endParaRPr lang="pt-BR" sz="2000" dirty="0"/>
@@ -17149,7 +17249,7 @@
         </p:nvSpPr>
         <p:spPr>
           <a:xfrm>
-            <a:off x="7010400" y="6499529"/>
+            <a:off x="7010400" y="6499533"/>
             <a:ext cx="2133600" cy="365125"/>
           </a:xfrm>
         </p:spPr>
@@ -17354,7 +17454,7 @@
             </a:lvl9pPr>
           </a:lstStyle>
           <a:p>
-            <a:pPr marL="0" lvl="0" indent="0" algn="ctr">
+            <a:pPr marL="0" indent="0" algn="ctr">
               <a:lnSpc>
                 <a:spcPct val="150000"/>
               </a:lnSpc>
@@ -17417,7 +17517,7 @@
         </p:nvSpPr>
         <p:spPr>
           <a:xfrm>
-            <a:off x="7010400" y="6492875"/>
+            <a:off x="7010400" y="6492879"/>
             <a:ext cx="2133600" cy="365125"/>
           </a:xfrm>
         </p:spPr>
@@ -17441,7 +17541,7 @@
         </p:nvSpPr>
         <p:spPr>
           <a:xfrm>
-            <a:off x="467544" y="2708920"/>
+            <a:off x="467544" y="2708924"/>
             <a:ext cx="8291264" cy="769441"/>
           </a:xfrm>
           <a:prstGeom prst="rect">
@@ -17457,7 +17557,7 @@
           <a:p>
             <a:pPr algn="ctr"/>
             <a:r>
-              <a:rPr lang="pt-BR" sz="4400" dirty="0" smtClean="0"/>
+              <a:rPr lang="pt-BR" sz="4400" dirty="0"/>
               <a:t>Obrigado!</a:t>
             </a:r>
             <a:endParaRPr lang="pt-BR" sz="4400" dirty="0"/>
@@ -17488,21 +17588,21 @@
           <a:p>
             <a:pPr algn="ctr"/>
             <a:r>
-              <a:rPr lang="pt-BR" sz="2000" dirty="0" smtClean="0"/>
+              <a:rPr lang="pt-BR" sz="2000" dirty="0"/>
               <a:t>danielgads@hotmail.com</a:t>
             </a:r>
           </a:p>
           <a:p>
             <a:pPr algn="ctr"/>
             <a:r>
-              <a:rPr lang="pt-BR" sz="2000" dirty="0" smtClean="0"/>
+              <a:rPr lang="pt-BR" sz="2000" dirty="0"/>
               <a:t>gdebrito98@gmail.com</a:t>
             </a:r>
           </a:p>
           <a:p>
             <a:pPr algn="ctr"/>
             <a:r>
-              <a:rPr lang="pt-BR" sz="2000" dirty="0" smtClean="0"/>
+              <a:rPr lang="pt-BR" sz="2000" dirty="0"/>
               <a:t>marceloccljr@gmail.com</a:t>
             </a:r>
           </a:p>
@@ -17516,7 +17616,7 @@
           <a:p>
             <a:pPr algn="ctr"/>
             <a:r>
-              <a:rPr lang="pt-BR" sz="2000" dirty="0" smtClean="0"/>
+              <a:rPr lang="pt-BR" sz="2000" dirty="0"/>
               <a:t>willian.rodrigues1106@gmail.com</a:t>
             </a:r>
             <a:endParaRPr lang="pt-BR" sz="2000" dirty="0"/>
@@ -17583,7 +17683,7 @@
           <a:lstStyle/>
           <a:p>
             <a:r>
-              <a:rPr lang="pt-BR" sz="2800" b="1" dirty="0" smtClean="0"/>
+              <a:rPr lang="pt-BR" sz="2800" b="1" dirty="0"/>
               <a:t>Delimitação do tema</a:t>
             </a:r>
             <a:endParaRPr lang="pt-BR" sz="2800" b="1" dirty="0"/>
@@ -17618,7 +17718,7 @@
               </a:lnSpc>
             </a:pPr>
             <a:r>
-              <a:rPr lang="pt-BR" sz="4000" dirty="0" smtClean="0"/>
+              <a:rPr lang="pt-BR" sz="4000" dirty="0"/>
               <a:t>Colher informações sobre a </a:t>
             </a:r>
             <a:r>
@@ -17630,11 +17730,11 @@
               <a:t>Business </a:t>
             </a:r>
             <a:r>
-              <a:rPr lang="pt-BR" sz="4000" i="1" dirty="0" smtClean="0"/>
+              <a:rPr lang="pt-BR" sz="4000" i="1" dirty="0"/>
               <a:t>Intelligence</a:t>
             </a:r>
             <a:r>
-              <a:rPr lang="pt-BR" sz="4000" dirty="0" smtClean="0"/>
+              <a:rPr lang="pt-BR" sz="4000" dirty="0"/>
               <a:t>;</a:t>
             </a:r>
           </a:p>
@@ -17645,7 +17745,7 @@
               </a:lnSpc>
               <a:buNone/>
             </a:pPr>
-            <a:endParaRPr lang="pt-BR" sz="4000" dirty="0" smtClean="0"/>
+            <a:endParaRPr lang="pt-BR" sz="4000" dirty="0"/>
           </a:p>
           <a:p>
             <a:pPr algn="just">
@@ -17658,7 +17758,7 @@
               <a:t>A</a:t>
             </a:r>
             <a:r>
-              <a:rPr lang="pt-BR" sz="4000" dirty="0" smtClean="0"/>
+              <a:rPr lang="pt-BR" sz="4000" dirty="0"/>
               <a:t>nálise </a:t>
             </a:r>
             <a:r>
@@ -17666,7 +17766,7 @@
               <a:t>do panorama da atuação do aluno </a:t>
             </a:r>
             <a:r>
-              <a:rPr lang="pt-BR" sz="4000" dirty="0" smtClean="0"/>
+              <a:rPr lang="pt-BR" sz="4000" dirty="0"/>
               <a:t>negro na </a:t>
             </a:r>
             <a:r>
@@ -17674,7 +17774,7 @@
               <a:t>educação básica </a:t>
             </a:r>
             <a:r>
-              <a:rPr lang="pt-BR" sz="4000" dirty="0" smtClean="0"/>
+              <a:rPr lang="pt-BR" sz="4000" dirty="0"/>
               <a:t>brasileira;</a:t>
             </a:r>
           </a:p>
@@ -17685,7 +17785,7 @@
               </a:lnSpc>
               <a:buNone/>
             </a:pPr>
-            <a:endParaRPr lang="pt-BR" sz="4000" dirty="0" smtClean="0"/>
+            <a:endParaRPr lang="pt-BR" sz="4000" dirty="0"/>
           </a:p>
           <a:p>
             <a:pPr algn="just">
@@ -17694,7 +17794,7 @@
               </a:lnSpc>
             </a:pPr>
             <a:r>
-              <a:rPr lang="pt-BR" sz="4000" dirty="0" smtClean="0"/>
+              <a:rPr lang="pt-BR" sz="4000" dirty="0"/>
               <a:t>Referência: </a:t>
             </a:r>
             <a:r>
@@ -17702,7 +17802,7 @@
               <a:t>Base de Micro dados do Censo Escolar dos Anos de 2015 a 2018 do </a:t>
             </a:r>
             <a:r>
-              <a:rPr lang="pt-BR" sz="4000" dirty="0" smtClean="0"/>
+              <a:rPr lang="pt-BR" sz="4000" dirty="0"/>
               <a:t>INEP;</a:t>
             </a:r>
             <a:endParaRPr lang="pt-BR" sz="4000" dirty="0"/>
@@ -17711,7 +17811,7 @@
             <a:pPr marL="0" indent="0">
               <a:buNone/>
             </a:pPr>
-            <a:endParaRPr lang="pt-BR" sz="2400" dirty="0" smtClean="0"/>
+            <a:endParaRPr lang="pt-BR" sz="2400" dirty="0"/>
           </a:p>
         </p:txBody>
       </p:sp>
@@ -17727,7 +17827,7 @@
         </p:nvSpPr>
         <p:spPr>
           <a:xfrm>
-            <a:off x="7014809" y="6508629"/>
+            <a:off x="7014809" y="6508633"/>
             <a:ext cx="2133600" cy="365125"/>
           </a:xfrm>
         </p:spPr>
@@ -17803,7 +17903,7 @@
           <a:lstStyle/>
           <a:p>
             <a:r>
-              <a:rPr lang="pt-BR" sz="2800" b="1" dirty="0" smtClean="0"/>
+              <a:rPr lang="pt-BR" sz="2800" b="1" dirty="0"/>
               <a:t>Formulação do problema</a:t>
             </a:r>
             <a:endParaRPr lang="pt-BR" sz="2800" b="1" dirty="0"/>
@@ -17822,7 +17922,7 @@
         </p:nvSpPr>
         <p:spPr>
           <a:xfrm>
-            <a:off x="457200" y="1426939"/>
+            <a:off x="457200" y="1426943"/>
             <a:ext cx="8229600" cy="3921299"/>
           </a:xfrm>
         </p:spPr>
@@ -17837,7 +17937,7 @@
               <a:buNone/>
             </a:pPr>
             <a:r>
-              <a:rPr lang="pt-BR" sz="2800" dirty="0" smtClean="0"/>
+              <a:rPr lang="pt-BR" sz="2800" dirty="0"/>
               <a:t>De </a:t>
             </a:r>
             <a:r>
@@ -17845,15 +17945,15 @@
               <a:t>que forma a aplicação do processo de </a:t>
             </a:r>
             <a:r>
-              <a:rPr lang="en-US" sz="2800" i="1" dirty="0" smtClean="0"/>
+              <a:rPr lang="en-US" sz="2800" i="1" dirty="0"/>
               <a:t>Business Intelligence</a:t>
             </a:r>
             <a:r>
-              <a:rPr lang="en-US" sz="2800" dirty="0" smtClean="0"/>
+              <a:rPr lang="en-US" sz="2800" dirty="0"/>
               <a:t> </a:t>
             </a:r>
             <a:r>
-              <a:rPr lang="pt-BR" sz="2800" dirty="0" smtClean="0"/>
+              <a:rPr lang="pt-BR" sz="2800" dirty="0"/>
               <a:t>auxilia </a:t>
             </a:r>
             <a:r>
@@ -17875,7 +17975,7 @@
         </p:nvSpPr>
         <p:spPr>
           <a:xfrm>
-            <a:off x="7010400" y="6499921"/>
+            <a:off x="7010400" y="6499925"/>
             <a:ext cx="2133600" cy="365125"/>
           </a:xfrm>
         </p:spPr>
@@ -17951,7 +18051,7 @@
           <a:lstStyle/>
           <a:p>
             <a:r>
-              <a:rPr lang="pt-BR" sz="2800" b="1" dirty="0" smtClean="0"/>
+              <a:rPr lang="pt-BR" sz="2800" b="1" dirty="0"/>
               <a:t>Objetivos gerais</a:t>
             </a:r>
             <a:endParaRPr lang="pt-BR" sz="2800" b="1" dirty="0"/>
@@ -17990,7 +18090,7 @@
               <a:t>A</a:t>
             </a:r>
             <a:r>
-              <a:rPr lang="pt-BR" sz="2800" dirty="0" smtClean="0"/>
+              <a:rPr lang="pt-BR" sz="2800" dirty="0"/>
               <a:t>presentar </a:t>
             </a:r>
             <a:r>
@@ -17998,15 +18098,15 @@
               <a:t>de que forma a aplicação do processo de </a:t>
             </a:r>
             <a:r>
-              <a:rPr lang="en-US" sz="2800" i="1" dirty="0" smtClean="0"/>
+              <a:rPr lang="en-US" sz="2800" i="1" dirty="0"/>
               <a:t>Business Intelligence</a:t>
             </a:r>
             <a:r>
-              <a:rPr lang="en-US" sz="2800" dirty="0" smtClean="0"/>
+              <a:rPr lang="en-US" sz="2800" dirty="0"/>
               <a:t> </a:t>
             </a:r>
             <a:r>
-              <a:rPr lang="pt-BR" sz="2800" dirty="0" smtClean="0"/>
+              <a:rPr lang="pt-BR" sz="2800" dirty="0"/>
               <a:t>auxilia </a:t>
             </a:r>
             <a:r>
@@ -18014,7 +18114,7 @@
               <a:t>uma análise dos dados da atuação do aluno negro na educação básica </a:t>
             </a:r>
             <a:r>
-              <a:rPr lang="pt-BR" sz="2800" dirty="0" smtClean="0"/>
+              <a:rPr lang="pt-BR" sz="2800" dirty="0"/>
               <a:t>brasileira;</a:t>
             </a:r>
           </a:p>
@@ -18025,7 +18125,7 @@
               </a:lnSpc>
             </a:pPr>
             <a:r>
-              <a:rPr lang="pt-BR" sz="2800" dirty="0" smtClean="0"/>
+              <a:rPr lang="pt-BR" sz="2800" dirty="0"/>
               <a:t>Comprovar a </a:t>
             </a:r>
             <a:r>
@@ -18033,7 +18133,7 @@
               <a:t>utilidade do processo de BI para análise dos dados na Base de Micro dados do Censo Escolar dos Anos de 2015 a 2018 do </a:t>
             </a:r>
             <a:r>
-              <a:rPr lang="pt-BR" sz="2800" dirty="0" smtClean="0"/>
+              <a:rPr lang="pt-BR" sz="2800" dirty="0"/>
               <a:t>INEP;</a:t>
             </a:r>
             <a:endParaRPr lang="pt-BR" sz="2800" dirty="0"/>
@@ -18052,7 +18152,7 @@
         </p:nvSpPr>
         <p:spPr>
           <a:xfrm>
-            <a:off x="7010400" y="6500366"/>
+            <a:off x="7010400" y="6500370"/>
             <a:ext cx="2133600" cy="365125"/>
           </a:xfrm>
         </p:spPr>
@@ -18128,7 +18228,7 @@
           <a:lstStyle/>
           <a:p>
             <a:r>
-              <a:rPr lang="pt-BR" sz="2800" b="1" dirty="0" smtClean="0"/>
+              <a:rPr lang="pt-BR" sz="2800" b="1" dirty="0"/>
               <a:t>Objetivos específicos</a:t>
             </a:r>
             <a:endParaRPr lang="pt-BR" sz="2800" b="1" dirty="0"/>
@@ -18162,7 +18262,7 @@
               <a:buChar char="Ø"/>
             </a:pPr>
             <a:r>
-              <a:rPr lang="pt-BR" sz="2800" dirty="0" smtClean="0"/>
+              <a:rPr lang="pt-BR" sz="2800" dirty="0"/>
               <a:t>Levantar </a:t>
             </a:r>
             <a:r>
@@ -18170,15 +18270,15 @@
               <a:t>o estado da arte </a:t>
             </a:r>
             <a:r>
-              <a:rPr lang="pt-BR" sz="2800" dirty="0" smtClean="0"/>
+              <a:rPr lang="pt-BR" sz="2800" dirty="0"/>
               <a:t>sobre </a:t>
             </a:r>
             <a:r>
-              <a:rPr lang="en-US" sz="2800" i="1" dirty="0" smtClean="0"/>
+              <a:rPr lang="en-US" sz="2800" i="1" dirty="0"/>
               <a:t>Business Intelligence</a:t>
             </a:r>
             <a:r>
-              <a:rPr lang="pt-BR" sz="2800" dirty="0" smtClean="0"/>
+              <a:rPr lang="pt-BR" sz="2800" dirty="0"/>
               <a:t>, </a:t>
             </a:r>
             <a:r>
@@ -18206,11 +18306,11 @@
               <a:t>Aplicar a metodologia de </a:t>
             </a:r>
             <a:r>
-              <a:rPr lang="en-US" sz="2800" i="1" dirty="0" smtClean="0"/>
+              <a:rPr lang="en-US" sz="2800" i="1" dirty="0"/>
               <a:t>Business Intelligence</a:t>
             </a:r>
             <a:r>
-              <a:rPr lang="pt-BR" sz="2800" dirty="0" smtClean="0"/>
+              <a:rPr lang="pt-BR" sz="2800" dirty="0"/>
               <a:t>, </a:t>
             </a:r>
             <a:r>
@@ -18218,7 +18318,7 @@
               <a:t>bem como os processos de ETL </a:t>
             </a:r>
             <a:r>
-              <a:rPr lang="pt-BR" sz="2800" dirty="0" smtClean="0"/>
+              <a:rPr lang="pt-BR" sz="2800" dirty="0"/>
               <a:t>e </a:t>
             </a:r>
             <a:r>
@@ -18226,11 +18326,11 @@
               <a:t>a montagem do ambiente de </a:t>
             </a:r>
             <a:r>
-              <a:rPr lang="en-US" sz="2800" i="1" dirty="0" smtClean="0"/>
+              <a:rPr lang="en-US" sz="2800" i="1" dirty="0"/>
               <a:t>Data Warehouse</a:t>
             </a:r>
             <a:r>
-              <a:rPr lang="pt-BR" sz="2800" dirty="0" smtClean="0"/>
+              <a:rPr lang="pt-BR" sz="2800" dirty="0"/>
               <a:t>;</a:t>
             </a:r>
             <a:endParaRPr lang="pt-BR" sz="2800" dirty="0"/>
@@ -18259,7 +18359,7 @@
         </p:nvSpPr>
         <p:spPr>
           <a:xfrm>
-            <a:off x="7016499" y="6479772"/>
+            <a:off x="7016499" y="6479776"/>
             <a:ext cx="2133600" cy="365125"/>
           </a:xfrm>
         </p:spPr>
@@ -18335,7 +18435,7 @@
           <a:lstStyle/>
           <a:p>
             <a:r>
-              <a:rPr lang="pt-BR" sz="2800" b="1" dirty="0" smtClean="0"/>
+              <a:rPr lang="pt-BR" sz="2800" b="1" dirty="0"/>
               <a:t>Metodologia</a:t>
             </a:r>
             <a:endParaRPr lang="pt-BR" sz="2800" b="1" dirty="0"/>
@@ -18370,11 +18470,11 @@
               </a:lnSpc>
             </a:pPr>
             <a:r>
-              <a:rPr lang="pt-BR" sz="2800" b="1" dirty="0" smtClean="0"/>
+              <a:rPr lang="pt-BR" sz="2800" b="1" dirty="0"/>
               <a:t>Pesquisa aplicada</a:t>
             </a:r>
             <a:r>
-              <a:rPr lang="pt-BR" sz="2800" dirty="0" smtClean="0"/>
+              <a:rPr lang="pt-BR" sz="2800" dirty="0"/>
               <a:t>: aplicação prática da ciência;</a:t>
             </a:r>
           </a:p>
@@ -18389,7 +18489,7 @@
               <a:t>Pesquisa descritiva</a:t>
             </a:r>
             <a:r>
-              <a:rPr lang="pt-BR" sz="2800" dirty="0" smtClean="0"/>
+              <a:rPr lang="pt-BR" sz="2800" dirty="0"/>
               <a:t>: descrever </a:t>
             </a:r>
             <a:r>
@@ -18397,7 +18497,7 @@
               <a:t>características de uma determinada população ou fenômeno</a:t>
             </a:r>
             <a:r>
-              <a:rPr lang="pt-BR" sz="2800" dirty="0" smtClean="0"/>
+              <a:rPr lang="pt-BR" sz="2800" dirty="0"/>
               <a:t>;</a:t>
             </a:r>
           </a:p>
@@ -18412,7 +18512,7 @@
               <a:t>Pesquisa Bibliográfica</a:t>
             </a:r>
             <a:r>
-              <a:rPr lang="pt-BR" sz="2800" dirty="0" smtClean="0"/>
+              <a:rPr lang="pt-BR" sz="2800" dirty="0"/>
               <a:t>: utilização de materias já publicados como ferramenta de estudo.</a:t>
             </a:r>
           </a:p>
@@ -18430,7 +18530,7 @@
         </p:nvSpPr>
         <p:spPr>
           <a:xfrm>
-            <a:off x="7010400" y="6492875"/>
+            <a:off x="7010400" y="6492879"/>
             <a:ext cx="2133600" cy="365125"/>
           </a:xfrm>
         </p:spPr>
@@ -18495,7 +18595,7 @@
         </p:nvSpPr>
         <p:spPr>
           <a:xfrm>
-            <a:off x="465187" y="332656"/>
+            <a:off x="465187" y="332660"/>
             <a:ext cx="8229600" cy="564579"/>
           </a:xfrm>
         </p:spPr>
@@ -18506,7 +18606,7 @@
           <a:lstStyle/>
           <a:p>
             <a:r>
-              <a:rPr lang="pt-BR" sz="2800" b="1" dirty="0" smtClean="0"/>
+              <a:rPr lang="pt-BR" sz="2800" b="1" dirty="0"/>
               <a:t>Embasamento teórico</a:t>
             </a:r>
             <a:endParaRPr lang="pt-BR" sz="2800" b="1" dirty="0"/>
@@ -18525,7 +18625,7 @@
         </p:nvSpPr>
         <p:spPr>
           <a:xfrm>
-            <a:off x="1384188" y="836712"/>
+            <a:off x="1384192" y="836712"/>
             <a:ext cx="6356573" cy="716632"/>
           </a:xfrm>
         </p:spPr>
@@ -18542,10 +18642,10 @@
               <a:buNone/>
             </a:pPr>
             <a:r>
-              <a:rPr lang="en-US" sz="2800" dirty="0" smtClean="0"/>
+              <a:rPr lang="en-US" sz="2800" dirty="0"/>
               <a:t>Business Intelligence</a:t>
             </a:r>
-            <a:endParaRPr lang="pt-BR" sz="2800" dirty="0" smtClean="0"/>
+            <a:endParaRPr lang="pt-BR" sz="2800" dirty="0"/>
           </a:p>
         </p:txBody>
       </p:sp>
@@ -18591,7 +18691,7 @@
         </p:nvSpPr>
         <p:spPr>
           <a:xfrm>
-            <a:off x="6876256" y="6492875"/>
+            <a:off x="6876256" y="6492879"/>
             <a:ext cx="2133600" cy="365125"/>
           </a:xfrm>
         </p:spPr>
@@ -18667,7 +18767,7 @@
           <a:lstStyle/>
           <a:p>
             <a:r>
-              <a:rPr lang="pt-BR" sz="2800" b="1" dirty="0" smtClean="0"/>
+              <a:rPr lang="pt-BR" sz="2800" b="1" dirty="0"/>
               <a:t>Embasamento teórico</a:t>
             </a:r>
             <a:endParaRPr lang="pt-BR" sz="2800" b="1" dirty="0"/>
@@ -18703,10 +18803,10 @@
               <a:buNone/>
             </a:pPr>
             <a:r>
-              <a:rPr lang="en-US" sz="2800" dirty="0" smtClean="0"/>
+              <a:rPr lang="en-US" sz="2800" dirty="0"/>
               <a:t>Data Warehouse</a:t>
             </a:r>
-            <a:endParaRPr lang="pt-BR" sz="2800" dirty="0" smtClean="0"/>
+            <a:endParaRPr lang="pt-BR" sz="2800" dirty="0"/>
           </a:p>
         </p:txBody>
       </p:sp>
@@ -18722,7 +18822,7 @@
         </p:nvSpPr>
         <p:spPr>
           <a:xfrm>
-            <a:off x="7010400" y="6479772"/>
+            <a:off x="7010400" y="6479776"/>
             <a:ext cx="2133600" cy="365125"/>
           </a:xfrm>
         </p:spPr>
@@ -18746,7 +18846,7 @@
         </p:nvSpPr>
         <p:spPr>
           <a:xfrm>
-            <a:off x="385601" y="2111960"/>
+            <a:off x="385605" y="2111964"/>
             <a:ext cx="8353747" cy="3323987"/>
           </a:xfrm>
           <a:prstGeom prst="rect">
@@ -18766,8 +18866,8 @@
               </a:lnSpc>
             </a:pPr>
             <a:r>
-              <a:rPr lang="pt-BR" sz="2800" dirty="0" smtClean="0"/>
-              <a:t>Depósito de dados orientado por:</a:t>
+              <a:rPr lang="pt-BR" sz="2800" dirty="0"/>
+              <a:t>Características:</a:t>
             </a:r>
           </a:p>
           <a:p>
@@ -18779,7 +18879,7 @@
               <a:buChar char="•"/>
             </a:pPr>
             <a:r>
-              <a:rPr lang="pt-BR" sz="2800" dirty="0" smtClean="0"/>
+              <a:rPr lang="pt-BR" sz="2800" dirty="0"/>
               <a:t>Assunto;</a:t>
             </a:r>
           </a:p>
@@ -18792,7 +18892,7 @@
               <a:buChar char="•"/>
             </a:pPr>
             <a:r>
-              <a:rPr lang="pt-BR" sz="2800" dirty="0" smtClean="0"/>
+              <a:rPr lang="pt-BR" sz="2800" dirty="0"/>
               <a:t>Integrado;</a:t>
             </a:r>
           </a:p>
@@ -18805,7 +18905,7 @@
               <a:buChar char="•"/>
             </a:pPr>
             <a:r>
-              <a:rPr lang="pt-BR" sz="2800" dirty="0" smtClean="0"/>
+              <a:rPr lang="pt-BR" sz="2800" dirty="0"/>
               <a:t>Não volátil;</a:t>
             </a:r>
           </a:p>
@@ -18818,7 +18918,7 @@
               <a:buChar char="•"/>
             </a:pPr>
             <a:r>
-              <a:rPr lang="pt-BR" sz="2800" dirty="0" smtClean="0"/>
+              <a:rPr lang="pt-BR" sz="2800" dirty="0"/>
               <a:t>Variável com o tempo;</a:t>
             </a:r>
             <a:endParaRPr lang="pt-BR" sz="2800" dirty="0"/>

--- a/TCC_BI_Alunos_Negros.pptx
+++ b/TCC_BI_Alunos_Negros.pptx
@@ -1804,7 +1804,6 @@
           </a:p>
         </c:rich>
       </c:tx>
-      <c:layout/>
       <c:overlay val="0"/>
       <c:spPr>
         <a:noFill/>
@@ -1940,7 +1939,6 @@
             <c:showLeaderLines val="0"/>
             <c:extLst>
               <c:ext xmlns:c15="http://schemas.microsoft.com/office/drawing/2012/chart" uri="{CE6537A1-D6FC-4f65-9D91-7224C49458BB}">
-                <c15:layout/>
                 <c15:showLeaderLines val="1"/>
                 <c15:leaderLines>
                   <c:spPr>
@@ -2202,7 +2200,6 @@
           </a:p>
         </c:rich>
       </c:tx>
-      <c:layout/>
       <c:overlay val="0"/>
       <c:spPr>
         <a:noFill/>
@@ -2338,7 +2335,6 @@
             <c:showLeaderLines val="0"/>
             <c:extLst>
               <c:ext xmlns:c15="http://schemas.microsoft.com/office/drawing/2012/chart" uri="{CE6537A1-D6FC-4f65-9D91-7224C49458BB}">
-                <c15:layout/>
                 <c15:showLeaderLines val="1"/>
                 <c15:leaderLines>
                   <c:spPr>
@@ -6797,7 +6793,7 @@
           <a:p>
             <a:fld id="{892BBDE4-B257-4B28-AF9B-80911A110866}" type="datetimeFigureOut">
               <a:rPr lang="pt-BR" smtClean="0"/>
-              <a:t>11/12/2019</a:t>
+              <a:t>12/12/2019</a:t>
             </a:fld>
             <a:endParaRPr lang="pt-BR"/>
           </a:p>
@@ -9752,7 +9748,7 @@
           <a:p>
             <a:fld id="{5608231A-01C7-43A8-9F27-B8568746F2D0}" type="datetime1">
               <a:rPr lang="pt-BR" smtClean="0"/>
-              <a:t>11/12/2019</a:t>
+              <a:t>12/12/2019</a:t>
             </a:fld>
             <a:endParaRPr lang="pt-BR"/>
           </a:p>
@@ -9922,7 +9918,7 @@
           <a:p>
             <a:fld id="{CA90437F-4746-41D5-875E-3EDF8407A153}" type="datetime1">
               <a:rPr lang="pt-BR" smtClean="0"/>
-              <a:t>11/12/2019</a:t>
+              <a:t>12/12/2019</a:t>
             </a:fld>
             <a:endParaRPr lang="pt-BR"/>
           </a:p>
@@ -10102,7 +10098,7 @@
           <a:p>
             <a:fld id="{C9BABADB-CEE7-4513-85C6-02AC753FE149}" type="datetime1">
               <a:rPr lang="pt-BR" smtClean="0"/>
-              <a:t>11/12/2019</a:t>
+              <a:t>12/12/2019</a:t>
             </a:fld>
             <a:endParaRPr lang="pt-BR"/>
           </a:p>
@@ -10272,7 +10268,7 @@
           <a:p>
             <a:fld id="{4E8CA431-1949-4491-8E05-D347E3C74D10}" type="datetime1">
               <a:rPr lang="pt-BR" smtClean="0"/>
-              <a:t>11/12/2019</a:t>
+              <a:t>12/12/2019</a:t>
             </a:fld>
             <a:endParaRPr lang="pt-BR"/>
           </a:p>
@@ -10518,7 +10514,7 @@
           <a:p>
             <a:fld id="{2E967C8F-DAFF-4C6C-A210-F26CDA289138}" type="datetime1">
               <a:rPr lang="pt-BR" smtClean="0"/>
-              <a:t>11/12/2019</a:t>
+              <a:t>12/12/2019</a:t>
             </a:fld>
             <a:endParaRPr lang="pt-BR"/>
           </a:p>
@@ -10806,7 +10802,7 @@
           <a:p>
             <a:fld id="{72FA03A6-FA3E-4FD5-BDA2-C2E2A7B9D603}" type="datetime1">
               <a:rPr lang="pt-BR" smtClean="0"/>
-              <a:t>11/12/2019</a:t>
+              <a:t>12/12/2019</a:t>
             </a:fld>
             <a:endParaRPr lang="pt-BR"/>
           </a:p>
@@ -11228,7 +11224,7 @@
           <a:p>
             <a:fld id="{9952EAC6-DEB8-400E-A784-4E74099B4BB6}" type="datetime1">
               <a:rPr lang="pt-BR" smtClean="0"/>
-              <a:t>11/12/2019</a:t>
+              <a:t>12/12/2019</a:t>
             </a:fld>
             <a:endParaRPr lang="pt-BR"/>
           </a:p>
@@ -11346,7 +11342,7 @@
           <a:p>
             <a:fld id="{FC7B5247-18B5-42C5-B49D-DD105872AB72}" type="datetime1">
               <a:rPr lang="pt-BR" smtClean="0"/>
-              <a:t>11/12/2019</a:t>
+              <a:t>12/12/2019</a:t>
             </a:fld>
             <a:endParaRPr lang="pt-BR"/>
           </a:p>
@@ -11441,7 +11437,7 @@
           <a:p>
             <a:fld id="{F67A856F-47A2-47FE-8E15-AFCA9D099C04}" type="datetime1">
               <a:rPr lang="pt-BR" smtClean="0"/>
-              <a:t>11/12/2019</a:t>
+              <a:t>12/12/2019</a:t>
             </a:fld>
             <a:endParaRPr lang="pt-BR"/>
           </a:p>
@@ -11718,7 +11714,7 @@
           <a:p>
             <a:fld id="{A6FAD85C-2C24-4C92-B3DE-64369A769FDA}" type="datetime1">
               <a:rPr lang="pt-BR" smtClean="0"/>
-              <a:t>11/12/2019</a:t>
+              <a:t>12/12/2019</a:t>
             </a:fld>
             <a:endParaRPr lang="pt-BR"/>
           </a:p>
@@ -11971,7 +11967,7 @@
           <a:p>
             <a:fld id="{0CD11CC5-01CD-4AA9-8FD2-35C2BF59A90E}" type="datetime1">
               <a:rPr lang="pt-BR" smtClean="0"/>
-              <a:t>11/12/2019</a:t>
+              <a:t>12/12/2019</a:t>
             </a:fld>
             <a:endParaRPr lang="pt-BR"/>
           </a:p>
@@ -12214,7 +12210,7 @@
           <a:p>
             <a:fld id="{C58C9F72-14F3-4865-972A-67D71CFBAA47}" type="datetime1">
               <a:rPr lang="pt-BR" smtClean="0"/>
-              <a:t>11/12/2019</a:t>
+              <a:t>12/12/2019</a:t>
             </a:fld>
             <a:endParaRPr lang="pt-BR"/>
           </a:p>
@@ -12619,142 +12615,7 @@
                 </a:solidFill>
                 <a:latin typeface="+mn-lt"/>
               </a:rPr>
-              <a:t>Análise </a:t>
-            </a:r>
-            <a:r>
-              <a:rPr lang="pt-BR" sz="2800" b="1" dirty="0">
-                <a:solidFill>
-                  <a:srgbClr val="C00000"/>
-                </a:solidFill>
-                <a:latin typeface="+mn-lt"/>
-              </a:rPr>
-              <a:t>do </a:t>
-            </a:r>
-            <a:r>
-              <a:rPr lang="pt-BR" sz="2800" b="1" dirty="0">
-                <a:solidFill>
-                  <a:srgbClr val="C00000"/>
-                </a:solidFill>
-                <a:latin typeface="+mn-lt"/>
-              </a:rPr>
-              <a:t>panorama </a:t>
-            </a:r>
-            <a:r>
-              <a:rPr lang="pt-BR" sz="2800" b="1" dirty="0">
-                <a:solidFill>
-                  <a:srgbClr val="C00000"/>
-                </a:solidFill>
-                <a:latin typeface="+mn-lt"/>
-              </a:rPr>
-              <a:t>da </a:t>
-            </a:r>
-            <a:r>
-              <a:rPr lang="pt-BR" sz="2800" b="1" dirty="0">
-                <a:solidFill>
-                  <a:srgbClr val="C00000"/>
-                </a:solidFill>
-                <a:latin typeface="+mn-lt"/>
-              </a:rPr>
-              <a:t>atuação </a:t>
-            </a:r>
-            <a:r>
-              <a:rPr lang="pt-BR" sz="2800" b="1" dirty="0">
-                <a:solidFill>
-                  <a:srgbClr val="C00000"/>
-                </a:solidFill>
-                <a:latin typeface="+mn-lt"/>
-              </a:rPr>
-              <a:t>do </a:t>
-            </a:r>
-            <a:r>
-              <a:rPr lang="pt-BR" sz="2800" b="1" dirty="0">
-                <a:solidFill>
-                  <a:srgbClr val="C00000"/>
-                </a:solidFill>
-                <a:latin typeface="+mn-lt"/>
-              </a:rPr>
-              <a:t>aluno </a:t>
-            </a:r>
-            <a:r>
-              <a:rPr lang="pt-BR" sz="2800" b="1" dirty="0">
-                <a:solidFill>
-                  <a:srgbClr val="C00000"/>
-                </a:solidFill>
-                <a:latin typeface="+mn-lt"/>
-              </a:rPr>
-              <a:t>n</a:t>
-            </a:r>
-            <a:r>
-              <a:rPr lang="pt-BR" sz="2800" b="1" dirty="0">
-                <a:solidFill>
-                  <a:srgbClr val="C00000"/>
-                </a:solidFill>
-                <a:latin typeface="+mn-lt"/>
-              </a:rPr>
-              <a:t>egro </a:t>
-            </a:r>
-            <a:r>
-              <a:rPr lang="pt-BR" sz="2800" b="1" dirty="0">
-                <a:solidFill>
-                  <a:srgbClr val="C00000"/>
-                </a:solidFill>
-                <a:latin typeface="+mn-lt"/>
-              </a:rPr>
-              <a:t>na </a:t>
-            </a:r>
-            <a:r>
-              <a:rPr lang="pt-BR" sz="2800" b="1" dirty="0">
-                <a:solidFill>
-                  <a:srgbClr val="C00000"/>
-                </a:solidFill>
-                <a:latin typeface="+mn-lt"/>
-              </a:rPr>
-              <a:t>educação </a:t>
-            </a:r>
-            <a:r>
-              <a:rPr lang="pt-BR" sz="2800" b="1" dirty="0">
-                <a:solidFill>
-                  <a:srgbClr val="C00000"/>
-                </a:solidFill>
-                <a:latin typeface="+mn-lt"/>
-              </a:rPr>
-              <a:t>b</a:t>
-            </a:r>
-            <a:r>
-              <a:rPr lang="pt-BR" sz="2800" b="1" dirty="0">
-                <a:solidFill>
-                  <a:srgbClr val="C00000"/>
-                </a:solidFill>
-                <a:latin typeface="+mn-lt"/>
-              </a:rPr>
-              <a:t>ásica </a:t>
-            </a:r>
-            <a:r>
-              <a:rPr lang="pt-BR" sz="2800" b="1" dirty="0">
-                <a:solidFill>
-                  <a:srgbClr val="C00000"/>
-                </a:solidFill>
-                <a:latin typeface="+mn-lt"/>
-              </a:rPr>
-              <a:t>b</a:t>
-            </a:r>
-            <a:r>
-              <a:rPr lang="pt-BR" sz="2800" b="1" dirty="0">
-                <a:solidFill>
-                  <a:srgbClr val="C00000"/>
-                </a:solidFill>
-                <a:latin typeface="+mn-lt"/>
-              </a:rPr>
-              <a:t>rasileira </a:t>
-            </a:r>
-            <a:r>
-              <a:rPr lang="pt-BR" sz="2800" b="1" dirty="0">
-                <a:solidFill>
-                  <a:srgbClr val="C00000"/>
-                </a:solidFill>
-                <a:latin typeface="+mn-lt"/>
-              </a:rPr>
-              <a:t>de 2015 a 2018 utilizando </a:t>
+              <a:t>Análise do panorama da atuação do aluno negro na educação básica brasileira de 2015 a 2018 utilizando </a:t>
             </a:r>
             <a:r>
               <a:rPr lang="pt-BR" sz="2800" b="1" i="1" dirty="0">
@@ -12765,12 +12626,6 @@
               </a:rPr>
               <a:t>Business Intelligence</a:t>
             </a:r>
-            <a:endParaRPr lang="pt-BR" sz="2800" b="1" i="1" dirty="0">
-              <a:solidFill>
-                <a:srgbClr val="C00000"/>
-              </a:solidFill>
-              <a:latin typeface="+mn-lt"/>
-            </a:endParaRPr>
           </a:p>
         </p:txBody>
       </p:sp>
@@ -12914,11 +12769,7 @@
           <a:p>
             <a:r>
               <a:rPr lang="pt-BR" sz="2000" b="1" dirty="0"/>
-              <a:t>INSTITUTO DE CIÊNCIAS EXATAS E TECNOLOGIA - </a:t>
-            </a:r>
-            <a:r>
-              <a:rPr lang="pt-BR" sz="2000" b="1" dirty="0"/>
-              <a:t>ICET</a:t>
+              <a:t>INSTITUTO DE CIÊNCIAS EXATAS E TECNOLOGIA - ICET</a:t>
             </a:r>
             <a:endParaRPr lang="pt-BR" sz="2000" dirty="0"/>
           </a:p>
@@ -12952,15 +12803,7 @@
                   <a:schemeClr val="accent2"/>
                 </a:solidFill>
               </a:rPr>
-              <a:t>Orientador: </a:t>
-            </a:r>
-            <a:r>
-              <a:rPr lang="pt-BR" sz="2400" b="1" dirty="0">
-                <a:solidFill>
-                  <a:schemeClr val="accent2"/>
-                </a:solidFill>
-              </a:rPr>
-              <a:t>Prof. </a:t>
+              <a:t>Orientador: Prof. </a:t>
             </a:r>
             <a:r>
               <a:rPr lang="pt-BR" sz="2400" b="1" dirty="0" err="1">
@@ -12978,11 +12821,6 @@
               </a:rPr>
               <a:t>. Claudio Gonçalves Bernardo </a:t>
             </a:r>
-            <a:endParaRPr lang="pt-BR" sz="2400" b="1" dirty="0">
-              <a:solidFill>
-                <a:schemeClr val="accent2"/>
-              </a:solidFill>
-            </a:endParaRPr>
           </a:p>
         </p:txBody>
       </p:sp>
@@ -13011,17 +12849,8 @@
             <a:pPr algn="r"/>
             <a:r>
               <a:rPr lang="pt-BR" sz="2400" b="1" dirty="0"/>
-              <a:t>Brasília </a:t>
-            </a:r>
-            <a:r>
-              <a:rPr lang="pt-BR" sz="2400" b="1" dirty="0"/>
-              <a:t>– DF, </a:t>
-            </a:r>
-            <a:r>
-              <a:rPr lang="pt-BR" sz="2400" b="1" dirty="0"/>
-              <a:t>12 de dezembro de 2019</a:t>
-            </a:r>
-            <a:endParaRPr lang="pt-BR" sz="2400" b="1" dirty="0"/>
+              <a:t>Brasília – DF, 12 de dezembro de 2019</a:t>
+            </a:r>
           </a:p>
           <a:p>
             <a:pPr algn="r"/>
@@ -13092,7 +12921,6 @@
               <a:rPr lang="pt-BR" sz="2800" b="1" dirty="0"/>
               <a:t>Embasamento teórico</a:t>
             </a:r>
-            <a:endParaRPr lang="pt-BR" sz="2800" b="1" dirty="0"/>
           </a:p>
         </p:txBody>
       </p:sp>
@@ -13151,7 +12979,6 @@
               <a:rPr lang="pt-BR" sz="2800" dirty="0"/>
               <a:t>Ferramentas</a:t>
             </a:r>
-            <a:endParaRPr lang="pt-BR" sz="2800" dirty="0"/>
           </a:p>
         </p:txBody>
       </p:sp>
@@ -13425,7 +13252,6 @@
               <a:rPr lang="pt-BR" sz="2800" dirty="0"/>
               <a:t>Power BI</a:t>
             </a:r>
-            <a:endParaRPr lang="pt-BR" sz="2800" dirty="0"/>
           </a:p>
         </p:txBody>
       </p:sp>
@@ -13492,7 +13318,6 @@
               <a:rPr lang="pt-BR" sz="2800" b="1" dirty="0"/>
               <a:t>Estudo de caso: MEC e INEP</a:t>
             </a:r>
-            <a:endParaRPr lang="pt-BR" sz="2800" b="1" dirty="0"/>
           </a:p>
         </p:txBody>
       </p:sp>
@@ -13529,15 +13354,7 @@
             </a:r>
             <a:r>
               <a:rPr lang="pt-BR" sz="2800" dirty="0"/>
-              <a:t>Início em 1930 – Ministério dos Negócios da Educação e Saúde Pública; 1995 – criou-se o </a:t>
-            </a:r>
-            <a:r>
-              <a:rPr lang="pt-BR" sz="2800" dirty="0"/>
-              <a:t>Ministério da Educação e </a:t>
-            </a:r>
-            <a:r>
-              <a:rPr lang="pt-BR" sz="2800" dirty="0"/>
-              <a:t>Cultura (MEC).</a:t>
+              <a:t>Início em 1930 – Ministério dos Negócios da Educação e Saúde Pública; 1995 – criou-se o Ministério da Educação e Cultura (MEC).</a:t>
             </a:r>
           </a:p>
           <a:p>
@@ -13560,15 +13377,7 @@
             </a:r>
             <a:r>
               <a:rPr lang="pt-BR" sz="2800" dirty="0"/>
-              <a:t>Criado </a:t>
-            </a:r>
-            <a:r>
-              <a:rPr lang="pt-BR" sz="2800" dirty="0"/>
-              <a:t>em 13 de janeiro de </a:t>
-            </a:r>
-            <a:r>
-              <a:rPr lang="pt-BR" sz="2800" dirty="0"/>
-              <a:t>1937; 1938 – início dos trabalhos; Decreto-Lei nº 580;</a:t>
+              <a:t>Criado em 13 de janeiro de 1937; 1938 – início dos trabalhos; Decreto-Lei nº 580;</a:t>
             </a:r>
           </a:p>
         </p:txBody>
@@ -13664,7 +13473,6 @@
               <a:rPr lang="pt-BR" sz="2800" b="1" dirty="0"/>
               <a:t>Descrição da Montagem do Ambiente</a:t>
             </a:r>
-            <a:endParaRPr lang="pt-BR" sz="2800" b="1" dirty="0"/>
           </a:p>
         </p:txBody>
       </p:sp>
@@ -13822,13 +13630,8 @@
             </a:pPr>
             <a:r>
               <a:rPr lang="pt-BR" sz="2800" dirty="0"/>
-              <a:t>	</a:t>
-            </a:r>
-            <a:r>
-              <a:rPr lang="pt-BR" sz="2800" dirty="0"/>
-              <a:t>       cor/raça, total de alunos por ano.</a:t>
-            </a:r>
-            <a:endParaRPr lang="pt-BR" sz="2800" dirty="0"/>
+              <a:t>	       cor/raça, total de alunos por ano.</a:t>
+            </a:r>
           </a:p>
         </p:txBody>
       </p:sp>
@@ -13895,7 +13698,6 @@
               <a:rPr lang="pt-BR" sz="2800" b="1" dirty="0"/>
               <a:t>Descrição da Montagem do Ambiente</a:t>
             </a:r>
-            <a:endParaRPr lang="pt-BR" sz="2800" b="1" dirty="0"/>
           </a:p>
         </p:txBody>
       </p:sp>
@@ -14066,7 +13868,6 @@
               <a:rPr lang="pt-BR" sz="2800" b="1" dirty="0"/>
               <a:t>Descrição da Montagem do Ambiente</a:t>
             </a:r>
-            <a:endParaRPr lang="pt-BR" sz="2800" b="1" dirty="0"/>
           </a:p>
         </p:txBody>
       </p:sp>
@@ -14231,7 +14032,6 @@
               <a:rPr lang="pt-BR" sz="2800" b="1" dirty="0"/>
               <a:t>Descrição da Montagem do Ambiente</a:t>
             </a:r>
-            <a:endParaRPr lang="pt-BR" sz="2800" b="1" dirty="0"/>
           </a:p>
         </p:txBody>
       </p:sp>
@@ -14262,15 +14062,7 @@
             </a:pPr>
             <a:r>
               <a:rPr lang="pt-BR" sz="2800" dirty="0"/>
-              <a:t>Modelos </a:t>
-            </a:r>
-            <a:r>
-              <a:rPr lang="pt-BR" sz="2800" dirty="0"/>
-              <a:t>Estrela e Floco de </a:t>
-            </a:r>
-            <a:r>
-              <a:rPr lang="pt-BR" sz="2800" dirty="0"/>
-              <a:t>Neve</a:t>
+              <a:t>Modelos Estrela e Floco de Neve</a:t>
             </a:r>
           </a:p>
         </p:txBody>
@@ -14435,7 +14227,6 @@
               <a:rPr lang="pt-BR" sz="2800" b="1" dirty="0"/>
               <a:t>Descrição da Montagem do Ambiente</a:t>
             </a:r>
-            <a:endParaRPr lang="pt-BR" sz="2800" b="1" dirty="0"/>
           </a:p>
         </p:txBody>
       </p:sp>
@@ -14466,15 +14257,7 @@
             </a:pPr>
             <a:r>
               <a:rPr lang="pt-BR" sz="2800" dirty="0"/>
-              <a:t>Modelos </a:t>
-            </a:r>
-            <a:r>
-              <a:rPr lang="pt-BR" sz="2800" dirty="0"/>
-              <a:t>Estrela e Floco de </a:t>
-            </a:r>
-            <a:r>
-              <a:rPr lang="pt-BR" sz="2800" dirty="0"/>
-              <a:t>Neve</a:t>
+              <a:t>Modelos Estrela e Floco de Neve</a:t>
             </a:r>
           </a:p>
         </p:txBody>
@@ -14639,7 +14422,6 @@
               <a:rPr lang="pt-BR" sz="2800" b="1" dirty="0"/>
               <a:t>Descrição da Montagem do Ambiente</a:t>
             </a:r>
-            <a:endParaRPr lang="pt-BR" sz="2800" b="1" dirty="0"/>
           </a:p>
         </p:txBody>
       </p:sp>
@@ -14764,25 +14546,8 @@
           <a:p>
             <a:r>
               <a:rPr lang="pt-BR" sz="2800" b="1" dirty="0"/>
-              <a:t>Resultados </a:t>
-            </a:r>
-            <a:r>
-              <a:rPr lang="pt-BR" sz="2800" b="1" dirty="0"/>
-              <a:t>d</a:t>
-            </a:r>
-            <a:r>
-              <a:rPr lang="pt-BR" sz="2800" b="1" dirty="0"/>
-              <a:t>a </a:t>
-            </a:r>
-            <a:r>
-              <a:rPr lang="pt-BR" sz="2800" b="1" dirty="0"/>
-              <a:t>a</a:t>
-            </a:r>
-            <a:r>
-              <a:rPr lang="pt-BR" sz="2800" b="1" dirty="0"/>
-              <a:t>nálise</a:t>
-            </a:r>
-            <a:endParaRPr lang="pt-BR" sz="2800" b="1" dirty="0"/>
+              <a:t>Resultados da análise</a:t>
+            </a:r>
           </a:p>
         </p:txBody>
       </p:sp>
@@ -14988,17 +14753,8 @@
           <a:p>
             <a:r>
               <a:rPr lang="pt-BR" sz="2800" b="1" dirty="0"/>
-              <a:t>Resultados da </a:t>
-            </a:r>
-            <a:r>
-              <a:rPr lang="pt-BR" sz="2800" b="1" dirty="0"/>
-              <a:t>a</a:t>
-            </a:r>
-            <a:r>
-              <a:rPr lang="pt-BR" sz="2800" b="1" dirty="0"/>
-              <a:t>nálise</a:t>
-            </a:r>
-            <a:endParaRPr lang="pt-BR" sz="2800" b="1" dirty="0"/>
+              <a:t>Resultados da análise</a:t>
+            </a:r>
           </a:p>
         </p:txBody>
       </p:sp>
@@ -15061,25 +14817,8 @@
                   </a:schemeClr>
                 </a:solidFill>
               </a:rPr>
-              <a:t>Qual o total de alunos que se declararam </a:t>
-            </a:r>
-            <a:r>
-              <a:rPr lang="pt-BR" sz="2800" dirty="0">
-                <a:solidFill>
-                  <a:schemeClr val="accent6">
-                    <a:lumMod val="75000"/>
-                  </a:schemeClr>
-                </a:solidFill>
-              </a:rPr>
-              <a:t>negros?</a:t>
-            </a:r>
-            <a:endParaRPr lang="pt-BR" sz="2800" dirty="0">
-              <a:solidFill>
-                <a:schemeClr val="accent6">
-                  <a:lumMod val="75000"/>
-                </a:schemeClr>
-              </a:solidFill>
-            </a:endParaRPr>
+              <a:t>Qual o total de alunos que se declararam negros?</a:t>
+            </a:r>
           </a:p>
         </p:txBody>
       </p:sp>
@@ -15146,7 +14885,6 @@
               <a:rPr lang="pt-BR" sz="2800" b="1" dirty="0"/>
               <a:t>Justificativa</a:t>
             </a:r>
-            <a:endParaRPr lang="pt-BR" sz="2800" b="1" dirty="0"/>
           </a:p>
         </p:txBody>
       </p:sp>
@@ -15188,15 +14926,7 @@
             <a:pPr algn="just"/>
             <a:r>
               <a:rPr lang="pt-BR" sz="2800" dirty="0"/>
-              <a:t>Necessidade </a:t>
-            </a:r>
-            <a:r>
-              <a:rPr lang="pt-BR" sz="2800" dirty="0"/>
-              <a:t>de uma análise do panorama da atuação do aluno negro na educação básica </a:t>
-            </a:r>
-            <a:r>
-              <a:rPr lang="pt-BR" sz="2800" dirty="0"/>
-              <a:t>brasileira;</a:t>
+              <a:t>Necessidade de uma análise do panorama da atuação do aluno negro na educação básica brasileira;</a:t>
             </a:r>
           </a:p>
           <a:p>
@@ -15209,25 +14939,8 @@
             <a:pPr algn="just"/>
             <a:r>
               <a:rPr lang="pt-BR" sz="2800" dirty="0"/>
-              <a:t>Demonstrar </a:t>
-            </a:r>
-            <a:r>
-              <a:rPr lang="pt-BR" sz="2800" dirty="0"/>
-              <a:t>o processo de </a:t>
-            </a:r>
-            <a:r>
-              <a:rPr lang="pt-BR" sz="2800" dirty="0"/>
-              <a:t>BI </a:t>
-            </a:r>
-            <a:r>
-              <a:rPr lang="pt-BR" sz="2800" dirty="0"/>
-              <a:t>para análise de </a:t>
-            </a:r>
-            <a:r>
-              <a:rPr lang="pt-BR" sz="2800" dirty="0"/>
-              <a:t>dados.</a:t>
-            </a:r>
-            <a:endParaRPr lang="pt-BR" sz="2800" dirty="0"/>
+              <a:t>Demonstrar o processo de BI para análise de dados.</a:t>
+            </a:r>
           </a:p>
         </p:txBody>
       </p:sp>
@@ -15336,25 +15049,8 @@
           <a:p>
             <a:r>
               <a:rPr lang="pt-BR" sz="2800" b="1" dirty="0"/>
-              <a:t>Resultados </a:t>
-            </a:r>
-            <a:r>
-              <a:rPr lang="pt-BR" sz="2800" b="1" dirty="0"/>
-              <a:t>d</a:t>
-            </a:r>
-            <a:r>
-              <a:rPr lang="pt-BR" sz="2800" b="1" dirty="0"/>
-              <a:t>a </a:t>
-            </a:r>
-            <a:r>
-              <a:rPr lang="pt-BR" sz="2800" b="1" dirty="0"/>
-              <a:t>a</a:t>
-            </a:r>
-            <a:r>
-              <a:rPr lang="pt-BR" sz="2800" b="1" dirty="0"/>
-              <a:t>nálise</a:t>
-            </a:r>
-            <a:endParaRPr lang="pt-BR" sz="2800" b="1" dirty="0"/>
+              <a:t>Resultados da análise</a:t>
+            </a:r>
           </a:p>
         </p:txBody>
       </p:sp>
@@ -15718,17 +15414,8 @@
           <a:p>
             <a:r>
               <a:rPr lang="pt-BR" sz="2800" b="1" dirty="0"/>
-              <a:t>Resultados da </a:t>
-            </a:r>
-            <a:r>
-              <a:rPr lang="pt-BR" sz="2800" b="1" dirty="0"/>
-              <a:t>a</a:t>
-            </a:r>
-            <a:r>
-              <a:rPr lang="pt-BR" sz="2800" b="1" dirty="0"/>
-              <a:t>nálise</a:t>
-            </a:r>
-            <a:endParaRPr lang="pt-BR" sz="2800" b="1" dirty="0"/>
+              <a:t>Resultados da análise</a:t>
+            </a:r>
           </a:p>
         </p:txBody>
       </p:sp>
@@ -15957,25 +15644,8 @@
                   </a:schemeClr>
                 </a:solidFill>
               </a:rPr>
-              <a:t>Qual a UF que possui a maior concentração de alunos estrangeiros negros</a:t>
-            </a:r>
-            <a:r>
-              <a:rPr lang="pt-BR" sz="2800" dirty="0">
-                <a:solidFill>
-                  <a:schemeClr val="accent6">
-                    <a:lumMod val="75000"/>
-                  </a:schemeClr>
-                </a:solidFill>
-              </a:rPr>
-              <a:t>?</a:t>
-            </a:r>
-            <a:endParaRPr lang="pt-BR" sz="2800" dirty="0">
-              <a:solidFill>
-                <a:schemeClr val="accent6">
-                  <a:lumMod val="75000"/>
-                </a:schemeClr>
-              </a:solidFill>
-            </a:endParaRPr>
+              <a:t>Qual a UF que possui a maior concentração de alunos estrangeiros negros?</a:t>
+            </a:r>
           </a:p>
         </p:txBody>
       </p:sp>
@@ -16086,17 +15756,8 @@
           <a:p>
             <a:r>
               <a:rPr lang="pt-BR" sz="2800" b="1" dirty="0"/>
-              <a:t>Resultados da </a:t>
-            </a:r>
-            <a:r>
-              <a:rPr lang="pt-BR" sz="2800" b="1" dirty="0"/>
-              <a:t>a</a:t>
-            </a:r>
-            <a:r>
-              <a:rPr lang="pt-BR" sz="2800" b="1" dirty="0"/>
-              <a:t>nálise</a:t>
-            </a:r>
-            <a:endParaRPr lang="pt-BR" sz="2800" b="1" dirty="0"/>
+              <a:t>Resultados da análise</a:t>
+            </a:r>
           </a:p>
         </p:txBody>
       </p:sp>
@@ -16270,17 +15931,7 @@
                   </a:schemeClr>
                 </a:solidFill>
               </a:rPr>
-              <a:t>Qual </a:t>
-            </a:r>
-            <a:r>
-              <a:rPr lang="pt-BR" sz="2800" dirty="0">
-                <a:solidFill>
-                  <a:schemeClr val="accent6">
-                    <a:lumMod val="75000"/>
-                  </a:schemeClr>
-                </a:solidFill>
-              </a:rPr>
-              <a:t>é a quantidade de alunos negros no Distrito Federal entre os anos da análise?</a:t>
+              <a:t>Qual é a quantidade de alunos negros no Distrito Federal entre os anos da análise?</a:t>
             </a:r>
           </a:p>
         </p:txBody>
@@ -16392,7 +16043,6 @@
               <a:rPr lang="pt-BR" sz="2800" b="1" dirty="0"/>
               <a:t>Resultados da análise</a:t>
             </a:r>
-            <a:endParaRPr lang="pt-BR" sz="2800" b="1" dirty="0"/>
           </a:p>
         </p:txBody>
       </p:sp>
@@ -16593,17 +16243,7 @@
                   </a:schemeClr>
                 </a:solidFill>
               </a:rPr>
-              <a:t>Qual a quantidade de alunos negros que moram em zona urbana ou rural entre os anos da análise</a:t>
-            </a:r>
-            <a:r>
-              <a:rPr lang="pt-BR" sz="2800" dirty="0">
-                <a:solidFill>
-                  <a:schemeClr val="accent6">
-                    <a:lumMod val="75000"/>
-                  </a:schemeClr>
-                </a:solidFill>
-              </a:rPr>
-              <a:t>?</a:t>
+              <a:t>Qual a quantidade de alunos negros que moram em zona urbana ou rural entre os anos da análise?</a:t>
             </a:r>
             <a:endParaRPr lang="pt-BR" dirty="0">
               <a:solidFill>
@@ -16752,7 +16392,6 @@
               <a:rPr lang="pt-BR" sz="2800" b="1" dirty="0"/>
               <a:t>Considerações Finais</a:t>
             </a:r>
-            <a:endParaRPr lang="pt-BR" sz="2800" b="1" dirty="0"/>
           </a:p>
         </p:txBody>
       </p:sp>
@@ -16938,15 +16577,7 @@
             </a:pPr>
             <a:r>
               <a:rPr lang="pt-BR" sz="2800" dirty="0"/>
-              <a:t>Quase 200 </a:t>
-            </a:r>
-            <a:r>
-              <a:rPr lang="pt-BR" sz="2800" dirty="0"/>
-              <a:t>milhões de alunos envolvidos na base do INEP segundo o recorte temporal de 2015 a </a:t>
-            </a:r>
-            <a:r>
-              <a:rPr lang="pt-BR" sz="2800" dirty="0"/>
-              <a:t>2018;</a:t>
+              <a:t>Quase 200 milhões de alunos envolvidos na base do INEP segundo o recorte temporal de 2015 a 2018;</a:t>
             </a:r>
           </a:p>
           <a:p>
@@ -16957,13 +16588,8 @@
             </a:pPr>
             <a:r>
               <a:rPr lang="pt-BR" sz="2800" dirty="0"/>
-              <a:t>Em média, </a:t>
-            </a:r>
-            <a:r>
-              <a:rPr lang="pt-BR" sz="2800" dirty="0"/>
-              <a:t>50 milhões de alunos para cada um dos anos da análise. </a:t>
-            </a:r>
-            <a:endParaRPr lang="pt-BR" sz="2800" dirty="0"/>
+              <a:t>Em média, 50 milhões de alunos para cada um dos anos da análise. </a:t>
+            </a:r>
           </a:p>
           <a:p>
             <a:pPr algn="just">
@@ -16973,17 +16599,8 @@
             </a:pPr>
             <a:r>
               <a:rPr lang="pt-BR" sz="2800" dirty="0"/>
-              <a:t>Para </a:t>
-            </a:r>
-            <a:r>
-              <a:rPr lang="pt-BR" sz="2800" dirty="0"/>
-              <a:t>os alunos negros, tem-se, em média, 1,8 milhões de registros em cada um dos </a:t>
-            </a:r>
-            <a:r>
-              <a:rPr lang="pt-BR" sz="2800" dirty="0"/>
-              <a:t>anos;</a:t>
-            </a:r>
-            <a:endParaRPr lang="pt-BR" sz="2800" dirty="0"/>
+              <a:t>Para os alunos negros, tem-se, em média, 1,8 milhões de registros em cada um dos anos;</a:t>
+            </a:r>
           </a:p>
         </p:txBody>
       </p:sp>
@@ -17233,7 +16850,6 @@
               <a:rPr lang="pt-BR" sz="2000" dirty="0"/>
               <a:t>W. Edwards Deming</a:t>
             </a:r>
-            <a:endParaRPr lang="pt-BR" sz="2000" dirty="0"/>
           </a:p>
         </p:txBody>
       </p:sp>
@@ -17560,7 +17176,6 @@
               <a:rPr lang="pt-BR" sz="4400" dirty="0"/>
               <a:t>Obrigado!</a:t>
             </a:r>
-            <a:endParaRPr lang="pt-BR" sz="4400" dirty="0"/>
           </a:p>
         </p:txBody>
       </p:sp>
@@ -17619,7 +17234,6 @@
               <a:rPr lang="pt-BR" sz="2000" dirty="0"/>
               <a:t>willian.rodrigues1106@gmail.com</a:t>
             </a:r>
-            <a:endParaRPr lang="pt-BR" sz="2000" dirty="0"/>
           </a:p>
         </p:txBody>
       </p:sp>
@@ -17686,7 +17300,6 @@
               <a:rPr lang="pt-BR" sz="2800" b="1" dirty="0"/>
               <a:t>Delimitação do tema</a:t>
             </a:r>
-            <a:endParaRPr lang="pt-BR" sz="2800" b="1" dirty="0"/>
           </a:p>
         </p:txBody>
       </p:sp>
@@ -17719,19 +17332,11 @@
             </a:pPr>
             <a:r>
               <a:rPr lang="pt-BR" sz="4000" dirty="0"/>
-              <a:t>Colher informações sobre a </a:t>
-            </a:r>
-            <a:r>
-              <a:rPr lang="pt-BR" sz="4000" dirty="0"/>
-              <a:t>aplicação do processo de </a:t>
+              <a:t>Colher informações sobre a aplicação do processo de </a:t>
             </a:r>
             <a:r>
               <a:rPr lang="pt-BR" sz="4000" i="1" dirty="0"/>
-              <a:t>Business </a:t>
-            </a:r>
-            <a:r>
-              <a:rPr lang="pt-BR" sz="4000" i="1" dirty="0"/>
-              <a:t>Intelligence</a:t>
+              <a:t>Business Intelligence</a:t>
             </a:r>
             <a:r>
               <a:rPr lang="pt-BR" sz="4000" dirty="0"/>
@@ -17755,27 +17360,7 @@
             </a:pPr>
             <a:r>
               <a:rPr lang="pt-BR" sz="4000" dirty="0"/>
-              <a:t>A</a:t>
-            </a:r>
-            <a:r>
-              <a:rPr lang="pt-BR" sz="4000" dirty="0"/>
-              <a:t>nálise </a:t>
-            </a:r>
-            <a:r>
-              <a:rPr lang="pt-BR" sz="4000" dirty="0"/>
-              <a:t>do panorama da atuação do aluno </a:t>
-            </a:r>
-            <a:r>
-              <a:rPr lang="pt-BR" sz="4000" dirty="0"/>
-              <a:t>negro na </a:t>
-            </a:r>
-            <a:r>
-              <a:rPr lang="pt-BR" sz="4000" dirty="0"/>
-              <a:t>educação básica </a:t>
-            </a:r>
-            <a:r>
-              <a:rPr lang="pt-BR" sz="4000" dirty="0"/>
-              <a:t>brasileira;</a:t>
+              <a:t>Análise do panorama da atuação do aluno negro na educação básica brasileira;</a:t>
             </a:r>
           </a:p>
           <a:p>
@@ -17795,17 +17380,8 @@
             </a:pPr>
             <a:r>
               <a:rPr lang="pt-BR" sz="4000" dirty="0"/>
-              <a:t>Referência: </a:t>
-            </a:r>
-            <a:r>
-              <a:rPr lang="pt-BR" sz="4000" dirty="0"/>
-              <a:t>Base de Micro dados do Censo Escolar dos Anos de 2015 a 2018 do </a:t>
-            </a:r>
-            <a:r>
-              <a:rPr lang="pt-BR" sz="4000" dirty="0"/>
-              <a:t>INEP;</a:t>
-            </a:r>
-            <a:endParaRPr lang="pt-BR" sz="4000" dirty="0"/>
+              <a:t>Referência: Base de Micro dados do Censo Escolar dos Anos de 2015 a 2018 do INEP;</a:t>
+            </a:r>
           </a:p>
           <a:p>
             <a:pPr marL="0" indent="0">
@@ -17906,7 +17482,6 @@
               <a:rPr lang="pt-BR" sz="2800" b="1" dirty="0"/>
               <a:t>Formulação do problema</a:t>
             </a:r>
-            <a:endParaRPr lang="pt-BR" sz="2800" b="1" dirty="0"/>
           </a:p>
         </p:txBody>
       </p:sp>
@@ -17938,11 +17513,7 @@
             </a:pPr>
             <a:r>
               <a:rPr lang="pt-BR" sz="2800" dirty="0"/>
-              <a:t>De </a:t>
-            </a:r>
-            <a:r>
-              <a:rPr lang="pt-BR" sz="2800" dirty="0"/>
-              <a:t>que forma a aplicação do processo de </a:t>
+              <a:t>De que forma a aplicação do processo de </a:t>
             </a:r>
             <a:r>
               <a:rPr lang="en-US" sz="2800" i="1" dirty="0"/>
@@ -17954,11 +17525,7 @@
             </a:r>
             <a:r>
               <a:rPr lang="pt-BR" sz="2800" dirty="0"/>
-              <a:t>auxilia </a:t>
-            </a:r>
-            <a:r>
-              <a:rPr lang="pt-BR" sz="2800" dirty="0"/>
-              <a:t>uma análise do panorama da atuação do aluno negro na educação básica brasileira?</a:t>
+              <a:t>auxilia uma análise do panorama da atuação do aluno negro na educação básica brasileira?</a:t>
             </a:r>
           </a:p>
         </p:txBody>
@@ -18054,7 +17621,6 @@
               <a:rPr lang="pt-BR" sz="2800" b="1" dirty="0"/>
               <a:t>Objetivos gerais</a:t>
             </a:r>
-            <a:endParaRPr lang="pt-BR" sz="2800" b="1" dirty="0"/>
           </a:p>
         </p:txBody>
       </p:sp>
@@ -18087,15 +17653,7 @@
             </a:pPr>
             <a:r>
               <a:rPr lang="pt-BR" sz="2800" dirty="0"/>
-              <a:t>A</a:t>
-            </a:r>
-            <a:r>
-              <a:rPr lang="pt-BR" sz="2800" dirty="0"/>
-              <a:t>presentar </a:t>
-            </a:r>
-            <a:r>
-              <a:rPr lang="pt-BR" sz="2800" dirty="0"/>
-              <a:t>de que forma a aplicação do processo de </a:t>
+              <a:t>Apresentar de que forma a aplicação do processo de </a:t>
             </a:r>
             <a:r>
               <a:rPr lang="en-US" sz="2800" i="1" dirty="0"/>
@@ -18107,15 +17665,7 @@
             </a:r>
             <a:r>
               <a:rPr lang="pt-BR" sz="2800" dirty="0"/>
-              <a:t>auxilia </a:t>
-            </a:r>
-            <a:r>
-              <a:rPr lang="pt-BR" sz="2800" dirty="0"/>
-              <a:t>uma análise dos dados da atuação do aluno negro na educação básica </a:t>
-            </a:r>
-            <a:r>
-              <a:rPr lang="pt-BR" sz="2800" dirty="0"/>
-              <a:t>brasileira;</a:t>
+              <a:t>auxilia uma análise dos dados da atuação do aluno negro na educação básica brasileira;</a:t>
             </a:r>
           </a:p>
           <a:p>
@@ -18126,17 +17676,8 @@
             </a:pPr>
             <a:r>
               <a:rPr lang="pt-BR" sz="2800" dirty="0"/>
-              <a:t>Comprovar a </a:t>
-            </a:r>
-            <a:r>
-              <a:rPr lang="pt-BR" sz="2800" dirty="0"/>
-              <a:t>utilidade do processo de BI para análise dos dados na Base de Micro dados do Censo Escolar dos Anos de 2015 a 2018 do </a:t>
-            </a:r>
-            <a:r>
-              <a:rPr lang="pt-BR" sz="2800" dirty="0"/>
-              <a:t>INEP;</a:t>
-            </a:r>
-            <a:endParaRPr lang="pt-BR" sz="2800" dirty="0"/>
+              <a:t>Comprovar a utilidade do processo de BI para análise dos dados na Base de Micro dados do Censo Escolar dos Anos de 2015 a 2018 do INEP;</a:t>
+            </a:r>
           </a:p>
         </p:txBody>
       </p:sp>
@@ -18231,7 +17772,6 @@
               <a:rPr lang="pt-BR" sz="2800" b="1" dirty="0"/>
               <a:t>Objetivos específicos</a:t>
             </a:r>
-            <a:endParaRPr lang="pt-BR" sz="2800" b="1" dirty="0"/>
           </a:p>
         </p:txBody>
       </p:sp>
@@ -18263,15 +17803,7 @@
             </a:pPr>
             <a:r>
               <a:rPr lang="pt-BR" sz="2800" dirty="0"/>
-              <a:t>Levantar </a:t>
-            </a:r>
-            <a:r>
-              <a:rPr lang="pt-BR" sz="2800" dirty="0"/>
-              <a:t>o estado da arte </a:t>
-            </a:r>
-            <a:r>
-              <a:rPr lang="pt-BR" sz="2800" dirty="0"/>
-              <a:t>sobre </a:t>
+              <a:t>Levantar o estado da arte sobre </a:t>
             </a:r>
             <a:r>
               <a:rPr lang="en-US" sz="2800" i="1" dirty="0"/>
@@ -18279,11 +17811,7 @@
             </a:r>
             <a:r>
               <a:rPr lang="pt-BR" sz="2800" dirty="0"/>
-              <a:t>, </a:t>
-            </a:r>
-            <a:r>
-              <a:rPr lang="pt-BR" sz="2800" dirty="0"/>
-              <a:t>sua metodologia e processos;</a:t>
+              <a:t>, sua metodologia e processos;</a:t>
             </a:r>
           </a:p>
           <a:p>
@@ -18311,19 +17839,7 @@
             </a:r>
             <a:r>
               <a:rPr lang="pt-BR" sz="2800" dirty="0"/>
-              <a:t>, </a:t>
-            </a:r>
-            <a:r>
-              <a:rPr lang="pt-BR" sz="2800" dirty="0"/>
-              <a:t>bem como os processos de ETL </a:t>
-            </a:r>
-            <a:r>
-              <a:rPr lang="pt-BR" sz="2800" dirty="0"/>
-              <a:t>e </a:t>
-            </a:r>
-            <a:r>
-              <a:rPr lang="pt-BR" sz="2800" dirty="0"/>
-              <a:t>a montagem do ambiente de </a:t>
+              <a:t>, bem como os processos de ETL e a montagem do ambiente de </a:t>
             </a:r>
             <a:r>
               <a:rPr lang="en-US" sz="2800" i="1" dirty="0"/>
@@ -18333,7 +17849,6 @@
               <a:rPr lang="pt-BR" sz="2800" dirty="0"/>
               <a:t>;</a:t>
             </a:r>
-            <a:endParaRPr lang="pt-BR" sz="2800" dirty="0"/>
           </a:p>
           <a:p>
             <a:pPr lvl="0" algn="just">
@@ -18438,7 +17953,6 @@
               <a:rPr lang="pt-BR" sz="2800" b="1" dirty="0"/>
               <a:t>Metodologia</a:t>
             </a:r>
-            <a:endParaRPr lang="pt-BR" sz="2800" b="1" dirty="0"/>
           </a:p>
         </p:txBody>
       </p:sp>
@@ -18490,15 +18004,7 @@
             </a:r>
             <a:r>
               <a:rPr lang="pt-BR" sz="2800" dirty="0"/>
-              <a:t>: descrever </a:t>
-            </a:r>
-            <a:r>
-              <a:rPr lang="pt-BR" sz="2800" dirty="0"/>
-              <a:t>características de uma determinada população ou fenômeno</a:t>
-            </a:r>
-            <a:r>
-              <a:rPr lang="pt-BR" sz="2800" dirty="0"/>
-              <a:t>;</a:t>
+              <a:t>: descrever características de uma determinada população ou fenômeno;</a:t>
             </a:r>
           </a:p>
           <a:p>
@@ -18609,7 +18115,6 @@
               <a:rPr lang="pt-BR" sz="2800" b="1" dirty="0"/>
               <a:t>Embasamento teórico</a:t>
             </a:r>
-            <a:endParaRPr lang="pt-BR" sz="2800" b="1" dirty="0"/>
           </a:p>
         </p:txBody>
       </p:sp>
@@ -18651,28 +18156,21 @@
       </p:sp>
       <p:pic>
         <p:nvPicPr>
-          <p:cNvPr id="3" name="Imagem 2"/>
+          <p:cNvPr id="7" name="Imagem 6"/>
           <p:cNvPicPr>
             <a:picLocks noChangeAspect="1"/>
           </p:cNvPicPr>
           <p:nvPr/>
         </p:nvPicPr>
-        <p:blipFill>
-          <a:blip r:embed="rId3">
-            <a:extLst>
-              <a:ext uri="{28A0092B-C50C-407E-A947-70E740481C1C}">
-                <a14:useLocalDpi xmlns:a14="http://schemas.microsoft.com/office/drawing/2010/main" val="0"/>
-              </a:ext>
-            </a:extLst>
-          </a:blip>
-          <a:stretch>
-            <a:fillRect/>
-          </a:stretch>
+        <p:blipFill rotWithShape="1">
+          <a:blip r:embed="rId3"/>
+          <a:srcRect r="1415"/>
+          <a:stretch/>
         </p:blipFill>
         <p:spPr>
           <a:xfrm>
-            <a:off x="0" y="1553345"/>
-            <a:ext cx="9144000" cy="5304656"/>
+            <a:off x="-9522" y="1541859"/>
+            <a:ext cx="9144000" cy="5343525"/>
           </a:xfrm>
           <a:prstGeom prst="rect">
             <a:avLst/>
@@ -18691,7 +18189,7 @@
         </p:nvSpPr>
         <p:spPr>
           <a:xfrm>
-            <a:off x="6876256" y="6492879"/>
+            <a:off x="6948264" y="6492875"/>
             <a:ext cx="2133600" cy="365125"/>
           </a:xfrm>
         </p:spPr>
@@ -18770,7 +18268,6 @@
               <a:rPr lang="pt-BR" sz="2800" b="1" dirty="0"/>
               <a:t>Embasamento teórico</a:t>
             </a:r>
-            <a:endParaRPr lang="pt-BR" sz="2800" b="1" dirty="0"/>
           </a:p>
         </p:txBody>
       </p:sp>
@@ -18921,7 +18418,6 @@
               <a:rPr lang="pt-BR" sz="2800" dirty="0"/>
               <a:t>Variável com o tempo;</a:t>
             </a:r>
-            <a:endParaRPr lang="pt-BR" sz="2800" dirty="0"/>
           </a:p>
         </p:txBody>
       </p:sp>

--- a/TCC_BI_Alunos_Negros.pptx
+++ b/TCC_BI_Alunos_Negros.pptx
@@ -134,7 +134,7 @@
   </p:defaultTextStyle>
   <p:extLst>
     <p:ext uri="{EFAFB233-063F-42B5-8137-9DF3F51BA10A}">
-      <p15:sldGuideLst xmlns:p15="http://schemas.microsoft.com/office/powerpoint/2012/main">
+      <p15:sldGuideLst xmlns:p15="http://schemas.microsoft.com/office/powerpoint/2012/main" xmlns="">
         <p15:guide id="1" orient="horz" pos="2160" userDrawn="1">
           <p15:clr>
             <a:srgbClr val="A4A3A4"/>
@@ -152,7 +152,7 @@
 </file>
 
 <file path=ppt/charts/chart1.xml><?xml version="1.0" encoding="utf-8"?>
-<c:chartSpace xmlns:c="http://schemas.openxmlformats.org/drawingml/2006/chart" xmlns:a="http://schemas.openxmlformats.org/drawingml/2006/main" xmlns:r="http://schemas.openxmlformats.org/officeDocument/2006/relationships" xmlns:c16r2="http://schemas.microsoft.com/office/drawing/2015/06/chart">
+<c:chartSpace xmlns:c="http://schemas.openxmlformats.org/drawingml/2006/chart" xmlns:a="http://schemas.openxmlformats.org/drawingml/2006/main" xmlns:r="http://schemas.openxmlformats.org/officeDocument/2006/relationships">
   <c:date1904 val="0"/>
   <c:lang val="pt-BR"/>
   <c:roundedCorners val="0"/>
@@ -216,24 +216,6 @@
         </a:ln>
         <a:effectLst/>
       </c:spPr>
-      <c:txPr>
-        <a:bodyPr rot="0" spcFirstLastPara="1" vertOverflow="ellipsis" vert="horz" wrap="square" anchor="ctr" anchorCtr="1"/>
-        <a:lstStyle/>
-        <a:p>
-          <a:pPr>
-            <a:defRPr sz="2128" b="1" i="0" u="none" strike="noStrike" kern="1200" spc="100" baseline="0">
-              <a:solidFill>
-                <a:schemeClr val="tx1"/>
-              </a:solidFill>
-              <a:effectLst/>
-              <a:latin typeface="+mn-lt"/>
-              <a:ea typeface="+mn-ea"/>
-              <a:cs typeface="+mn-cs"/>
-            </a:defRPr>
-          </a:pPr>
-          <a:endParaRPr lang="pt-BR"/>
-        </a:p>
-      </c:txPr>
     </c:title>
     <c:autoTitleDeleted val="0"/>
     <c:plotArea>
@@ -335,7 +317,7 @@
             <c:showPercent val="0"/>
             <c:showBubbleSize val="0"/>
             <c:showLeaderLines val="0"/>
-            <c:extLst>
+            <c:extLst xmlns:c16r2="http://schemas.microsoft.com/office/drawing/2015/06/chart">
               <c:ext xmlns:c15="http://schemas.microsoft.com/office/drawing/2012/chart" uri="{CE6537A1-D6FC-4f65-9D91-7224C49458BB}">
                 <c15:showLeaderLines val="1"/>
                 <c15:leaderLines>
@@ -396,7 +378,7 @@
               </c:numCache>
             </c:numRef>
           </c:val>
-          <c:extLst>
+          <c:extLst xmlns:c16r2="http://schemas.microsoft.com/office/drawing/2015/06/chart">
             <c:ext xmlns:c16="http://schemas.microsoft.com/office/drawing/2014/chart" uri="{C3380CC4-5D6E-409C-BE32-E72D297353CC}">
               <c16:uniqueId val="{00000000-255E-411E-93BF-9D6E46F713C1}"/>
             </c:ext>
@@ -495,7 +477,7 @@
             <c:showPercent val="0"/>
             <c:showBubbleSize val="0"/>
             <c:showLeaderLines val="0"/>
-            <c:extLst>
+            <c:extLst xmlns:c16r2="http://schemas.microsoft.com/office/drawing/2015/06/chart">
               <c:ext xmlns:c15="http://schemas.microsoft.com/office/drawing/2012/chart" uri="{CE6537A1-D6FC-4f65-9D91-7224C49458BB}">
                 <c15:showLeaderLines val="1"/>
                 <c15:leaderLines>
@@ -556,7 +538,7 @@
               </c:numCache>
             </c:numRef>
           </c:val>
-          <c:extLst>
+          <c:extLst xmlns:c16r2="http://schemas.microsoft.com/office/drawing/2015/06/chart">
             <c:ext xmlns:c16="http://schemas.microsoft.com/office/drawing/2014/chart" uri="{C3380CC4-5D6E-409C-BE32-E72D297353CC}">
               <c16:uniqueId val="{00000001-255E-411E-93BF-9D6E46F713C1}"/>
             </c:ext>
@@ -655,7 +637,7 @@
             <c:showPercent val="0"/>
             <c:showBubbleSize val="0"/>
             <c:showLeaderLines val="0"/>
-            <c:extLst>
+            <c:extLst xmlns:c16r2="http://schemas.microsoft.com/office/drawing/2015/06/chart">
               <c:ext xmlns:c15="http://schemas.microsoft.com/office/drawing/2012/chart" uri="{CE6537A1-D6FC-4f65-9D91-7224C49458BB}">
                 <c15:showLeaderLines val="1"/>
                 <c15:leaderLines>
@@ -716,7 +698,7 @@
               </c:numCache>
             </c:numRef>
           </c:val>
-          <c:extLst>
+          <c:extLst xmlns:c16r2="http://schemas.microsoft.com/office/drawing/2015/06/chart">
             <c:ext xmlns:c16="http://schemas.microsoft.com/office/drawing/2014/chart" uri="{C3380CC4-5D6E-409C-BE32-E72D297353CC}">
               <c16:uniqueId val="{00000002-255E-411E-93BF-9D6E46F713C1}"/>
             </c:ext>
@@ -798,7 +780,7 @@
               <c:showSerName val="0"/>
               <c:showPercent val="0"/>
               <c:showBubbleSize val="0"/>
-              <c:extLst>
+              <c:extLst xmlns:c16r2="http://schemas.microsoft.com/office/drawing/2015/06/chart">
                 <c:ext xmlns:c15="http://schemas.microsoft.com/office/drawing/2012/chart" uri="{CE6537A1-D6FC-4f65-9D91-7224C49458BB}"/>
                 <c:ext xmlns:c16="http://schemas.microsoft.com/office/drawing/2014/chart" uri="{C3380CC4-5D6E-409C-BE32-E72D297353CC}">
                   <c16:uniqueId val="{00000003-255E-411E-93BF-9D6E46F713C1}"/>
@@ -836,7 +818,7 @@
             <c:showPercent val="0"/>
             <c:showBubbleSize val="0"/>
             <c:showLeaderLines val="0"/>
-            <c:extLst>
+            <c:extLst xmlns:c16r2="http://schemas.microsoft.com/office/drawing/2015/06/chart">
               <c:ext xmlns:c15="http://schemas.microsoft.com/office/drawing/2012/chart" uri="{CE6537A1-D6FC-4f65-9D91-7224C49458BB}">
                 <c15:showLeaderLines val="1"/>
                 <c15:leaderLines>
@@ -897,7 +879,7 @@
               </c:numCache>
             </c:numRef>
           </c:val>
-          <c:extLst>
+          <c:extLst xmlns:c16r2="http://schemas.microsoft.com/office/drawing/2015/06/chart">
             <c:ext xmlns:c16="http://schemas.microsoft.com/office/drawing/2014/chart" uri="{C3380CC4-5D6E-409C-BE32-E72D297353CC}">
               <c16:uniqueId val="{00000004-255E-411E-93BF-9D6E46F713C1}"/>
             </c:ext>
@@ -996,7 +978,7 @@
             <c:showPercent val="0"/>
             <c:showBubbleSize val="0"/>
             <c:showLeaderLines val="0"/>
-            <c:extLst>
+            <c:extLst xmlns:c16r2="http://schemas.microsoft.com/office/drawing/2015/06/chart">
               <c:ext xmlns:c15="http://schemas.microsoft.com/office/drawing/2012/chart" uri="{CE6537A1-D6FC-4f65-9D91-7224C49458BB}">
                 <c15:showLeaderLines val="1"/>
                 <c15:leaderLines>
@@ -1057,7 +1039,7 @@
               </c:numCache>
             </c:numRef>
           </c:val>
-          <c:extLst>
+          <c:extLst xmlns:c16r2="http://schemas.microsoft.com/office/drawing/2015/06/chart">
             <c:ext xmlns:c16="http://schemas.microsoft.com/office/drawing/2014/chart" uri="{C3380CC4-5D6E-409C-BE32-E72D297353CC}">
               <c16:uniqueId val="{00000005-255E-411E-93BF-9D6E46F713C1}"/>
             </c:ext>
@@ -1156,7 +1138,7 @@
             <c:showPercent val="0"/>
             <c:showBubbleSize val="0"/>
             <c:showLeaderLines val="0"/>
-            <c:extLst>
+            <c:extLst xmlns:c16r2="http://schemas.microsoft.com/office/drawing/2015/06/chart">
               <c:ext xmlns:c15="http://schemas.microsoft.com/office/drawing/2012/chart" uri="{CE6537A1-D6FC-4f65-9D91-7224C49458BB}">
                 <c15:showLeaderLines val="1"/>
                 <c15:leaderLines>
@@ -1217,7 +1199,7 @@
               </c:numCache>
             </c:numRef>
           </c:val>
-          <c:extLst>
+          <c:extLst xmlns:c16r2="http://schemas.microsoft.com/office/drawing/2015/06/chart">
             <c:ext xmlns:c16="http://schemas.microsoft.com/office/drawing/2014/chart" uri="{C3380CC4-5D6E-409C-BE32-E72D297353CC}">
               <c16:uniqueId val="{00000006-255E-411E-93BF-9D6E46F713C1}"/>
             </c:ext>
@@ -1232,11 +1214,11 @@
           <c:showBubbleSize val="0"/>
         </c:dLbls>
         <c:gapWidth val="75"/>
-        <c:axId val="234645312"/>
-        <c:axId val="234644896"/>
+        <c:axId val="207125888"/>
+        <c:axId val="207144064"/>
       </c:barChart>
       <c:catAx>
-        <c:axId val="234645312"/>
+        <c:axId val="207125888"/>
         <c:scaling>
           <c:orientation val="minMax"/>
         </c:scaling>
@@ -1276,7 +1258,7 @@
             <a:endParaRPr lang="pt-BR"/>
           </a:p>
         </c:txPr>
-        <c:crossAx val="234644896"/>
+        <c:crossAx val="207144064"/>
         <c:crosses val="autoZero"/>
         <c:auto val="1"/>
         <c:lblAlgn val="ctr"/>
@@ -1284,7 +1266,7 @@
         <c:noMultiLvlLbl val="0"/>
       </c:catAx>
       <c:valAx>
-        <c:axId val="234644896"/>
+        <c:axId val="207144064"/>
         <c:scaling>
           <c:orientation val="minMax"/>
         </c:scaling>
@@ -1294,7 +1276,7 @@
         <c:majorTickMark val="none"/>
         <c:minorTickMark val="none"/>
         <c:tickLblPos val="nextTo"/>
-        <c:crossAx val="234645312"/>
+        <c:crossAx val="207125888"/>
         <c:crosses val="autoZero"/>
         <c:crossBetween val="between"/>
       </c:valAx>
@@ -1361,14 +1343,14 @@
       <a:endParaRPr lang="pt-BR"/>
     </a:p>
   </c:txPr>
-  <c:externalData r:id="rId3">
+  <c:externalData r:id="rId1">
     <c:autoUpdate val="0"/>
   </c:externalData>
 </c:chartSpace>
 </file>
 
 <file path=ppt/charts/chart2.xml><?xml version="1.0" encoding="utf-8"?>
-<c:chartSpace xmlns:c="http://schemas.openxmlformats.org/drawingml/2006/chart" xmlns:a="http://schemas.openxmlformats.org/drawingml/2006/main" xmlns:r="http://schemas.openxmlformats.org/officeDocument/2006/relationships" xmlns:c16r2="http://schemas.microsoft.com/office/drawing/2015/06/chart">
+<c:chartSpace xmlns:c="http://schemas.openxmlformats.org/drawingml/2006/chart" xmlns:a="http://schemas.openxmlformats.org/drawingml/2006/main" xmlns:r="http://schemas.openxmlformats.org/officeDocument/2006/relationships">
   <c:date1904 val="0"/>
   <c:lang val="pt-BR"/>
   <c:roundedCorners val="0"/>
@@ -1421,30 +1403,6 @@
         </a:ln>
         <a:effectLst/>
       </c:spPr>
-      <c:txPr>
-        <a:bodyPr rot="0" spcFirstLastPara="1" vertOverflow="ellipsis" vert="horz" wrap="square" anchor="ctr" anchorCtr="1"/>
-        <a:lstStyle/>
-        <a:p>
-          <a:pPr>
-            <a:defRPr sz="2128" b="1" i="0" u="none" strike="noStrike" kern="1200" spc="100" baseline="0">
-              <a:solidFill>
-                <a:schemeClr val="tx1"/>
-              </a:solidFill>
-              <a:effectLst>
-                <a:outerShdw blurRad="50800" dist="38100" dir="5400000" algn="t" rotWithShape="0">
-                  <a:prstClr val="black">
-                    <a:alpha val="40000"/>
-                  </a:prstClr>
-                </a:outerShdw>
-              </a:effectLst>
-              <a:latin typeface="+mn-lt"/>
-              <a:ea typeface="+mn-ea"/>
-              <a:cs typeface="+mn-cs"/>
-            </a:defRPr>
-          </a:pPr>
-          <a:endParaRPr lang="pt-BR"/>
-        </a:p>
-      </c:txPr>
     </c:title>
     <c:autoTitleDeleted val="0"/>
     <c:plotArea>
@@ -1569,7 +1527,7 @@
             <c:showPercent val="0"/>
             <c:showBubbleSize val="0"/>
             <c:showLeaderLines val="0"/>
-            <c:extLst>
+            <c:extLst xmlns:c16r2="http://schemas.microsoft.com/office/drawing/2015/06/chart">
               <c:ext xmlns:c15="http://schemas.microsoft.com/office/drawing/2012/chart" uri="{CE6537A1-D6FC-4f65-9D91-7224C49458BB}">
                 <c15:showLeaderLines val="1"/>
                 <c15:leaderLines>
@@ -1631,7 +1589,7 @@
             </c:numRef>
           </c:val>
           <c:smooth val="0"/>
-          <c:extLst>
+          <c:extLst xmlns:c16r2="http://schemas.microsoft.com/office/drawing/2015/06/chart">
             <c:ext xmlns:c16="http://schemas.microsoft.com/office/drawing/2014/chart" uri="{C3380CC4-5D6E-409C-BE32-E72D297353CC}">
               <c16:uniqueId val="{00000000-FEA7-4093-975A-07747621BF88}"/>
             </c:ext>
@@ -1648,11 +1606,11 @@
         </c:dLbls>
         <c:marker val="1"/>
         <c:smooth val="0"/>
-        <c:axId val="234645312"/>
-        <c:axId val="234644896"/>
+        <c:axId val="207052800"/>
+        <c:axId val="207055488"/>
       </c:lineChart>
       <c:catAx>
-        <c:axId val="234645312"/>
+        <c:axId val="207052800"/>
         <c:scaling>
           <c:orientation val="minMax"/>
         </c:scaling>
@@ -1692,7 +1650,7 @@
             <a:endParaRPr lang="pt-BR"/>
           </a:p>
         </c:txPr>
-        <c:crossAx val="234644896"/>
+        <c:crossAx val="207055488"/>
         <c:crosses val="autoZero"/>
         <c:auto val="1"/>
         <c:lblAlgn val="ctr"/>
@@ -1700,7 +1658,7 @@
         <c:noMultiLvlLbl val="0"/>
       </c:catAx>
       <c:valAx>
-        <c:axId val="234644896"/>
+        <c:axId val="207055488"/>
         <c:scaling>
           <c:orientation val="minMax"/>
         </c:scaling>
@@ -1710,7 +1668,7 @@
         <c:majorTickMark val="out"/>
         <c:minorTickMark val="none"/>
         <c:tickLblPos val="nextTo"/>
-        <c:crossAx val="234645312"/>
+        <c:crossAx val="207052800"/>
         <c:crosses val="autoZero"/>
         <c:crossBetween val="between"/>
       </c:valAx>
@@ -1749,14 +1707,14 @@
       <a:endParaRPr lang="pt-BR"/>
     </a:p>
   </c:txPr>
-  <c:externalData r:id="rId3">
+  <c:externalData r:id="rId1">
     <c:autoUpdate val="0"/>
   </c:externalData>
 </c:chartSpace>
 </file>
 
 <file path=ppt/charts/chart3.xml><?xml version="1.0" encoding="utf-8"?>
-<c:chartSpace xmlns:c="http://schemas.openxmlformats.org/drawingml/2006/chart" xmlns:a="http://schemas.openxmlformats.org/drawingml/2006/main" xmlns:r="http://schemas.openxmlformats.org/officeDocument/2006/relationships" xmlns:c16r2="http://schemas.microsoft.com/office/drawing/2015/06/chart">
+<c:chartSpace xmlns:c="http://schemas.openxmlformats.org/drawingml/2006/chart" xmlns:a="http://schemas.openxmlformats.org/drawingml/2006/main" xmlns:r="http://schemas.openxmlformats.org/officeDocument/2006/relationships">
   <c:date1904 val="0"/>
   <c:lang val="pt-BR"/>
   <c:roundedCorners val="0"/>
@@ -1812,30 +1770,6 @@
         </a:ln>
         <a:effectLst/>
       </c:spPr>
-      <c:txPr>
-        <a:bodyPr rot="0" spcFirstLastPara="1" vertOverflow="ellipsis" vert="horz" wrap="square" anchor="ctr" anchorCtr="1"/>
-        <a:lstStyle/>
-        <a:p>
-          <a:pPr>
-            <a:defRPr sz="2128" b="1" i="0" u="none" strike="noStrike" kern="1200" spc="100" baseline="0">
-              <a:solidFill>
-                <a:schemeClr val="tx1"/>
-              </a:solidFill>
-              <a:effectLst>
-                <a:outerShdw blurRad="50800" dist="38100" dir="5400000" algn="t" rotWithShape="0">
-                  <a:prstClr val="black">
-                    <a:alpha val="40000"/>
-                  </a:prstClr>
-                </a:outerShdw>
-              </a:effectLst>
-              <a:latin typeface="+mn-lt"/>
-              <a:ea typeface="+mn-ea"/>
-              <a:cs typeface="+mn-cs"/>
-            </a:defRPr>
-          </a:pPr>
-          <a:endParaRPr lang="pt-BR"/>
-        </a:p>
-      </c:txPr>
     </c:title>
     <c:autoTitleDeleted val="0"/>
     <c:plotArea>
@@ -1937,7 +1871,7 @@
             <c:showPercent val="0"/>
             <c:showBubbleSize val="0"/>
             <c:showLeaderLines val="0"/>
-            <c:extLst>
+            <c:extLst xmlns:c16r2="http://schemas.microsoft.com/office/drawing/2015/06/chart">
               <c:ext xmlns:c15="http://schemas.microsoft.com/office/drawing/2012/chart" uri="{CE6537A1-D6FC-4f65-9D91-7224C49458BB}">
                 <c15:showLeaderLines val="1"/>
                 <c15:leaderLines>
@@ -2033,7 +1967,7 @@
               </c:numCache>
             </c:numRef>
           </c:val>
-          <c:extLst>
+          <c:extLst xmlns:c16r2="http://schemas.microsoft.com/office/drawing/2015/06/chart">
             <c:ext xmlns:c16="http://schemas.microsoft.com/office/drawing/2014/chart" uri="{C3380CC4-5D6E-409C-BE32-E72D297353CC}">
               <c16:uniqueId val="{00000000-43E0-4529-8164-E5D1E3A81B68}"/>
             </c:ext>
@@ -2048,11 +1982,11 @@
           <c:showBubbleSize val="0"/>
         </c:dLbls>
         <c:gapWidth val="75"/>
-        <c:axId val="234645312"/>
-        <c:axId val="234644896"/>
+        <c:axId val="207090432"/>
+        <c:axId val="207093120"/>
       </c:barChart>
       <c:catAx>
-        <c:axId val="234645312"/>
+        <c:axId val="207090432"/>
         <c:scaling>
           <c:orientation val="minMax"/>
         </c:scaling>
@@ -2092,7 +2026,7 @@
             <a:endParaRPr lang="pt-BR"/>
           </a:p>
         </c:txPr>
-        <c:crossAx val="234644896"/>
+        <c:crossAx val="207093120"/>
         <c:crosses val="autoZero"/>
         <c:auto val="1"/>
         <c:lblAlgn val="ctr"/>
@@ -2100,7 +2034,7 @@
         <c:noMultiLvlLbl val="0"/>
       </c:catAx>
       <c:valAx>
-        <c:axId val="234644896"/>
+        <c:axId val="207093120"/>
         <c:scaling>
           <c:orientation val="minMax"/>
         </c:scaling>
@@ -2110,7 +2044,7 @@
         <c:majorTickMark val="none"/>
         <c:minorTickMark val="none"/>
         <c:tickLblPos val="nextTo"/>
-        <c:crossAx val="234645312"/>
+        <c:crossAx val="207090432"/>
         <c:crosses val="autoZero"/>
         <c:crossBetween val="between"/>
       </c:valAx>
@@ -2149,14 +2083,14 @@
       <a:endParaRPr lang="pt-BR"/>
     </a:p>
   </c:txPr>
-  <c:externalData r:id="rId3">
+  <c:externalData r:id="rId1">
     <c:autoUpdate val="0"/>
   </c:externalData>
 </c:chartSpace>
 </file>
 
 <file path=ppt/charts/chart4.xml><?xml version="1.0" encoding="utf-8"?>
-<c:chartSpace xmlns:c="http://schemas.openxmlformats.org/drawingml/2006/chart" xmlns:a="http://schemas.openxmlformats.org/drawingml/2006/main" xmlns:r="http://schemas.openxmlformats.org/officeDocument/2006/relationships" xmlns:c16r2="http://schemas.microsoft.com/office/drawing/2015/06/chart">
+<c:chartSpace xmlns:c="http://schemas.openxmlformats.org/drawingml/2006/chart" xmlns:a="http://schemas.openxmlformats.org/drawingml/2006/main" xmlns:r="http://schemas.openxmlformats.org/officeDocument/2006/relationships">
   <c:date1904 val="0"/>
   <c:lang val="pt-BR"/>
   <c:roundedCorners val="0"/>
@@ -2208,30 +2142,6 @@
         </a:ln>
         <a:effectLst/>
       </c:spPr>
-      <c:txPr>
-        <a:bodyPr rot="0" spcFirstLastPara="1" vertOverflow="ellipsis" vert="horz" wrap="square" anchor="ctr" anchorCtr="1"/>
-        <a:lstStyle/>
-        <a:p>
-          <a:pPr>
-            <a:defRPr sz="2128" b="1" i="0" u="none" strike="noStrike" kern="1200" spc="100" baseline="0">
-              <a:solidFill>
-                <a:schemeClr val="tx1"/>
-              </a:solidFill>
-              <a:effectLst>
-                <a:outerShdw blurRad="50800" dist="38100" dir="5400000" algn="t" rotWithShape="0">
-                  <a:prstClr val="black">
-                    <a:alpha val="40000"/>
-                  </a:prstClr>
-                </a:outerShdw>
-              </a:effectLst>
-              <a:latin typeface="+mn-lt"/>
-              <a:ea typeface="+mn-ea"/>
-              <a:cs typeface="+mn-cs"/>
-            </a:defRPr>
-          </a:pPr>
-          <a:endParaRPr lang="pt-BR"/>
-        </a:p>
-      </c:txPr>
     </c:title>
     <c:autoTitleDeleted val="0"/>
     <c:plotArea>
@@ -2333,7 +2243,7 @@
             <c:showPercent val="0"/>
             <c:showBubbleSize val="0"/>
             <c:showLeaderLines val="0"/>
-            <c:extLst>
+            <c:extLst xmlns:c16r2="http://schemas.microsoft.com/office/drawing/2015/06/chart">
               <c:ext xmlns:c15="http://schemas.microsoft.com/office/drawing/2012/chart" uri="{CE6537A1-D6FC-4f65-9D91-7224C49458BB}">
                 <c15:showLeaderLines val="1"/>
                 <c15:leaderLines>
@@ -2429,7 +2339,7 @@
               </c:numCache>
             </c:numRef>
           </c:val>
-          <c:extLst>
+          <c:extLst xmlns:c16r2="http://schemas.microsoft.com/office/drawing/2015/06/chart">
             <c:ext xmlns:c16="http://schemas.microsoft.com/office/drawing/2014/chart" uri="{C3380CC4-5D6E-409C-BE32-E72D297353CC}">
               <c16:uniqueId val="{00000000-B540-4E6C-8837-15EAD3EDF728}"/>
             </c:ext>
@@ -2444,11 +2354,11 @@
           <c:showBubbleSize val="0"/>
         </c:dLbls>
         <c:gapWidth val="75"/>
-        <c:axId val="234645312"/>
-        <c:axId val="234644896"/>
+        <c:axId val="207206272"/>
+        <c:axId val="207221504"/>
       </c:barChart>
       <c:catAx>
-        <c:axId val="234645312"/>
+        <c:axId val="207206272"/>
         <c:scaling>
           <c:orientation val="minMax"/>
         </c:scaling>
@@ -2488,7 +2398,7 @@
             <a:endParaRPr lang="pt-BR"/>
           </a:p>
         </c:txPr>
-        <c:crossAx val="234644896"/>
+        <c:crossAx val="207221504"/>
         <c:crosses val="autoZero"/>
         <c:auto val="1"/>
         <c:lblAlgn val="ctr"/>
@@ -2496,7 +2406,7 @@
         <c:noMultiLvlLbl val="0"/>
       </c:catAx>
       <c:valAx>
-        <c:axId val="234644896"/>
+        <c:axId val="207221504"/>
         <c:scaling>
           <c:orientation val="minMax"/>
         </c:scaling>
@@ -2506,7 +2416,7 @@
         <c:majorTickMark val="none"/>
         <c:minorTickMark val="none"/>
         <c:tickLblPos val="nextTo"/>
-        <c:crossAx val="234645312"/>
+        <c:crossAx val="207206272"/>
         <c:crosses val="autoZero"/>
         <c:crossBetween val="between"/>
       </c:valAx>
@@ -2545,14 +2455,14 @@
       <a:endParaRPr lang="pt-BR"/>
     </a:p>
   </c:txPr>
-  <c:externalData r:id="rId3">
+  <c:externalData r:id="rId1">
     <c:autoUpdate val="0"/>
   </c:externalData>
 </c:chartSpace>
 </file>
 
 <file path=ppt/charts/chart5.xml><?xml version="1.0" encoding="utf-8"?>
-<c:chartSpace xmlns:c="http://schemas.openxmlformats.org/drawingml/2006/chart" xmlns:a="http://schemas.openxmlformats.org/drawingml/2006/main" xmlns:r="http://schemas.openxmlformats.org/officeDocument/2006/relationships" xmlns:c16r2="http://schemas.microsoft.com/office/drawing/2015/06/chart">
+<c:chartSpace xmlns:c="http://schemas.openxmlformats.org/drawingml/2006/chart" xmlns:a="http://schemas.openxmlformats.org/drawingml/2006/main" xmlns:r="http://schemas.openxmlformats.org/officeDocument/2006/relationships">
   <c:date1904 val="0"/>
   <c:lang val="pt-BR"/>
   <c:roundedCorners val="0"/>
@@ -2608,30 +2518,6 @@
         </a:ln>
         <a:effectLst/>
       </c:spPr>
-      <c:txPr>
-        <a:bodyPr rot="0" spcFirstLastPara="1" vertOverflow="ellipsis" vert="horz" wrap="square" anchor="ctr" anchorCtr="1"/>
-        <a:lstStyle/>
-        <a:p>
-          <a:pPr>
-            <a:defRPr sz="2128" b="1" i="0" u="none" strike="noStrike" kern="1200" spc="100" baseline="0">
-              <a:solidFill>
-                <a:schemeClr val="tx1"/>
-              </a:solidFill>
-              <a:effectLst>
-                <a:outerShdw blurRad="50800" dist="38100" dir="5400000" algn="t" rotWithShape="0">
-                  <a:prstClr val="black">
-                    <a:alpha val="40000"/>
-                  </a:prstClr>
-                </a:outerShdw>
-              </a:effectLst>
-              <a:latin typeface="+mn-lt"/>
-              <a:ea typeface="+mn-ea"/>
-              <a:cs typeface="+mn-cs"/>
-            </a:defRPr>
-          </a:pPr>
-          <a:endParaRPr lang="pt-BR"/>
-        </a:p>
-      </c:txPr>
     </c:title>
     <c:autoTitleDeleted val="0"/>
     <c:plotArea>
@@ -2756,7 +2642,7 @@
             <c:showPercent val="0"/>
             <c:showBubbleSize val="0"/>
             <c:showLeaderLines val="0"/>
-            <c:extLst>
+            <c:extLst xmlns:c16r2="http://schemas.microsoft.com/office/drawing/2015/06/chart">
               <c:ext xmlns:c15="http://schemas.microsoft.com/office/drawing/2012/chart" uri="{CE6537A1-D6FC-4f65-9D91-7224C49458BB}">
                 <c15:showLeaderLines val="1"/>
                 <c15:leaderLines>
@@ -2818,7 +2704,7 @@
             </c:numRef>
           </c:val>
           <c:smooth val="0"/>
-          <c:extLst>
+          <c:extLst xmlns:c16r2="http://schemas.microsoft.com/office/drawing/2015/06/chart">
             <c:ext xmlns:c16="http://schemas.microsoft.com/office/drawing/2014/chart" uri="{C3380CC4-5D6E-409C-BE32-E72D297353CC}">
               <c16:uniqueId val="{00000000-1587-4608-95AF-4B132C95887F}"/>
             </c:ext>
@@ -2835,11 +2721,11 @@
         </c:dLbls>
         <c:marker val="1"/>
         <c:smooth val="0"/>
-        <c:axId val="234645312"/>
-        <c:axId val="234644896"/>
+        <c:axId val="207432704"/>
+        <c:axId val="207460224"/>
       </c:lineChart>
       <c:catAx>
-        <c:axId val="234645312"/>
+        <c:axId val="207432704"/>
         <c:scaling>
           <c:orientation val="minMax"/>
         </c:scaling>
@@ -2879,7 +2765,7 @@
             <a:endParaRPr lang="pt-BR"/>
           </a:p>
         </c:txPr>
-        <c:crossAx val="234644896"/>
+        <c:crossAx val="207460224"/>
         <c:crosses val="autoZero"/>
         <c:auto val="1"/>
         <c:lblAlgn val="ctr"/>
@@ -2887,7 +2773,7 @@
         <c:noMultiLvlLbl val="0"/>
       </c:catAx>
       <c:valAx>
-        <c:axId val="234644896"/>
+        <c:axId val="207460224"/>
         <c:scaling>
           <c:orientation val="minMax"/>
         </c:scaling>
@@ -2897,7 +2783,7 @@
         <c:majorTickMark val="out"/>
         <c:minorTickMark val="none"/>
         <c:tickLblPos val="nextTo"/>
-        <c:crossAx val="234645312"/>
+        <c:crossAx val="207432704"/>
         <c:crosses val="autoZero"/>
         <c:crossBetween val="between"/>
       </c:valAx>
@@ -2936,14 +2822,14 @@
       <a:endParaRPr lang="pt-BR"/>
     </a:p>
   </c:txPr>
-  <c:externalData r:id="rId3">
+  <c:externalData r:id="rId1">
     <c:autoUpdate val="0"/>
   </c:externalData>
 </c:chartSpace>
 </file>
 
 <file path=ppt/charts/chart6.xml><?xml version="1.0" encoding="utf-8"?>
-<c:chartSpace xmlns:c="http://schemas.openxmlformats.org/drawingml/2006/chart" xmlns:a="http://schemas.openxmlformats.org/drawingml/2006/main" xmlns:r="http://schemas.openxmlformats.org/officeDocument/2006/relationships" xmlns:c16r2="http://schemas.microsoft.com/office/drawing/2015/06/chart">
+<c:chartSpace xmlns:c="http://schemas.openxmlformats.org/drawingml/2006/chart" xmlns:a="http://schemas.openxmlformats.org/drawingml/2006/main" xmlns:r="http://schemas.openxmlformats.org/officeDocument/2006/relationships">
   <c:date1904 val="0"/>
   <c:lang val="pt-BR"/>
   <c:roundedCorners val="0"/>
@@ -2999,30 +2885,6 @@
         </a:ln>
         <a:effectLst/>
       </c:spPr>
-      <c:txPr>
-        <a:bodyPr rot="0" spcFirstLastPara="1" vertOverflow="ellipsis" vert="horz" wrap="square" anchor="ctr" anchorCtr="1"/>
-        <a:lstStyle/>
-        <a:p>
-          <a:pPr>
-            <a:defRPr sz="2128" b="1" i="0" u="none" strike="noStrike" kern="1200" spc="100" baseline="0">
-              <a:solidFill>
-                <a:schemeClr val="tx1"/>
-              </a:solidFill>
-              <a:effectLst>
-                <a:outerShdw blurRad="50800" dist="38100" dir="5400000" algn="t" rotWithShape="0">
-                  <a:prstClr val="black">
-                    <a:alpha val="40000"/>
-                  </a:prstClr>
-                </a:outerShdw>
-              </a:effectLst>
-              <a:latin typeface="+mn-lt"/>
-              <a:ea typeface="+mn-ea"/>
-              <a:cs typeface="+mn-cs"/>
-            </a:defRPr>
-          </a:pPr>
-          <a:endParaRPr lang="pt-BR"/>
-        </a:p>
-      </c:txPr>
     </c:title>
     <c:autoTitleDeleted val="0"/>
     <c:plotArea>
@@ -3124,7 +2986,7 @@
             <c:showPercent val="0"/>
             <c:showBubbleSize val="0"/>
             <c:showLeaderLines val="0"/>
-            <c:extLst>
+            <c:extLst xmlns:c16r2="http://schemas.microsoft.com/office/drawing/2015/06/chart">
               <c:ext xmlns:c15="http://schemas.microsoft.com/office/drawing/2012/chart" uri="{CE6537A1-D6FC-4f65-9D91-7224C49458BB}">
                 <c15:showLeaderLines val="1"/>
                 <c15:leaderLines>
@@ -3185,7 +3047,7 @@
               </c:numCache>
             </c:numRef>
           </c:val>
-          <c:extLst>
+          <c:extLst xmlns:c16r2="http://schemas.microsoft.com/office/drawing/2015/06/chart">
             <c:ext xmlns:c16="http://schemas.microsoft.com/office/drawing/2014/chart" uri="{C3380CC4-5D6E-409C-BE32-E72D297353CC}">
               <c16:uniqueId val="{00000000-D8CD-42D2-863B-B905448DAC26}"/>
             </c:ext>
@@ -3284,7 +3146,7 @@
             <c:showPercent val="0"/>
             <c:showBubbleSize val="0"/>
             <c:showLeaderLines val="0"/>
-            <c:extLst>
+            <c:extLst xmlns:c16r2="http://schemas.microsoft.com/office/drawing/2015/06/chart">
               <c:ext xmlns:c15="http://schemas.microsoft.com/office/drawing/2012/chart" uri="{CE6537A1-D6FC-4f65-9D91-7224C49458BB}">
                 <c15:showLeaderLines val="1"/>
                 <c15:leaderLines>
@@ -3345,7 +3207,7 @@
               </c:numCache>
             </c:numRef>
           </c:val>
-          <c:extLst>
+          <c:extLst xmlns:c16r2="http://schemas.microsoft.com/office/drawing/2015/06/chart">
             <c:ext xmlns:c16="http://schemas.microsoft.com/office/drawing/2014/chart" uri="{C3380CC4-5D6E-409C-BE32-E72D297353CC}">
               <c16:uniqueId val="{00000001-D8CD-42D2-863B-B905448DAC26}"/>
             </c:ext>
@@ -3360,11 +3222,11 @@
           <c:showBubbleSize val="0"/>
         </c:dLbls>
         <c:gapWidth val="75"/>
-        <c:axId val="234645312"/>
-        <c:axId val="234644896"/>
+        <c:axId val="207354496"/>
+        <c:axId val="207487360"/>
       </c:barChart>
       <c:catAx>
-        <c:axId val="234645312"/>
+        <c:axId val="207354496"/>
         <c:scaling>
           <c:orientation val="minMax"/>
         </c:scaling>
@@ -3404,7 +3266,7 @@
             <a:endParaRPr lang="pt-BR"/>
           </a:p>
         </c:txPr>
-        <c:crossAx val="234644896"/>
+        <c:crossAx val="207487360"/>
         <c:crosses val="autoZero"/>
         <c:auto val="1"/>
         <c:lblAlgn val="ctr"/>
@@ -3412,7 +3274,7 @@
         <c:noMultiLvlLbl val="0"/>
       </c:catAx>
       <c:valAx>
-        <c:axId val="234644896"/>
+        <c:axId val="207487360"/>
         <c:scaling>
           <c:orientation val="minMax"/>
         </c:scaling>
@@ -3422,7 +3284,7 @@
         <c:majorTickMark val="none"/>
         <c:minorTickMark val="none"/>
         <c:tickLblPos val="nextTo"/>
-        <c:crossAx val="234645312"/>
+        <c:crossAx val="207354496"/>
         <c:crosses val="autoZero"/>
         <c:crossBetween val="between"/>
       </c:valAx>
@@ -3489,7 +3351,7 @@
       <a:endParaRPr lang="pt-BR"/>
     </a:p>
   </c:txPr>
-  <c:externalData r:id="rId3">
+  <c:externalData r:id="rId1">
     <c:autoUpdate val="0"/>
   </c:externalData>
 </c:chartSpace>
@@ -13339,7 +13201,7 @@
         </p:spPr>
         <p:txBody>
           <a:bodyPr>
-            <a:normAutofit/>
+            <a:normAutofit fontScale="92500" lnSpcReduction="10000"/>
           </a:bodyPr>
           <a:lstStyle/>
           <a:p>
@@ -13354,7 +13216,7 @@
             </a:r>
             <a:r>
               <a:rPr lang="pt-BR" sz="2800" dirty="0"/>
-              <a:t>Início em 1930 – Ministério dos Negócios da Educação e Saúde Pública; 1995 – criou-se o Ministério da Educação e Cultura (MEC).</a:t>
+              <a:t>Início em 1930 – Ministério dos Negócios da Educação e Saúde Pública; 1995 – passa a ser responsável somente pela educação; 1953 – surge a sigla MEC.</a:t>
             </a:r>
           </a:p>
           <a:p>
@@ -14913,13 +14775,15 @@
             <a:pPr algn="just"/>
             <a:r>
               <a:rPr lang="pt-BR" sz="2800" dirty="0"/>
-              <a:t>Princípio da transparência na Administração Pública previstas no Art. 37 da Constituição Federal de 1988;</a:t>
-            </a:r>
-          </a:p>
-          <a:p>
-            <a:pPr marL="0" indent="0" algn="just">
-              <a:buNone/>
-            </a:pPr>
+              <a:t>Lei da transparência, lei n. 12527/2011</a:t>
+            </a:r>
+            <a:r>
+              <a:rPr lang="pt-BR" sz="2800" dirty="0" smtClean="0"/>
+              <a:t>.</a:t>
+            </a:r>
+          </a:p>
+          <a:p>
+            <a:pPr algn="just"/>
             <a:endParaRPr lang="pt-BR" sz="2800" dirty="0"/>
           </a:p>
           <a:p>

--- a/TCC_BI_Alunos_Negros.pptx
+++ b/TCC_BI_Alunos_Negros.pptx
@@ -134,7 +134,7 @@
   </p:defaultTextStyle>
   <p:extLst>
     <p:ext uri="{EFAFB233-063F-42B5-8137-9DF3F51BA10A}">
-      <p15:sldGuideLst xmlns:p15="http://schemas.microsoft.com/office/powerpoint/2012/main" xmlns="">
+      <p15:sldGuideLst xmlns="" xmlns:p15="http://schemas.microsoft.com/office/powerpoint/2012/main">
         <p15:guide id="1" orient="horz" pos="2160" userDrawn="1">
           <p15:clr>
             <a:srgbClr val="A4A3A4"/>
@@ -1214,11 +1214,11 @@
           <c:showBubbleSize val="0"/>
         </c:dLbls>
         <c:gapWidth val="75"/>
-        <c:axId val="207125888"/>
-        <c:axId val="207144064"/>
+        <c:axId val="157484928"/>
+        <c:axId val="157486464"/>
       </c:barChart>
       <c:catAx>
-        <c:axId val="207125888"/>
+        <c:axId val="157484928"/>
         <c:scaling>
           <c:orientation val="minMax"/>
         </c:scaling>
@@ -1258,7 +1258,7 @@
             <a:endParaRPr lang="pt-BR"/>
           </a:p>
         </c:txPr>
-        <c:crossAx val="207144064"/>
+        <c:crossAx val="157486464"/>
         <c:crosses val="autoZero"/>
         <c:auto val="1"/>
         <c:lblAlgn val="ctr"/>
@@ -1266,7 +1266,7 @@
         <c:noMultiLvlLbl val="0"/>
       </c:catAx>
       <c:valAx>
-        <c:axId val="207144064"/>
+        <c:axId val="157486464"/>
         <c:scaling>
           <c:orientation val="minMax"/>
         </c:scaling>
@@ -1276,7 +1276,7 @@
         <c:majorTickMark val="none"/>
         <c:minorTickMark val="none"/>
         <c:tickLblPos val="nextTo"/>
-        <c:crossAx val="207125888"/>
+        <c:crossAx val="157484928"/>
         <c:crosses val="autoZero"/>
         <c:crossBetween val="between"/>
       </c:valAx>
@@ -1290,6 +1290,7 @@
     </c:plotArea>
     <c:legend>
       <c:legendPos val="b"/>
+      <c:layout/>
       <c:overlay val="0"/>
       <c:spPr>
         <a:noFill/>
@@ -1395,6 +1396,7 @@
           </a:p>
         </c:rich>
       </c:tx>
+      <c:layout/>
       <c:overlay val="0"/>
       <c:spPr>
         <a:noFill/>
@@ -1606,11 +1608,11 @@
         </c:dLbls>
         <c:marker val="1"/>
         <c:smooth val="0"/>
-        <c:axId val="207052800"/>
-        <c:axId val="207055488"/>
+        <c:axId val="157538560"/>
+        <c:axId val="157541504"/>
       </c:lineChart>
       <c:catAx>
-        <c:axId val="207052800"/>
+        <c:axId val="157538560"/>
         <c:scaling>
           <c:orientation val="minMax"/>
         </c:scaling>
@@ -1650,7 +1652,7 @@
             <a:endParaRPr lang="pt-BR"/>
           </a:p>
         </c:txPr>
-        <c:crossAx val="207055488"/>
+        <c:crossAx val="157541504"/>
         <c:crosses val="autoZero"/>
         <c:auto val="1"/>
         <c:lblAlgn val="ctr"/>
@@ -1658,7 +1660,7 @@
         <c:noMultiLvlLbl val="0"/>
       </c:catAx>
       <c:valAx>
-        <c:axId val="207055488"/>
+        <c:axId val="157541504"/>
         <c:scaling>
           <c:orientation val="minMax"/>
         </c:scaling>
@@ -1668,7 +1670,7 @@
         <c:majorTickMark val="out"/>
         <c:minorTickMark val="none"/>
         <c:tickLblPos val="nextTo"/>
-        <c:crossAx val="207052800"/>
+        <c:crossAx val="157538560"/>
         <c:crosses val="autoZero"/>
         <c:crossBetween val="between"/>
       </c:valAx>
@@ -1762,6 +1764,7 @@
           </a:p>
         </c:rich>
       </c:tx>
+      <c:layout/>
       <c:overlay val="0"/>
       <c:spPr>
         <a:noFill/>
@@ -1982,11 +1985,11 @@
           <c:showBubbleSize val="0"/>
         </c:dLbls>
         <c:gapWidth val="75"/>
-        <c:axId val="207090432"/>
-        <c:axId val="207093120"/>
+        <c:axId val="213269504"/>
+        <c:axId val="213288832"/>
       </c:barChart>
       <c:catAx>
-        <c:axId val="207090432"/>
+        <c:axId val="213269504"/>
         <c:scaling>
           <c:orientation val="minMax"/>
         </c:scaling>
@@ -2026,7 +2029,7 @@
             <a:endParaRPr lang="pt-BR"/>
           </a:p>
         </c:txPr>
-        <c:crossAx val="207093120"/>
+        <c:crossAx val="213288832"/>
         <c:crosses val="autoZero"/>
         <c:auto val="1"/>
         <c:lblAlgn val="ctr"/>
@@ -2034,7 +2037,7 @@
         <c:noMultiLvlLbl val="0"/>
       </c:catAx>
       <c:valAx>
-        <c:axId val="207093120"/>
+        <c:axId val="213288832"/>
         <c:scaling>
           <c:orientation val="minMax"/>
         </c:scaling>
@@ -2044,7 +2047,7 @@
         <c:majorTickMark val="none"/>
         <c:minorTickMark val="none"/>
         <c:tickLblPos val="nextTo"/>
-        <c:crossAx val="207090432"/>
+        <c:crossAx val="213269504"/>
         <c:crosses val="autoZero"/>
         <c:crossBetween val="between"/>
       </c:valAx>
@@ -2134,6 +2137,7 @@
           </a:p>
         </c:rich>
       </c:tx>
+      <c:layout/>
       <c:overlay val="0"/>
       <c:spPr>
         <a:noFill/>
@@ -2354,11 +2358,11 @@
           <c:showBubbleSize val="0"/>
         </c:dLbls>
         <c:gapWidth val="75"/>
-        <c:axId val="207206272"/>
-        <c:axId val="207221504"/>
+        <c:axId val="213004288"/>
+        <c:axId val="213006976"/>
       </c:barChart>
       <c:catAx>
-        <c:axId val="207206272"/>
+        <c:axId val="213004288"/>
         <c:scaling>
           <c:orientation val="minMax"/>
         </c:scaling>
@@ -2398,7 +2402,7 @@
             <a:endParaRPr lang="pt-BR"/>
           </a:p>
         </c:txPr>
-        <c:crossAx val="207221504"/>
+        <c:crossAx val="213006976"/>
         <c:crosses val="autoZero"/>
         <c:auto val="1"/>
         <c:lblAlgn val="ctr"/>
@@ -2406,7 +2410,7 @@
         <c:noMultiLvlLbl val="0"/>
       </c:catAx>
       <c:valAx>
-        <c:axId val="207221504"/>
+        <c:axId val="213006976"/>
         <c:scaling>
           <c:orientation val="minMax"/>
         </c:scaling>
@@ -2416,7 +2420,7 @@
         <c:majorTickMark val="none"/>
         <c:minorTickMark val="none"/>
         <c:tickLblPos val="nextTo"/>
-        <c:crossAx val="207206272"/>
+        <c:crossAx val="213004288"/>
         <c:crosses val="autoZero"/>
         <c:crossBetween val="between"/>
       </c:valAx>
@@ -2510,6 +2514,7 @@
           </a:p>
         </c:rich>
       </c:tx>
+      <c:layout/>
       <c:overlay val="0"/>
       <c:spPr>
         <a:noFill/>
@@ -2721,11 +2726,11 @@
         </c:dLbls>
         <c:marker val="1"/>
         <c:smooth val="0"/>
-        <c:axId val="207432704"/>
-        <c:axId val="207460224"/>
+        <c:axId val="213042304"/>
+        <c:axId val="213102592"/>
       </c:lineChart>
       <c:catAx>
-        <c:axId val="207432704"/>
+        <c:axId val="213042304"/>
         <c:scaling>
           <c:orientation val="minMax"/>
         </c:scaling>
@@ -2765,7 +2770,7 @@
             <a:endParaRPr lang="pt-BR"/>
           </a:p>
         </c:txPr>
-        <c:crossAx val="207460224"/>
+        <c:crossAx val="213102592"/>
         <c:crosses val="autoZero"/>
         <c:auto val="1"/>
         <c:lblAlgn val="ctr"/>
@@ -2773,7 +2778,7 @@
         <c:noMultiLvlLbl val="0"/>
       </c:catAx>
       <c:valAx>
-        <c:axId val="207460224"/>
+        <c:axId val="213102592"/>
         <c:scaling>
           <c:orientation val="minMax"/>
         </c:scaling>
@@ -2783,7 +2788,7 @@
         <c:majorTickMark val="out"/>
         <c:minorTickMark val="none"/>
         <c:tickLblPos val="nextTo"/>
-        <c:crossAx val="207432704"/>
+        <c:crossAx val="213042304"/>
         <c:crosses val="autoZero"/>
         <c:crossBetween val="between"/>
       </c:valAx>
@@ -2877,6 +2882,7 @@
           </a:p>
         </c:rich>
       </c:tx>
+      <c:layout/>
       <c:overlay val="0"/>
       <c:spPr>
         <a:noFill/>
@@ -3222,11 +3228,11 @@
           <c:showBubbleSize val="0"/>
         </c:dLbls>
         <c:gapWidth val="75"/>
-        <c:axId val="207354496"/>
-        <c:axId val="207487360"/>
+        <c:axId val="213177088"/>
+        <c:axId val="213178624"/>
       </c:barChart>
       <c:catAx>
-        <c:axId val="207354496"/>
+        <c:axId val="213177088"/>
         <c:scaling>
           <c:orientation val="minMax"/>
         </c:scaling>
@@ -3266,7 +3272,7 @@
             <a:endParaRPr lang="pt-BR"/>
           </a:p>
         </c:txPr>
-        <c:crossAx val="207487360"/>
+        <c:crossAx val="213178624"/>
         <c:crosses val="autoZero"/>
         <c:auto val="1"/>
         <c:lblAlgn val="ctr"/>
@@ -3274,7 +3280,7 @@
         <c:noMultiLvlLbl val="0"/>
       </c:catAx>
       <c:valAx>
-        <c:axId val="207487360"/>
+        <c:axId val="213178624"/>
         <c:scaling>
           <c:orientation val="minMax"/>
         </c:scaling>
@@ -3284,7 +3290,7 @@
         <c:majorTickMark val="none"/>
         <c:minorTickMark val="none"/>
         <c:tickLblPos val="nextTo"/>
-        <c:crossAx val="207354496"/>
+        <c:crossAx val="213177088"/>
         <c:crosses val="autoZero"/>
         <c:crossBetween val="between"/>
       </c:valAx>
@@ -3298,6 +3304,7 @@
     </c:plotArea>
     <c:legend>
       <c:legendPos val="b"/>
+      <c:layout/>
       <c:overlay val="0"/>
       <c:spPr>
         <a:noFill/>
@@ -17883,7 +17890,19 @@
             </a:r>
             <a:r>
               <a:rPr lang="pt-BR" sz="2800" dirty="0"/>
-              <a:t>: utilização de materias já publicados como ferramenta de estudo.</a:t>
+              <a:t>: utilização </a:t>
+            </a:r>
+            <a:r>
+              <a:rPr lang="pt-BR" sz="2800"/>
+              <a:t>de </a:t>
+            </a:r>
+            <a:r>
+              <a:rPr lang="pt-BR" sz="2800" smtClean="0"/>
+              <a:t>materiais </a:t>
+            </a:r>
+            <a:r>
+              <a:rPr lang="pt-BR" sz="2800" dirty="0"/>
+              <a:t>já publicados como ferramenta de estudo.</a:t>
             </a:r>
           </a:p>
         </p:txBody>

--- a/TCC_BI_Alunos_Negros.pptx
+++ b/TCC_BI_Alunos_Negros.pptx
@@ -134,7 +134,7 @@
   </p:defaultTextStyle>
   <p:extLst>
     <p:ext uri="{EFAFB233-063F-42B5-8137-9DF3F51BA10A}">
-      <p15:sldGuideLst xmlns="" xmlns:p15="http://schemas.microsoft.com/office/powerpoint/2012/main">
+      <p15:sldGuideLst xmlns:p15="http://schemas.microsoft.com/office/powerpoint/2012/main">
         <p15:guide id="1" orient="horz" pos="2160" userDrawn="1">
           <p15:clr>
             <a:srgbClr val="A4A3A4"/>
@@ -152,7 +152,7 @@
 </file>
 
 <file path=ppt/charts/chart1.xml><?xml version="1.0" encoding="utf-8"?>
-<c:chartSpace xmlns:c="http://schemas.openxmlformats.org/drawingml/2006/chart" xmlns:a="http://schemas.openxmlformats.org/drawingml/2006/main" xmlns:r="http://schemas.openxmlformats.org/officeDocument/2006/relationships">
+<c:chartSpace xmlns:c="http://schemas.openxmlformats.org/drawingml/2006/chart" xmlns:a="http://schemas.openxmlformats.org/drawingml/2006/main" xmlns:r="http://schemas.openxmlformats.org/officeDocument/2006/relationships" xmlns:c16r2="http://schemas.microsoft.com/office/drawing/2015/06/chart">
   <c:date1904 val="0"/>
   <c:lang val="pt-BR"/>
   <c:roundedCorners val="0"/>
@@ -216,6 +216,24 @@
         </a:ln>
         <a:effectLst/>
       </c:spPr>
+      <c:txPr>
+        <a:bodyPr rot="0" spcFirstLastPara="1" vertOverflow="ellipsis" vert="horz" wrap="square" anchor="ctr" anchorCtr="1"/>
+        <a:lstStyle/>
+        <a:p>
+          <a:pPr>
+            <a:defRPr sz="2128" b="1" i="0" u="none" strike="noStrike" kern="1200" spc="100" baseline="0">
+              <a:solidFill>
+                <a:schemeClr val="tx1"/>
+              </a:solidFill>
+              <a:effectLst/>
+              <a:latin typeface="+mn-lt"/>
+              <a:ea typeface="+mn-ea"/>
+              <a:cs typeface="+mn-cs"/>
+            </a:defRPr>
+          </a:pPr>
+          <a:endParaRPr lang="pt-BR"/>
+        </a:p>
+      </c:txPr>
     </c:title>
     <c:autoTitleDeleted val="0"/>
     <c:plotArea>
@@ -317,7 +335,7 @@
             <c:showPercent val="0"/>
             <c:showBubbleSize val="0"/>
             <c:showLeaderLines val="0"/>
-            <c:extLst xmlns:c16r2="http://schemas.microsoft.com/office/drawing/2015/06/chart">
+            <c:extLst>
               <c:ext xmlns:c15="http://schemas.microsoft.com/office/drawing/2012/chart" uri="{CE6537A1-D6FC-4f65-9D91-7224C49458BB}">
                 <c15:showLeaderLines val="1"/>
                 <c15:leaderLines>
@@ -378,7 +396,7 @@
               </c:numCache>
             </c:numRef>
           </c:val>
-          <c:extLst xmlns:c16r2="http://schemas.microsoft.com/office/drawing/2015/06/chart">
+          <c:extLst>
             <c:ext xmlns:c16="http://schemas.microsoft.com/office/drawing/2014/chart" uri="{C3380CC4-5D6E-409C-BE32-E72D297353CC}">
               <c16:uniqueId val="{00000000-255E-411E-93BF-9D6E46F713C1}"/>
             </c:ext>
@@ -477,7 +495,7 @@
             <c:showPercent val="0"/>
             <c:showBubbleSize val="0"/>
             <c:showLeaderLines val="0"/>
-            <c:extLst xmlns:c16r2="http://schemas.microsoft.com/office/drawing/2015/06/chart">
+            <c:extLst>
               <c:ext xmlns:c15="http://schemas.microsoft.com/office/drawing/2012/chart" uri="{CE6537A1-D6FC-4f65-9D91-7224C49458BB}">
                 <c15:showLeaderLines val="1"/>
                 <c15:leaderLines>
@@ -538,7 +556,7 @@
               </c:numCache>
             </c:numRef>
           </c:val>
-          <c:extLst xmlns:c16r2="http://schemas.microsoft.com/office/drawing/2015/06/chart">
+          <c:extLst>
             <c:ext xmlns:c16="http://schemas.microsoft.com/office/drawing/2014/chart" uri="{C3380CC4-5D6E-409C-BE32-E72D297353CC}">
               <c16:uniqueId val="{00000001-255E-411E-93BF-9D6E46F713C1}"/>
             </c:ext>
@@ -637,7 +655,7 @@
             <c:showPercent val="0"/>
             <c:showBubbleSize val="0"/>
             <c:showLeaderLines val="0"/>
-            <c:extLst xmlns:c16r2="http://schemas.microsoft.com/office/drawing/2015/06/chart">
+            <c:extLst>
               <c:ext xmlns:c15="http://schemas.microsoft.com/office/drawing/2012/chart" uri="{CE6537A1-D6FC-4f65-9D91-7224C49458BB}">
                 <c15:showLeaderLines val="1"/>
                 <c15:leaderLines>
@@ -698,7 +716,7 @@
               </c:numCache>
             </c:numRef>
           </c:val>
-          <c:extLst xmlns:c16r2="http://schemas.microsoft.com/office/drawing/2015/06/chart">
+          <c:extLst>
             <c:ext xmlns:c16="http://schemas.microsoft.com/office/drawing/2014/chart" uri="{C3380CC4-5D6E-409C-BE32-E72D297353CC}">
               <c16:uniqueId val="{00000002-255E-411E-93BF-9D6E46F713C1}"/>
             </c:ext>
@@ -780,7 +798,7 @@
               <c:showSerName val="0"/>
               <c:showPercent val="0"/>
               <c:showBubbleSize val="0"/>
-              <c:extLst xmlns:c16r2="http://schemas.microsoft.com/office/drawing/2015/06/chart">
+              <c:extLst>
                 <c:ext xmlns:c15="http://schemas.microsoft.com/office/drawing/2012/chart" uri="{CE6537A1-D6FC-4f65-9D91-7224C49458BB}"/>
                 <c:ext xmlns:c16="http://schemas.microsoft.com/office/drawing/2014/chart" uri="{C3380CC4-5D6E-409C-BE32-E72D297353CC}">
                   <c16:uniqueId val="{00000003-255E-411E-93BF-9D6E46F713C1}"/>
@@ -818,7 +836,7 @@
             <c:showPercent val="0"/>
             <c:showBubbleSize val="0"/>
             <c:showLeaderLines val="0"/>
-            <c:extLst xmlns:c16r2="http://schemas.microsoft.com/office/drawing/2015/06/chart">
+            <c:extLst>
               <c:ext xmlns:c15="http://schemas.microsoft.com/office/drawing/2012/chart" uri="{CE6537A1-D6FC-4f65-9D91-7224C49458BB}">
                 <c15:showLeaderLines val="1"/>
                 <c15:leaderLines>
@@ -879,7 +897,7 @@
               </c:numCache>
             </c:numRef>
           </c:val>
-          <c:extLst xmlns:c16r2="http://schemas.microsoft.com/office/drawing/2015/06/chart">
+          <c:extLst>
             <c:ext xmlns:c16="http://schemas.microsoft.com/office/drawing/2014/chart" uri="{C3380CC4-5D6E-409C-BE32-E72D297353CC}">
               <c16:uniqueId val="{00000004-255E-411E-93BF-9D6E46F713C1}"/>
             </c:ext>
@@ -978,7 +996,7 @@
             <c:showPercent val="0"/>
             <c:showBubbleSize val="0"/>
             <c:showLeaderLines val="0"/>
-            <c:extLst xmlns:c16r2="http://schemas.microsoft.com/office/drawing/2015/06/chart">
+            <c:extLst>
               <c:ext xmlns:c15="http://schemas.microsoft.com/office/drawing/2012/chart" uri="{CE6537A1-D6FC-4f65-9D91-7224C49458BB}">
                 <c15:showLeaderLines val="1"/>
                 <c15:leaderLines>
@@ -1039,7 +1057,7 @@
               </c:numCache>
             </c:numRef>
           </c:val>
-          <c:extLst xmlns:c16r2="http://schemas.microsoft.com/office/drawing/2015/06/chart">
+          <c:extLst>
             <c:ext xmlns:c16="http://schemas.microsoft.com/office/drawing/2014/chart" uri="{C3380CC4-5D6E-409C-BE32-E72D297353CC}">
               <c16:uniqueId val="{00000005-255E-411E-93BF-9D6E46F713C1}"/>
             </c:ext>
@@ -1138,7 +1156,7 @@
             <c:showPercent val="0"/>
             <c:showBubbleSize val="0"/>
             <c:showLeaderLines val="0"/>
-            <c:extLst xmlns:c16r2="http://schemas.microsoft.com/office/drawing/2015/06/chart">
+            <c:extLst>
               <c:ext xmlns:c15="http://schemas.microsoft.com/office/drawing/2012/chart" uri="{CE6537A1-D6FC-4f65-9D91-7224C49458BB}">
                 <c15:showLeaderLines val="1"/>
                 <c15:leaderLines>
@@ -1199,7 +1217,7 @@
               </c:numCache>
             </c:numRef>
           </c:val>
-          <c:extLst xmlns:c16r2="http://schemas.microsoft.com/office/drawing/2015/06/chart">
+          <c:extLst>
             <c:ext xmlns:c16="http://schemas.microsoft.com/office/drawing/2014/chart" uri="{C3380CC4-5D6E-409C-BE32-E72D297353CC}">
               <c16:uniqueId val="{00000006-255E-411E-93BF-9D6E46F713C1}"/>
             </c:ext>
@@ -1290,7 +1308,6 @@
     </c:plotArea>
     <c:legend>
       <c:legendPos val="b"/>
-      <c:layout/>
       <c:overlay val="0"/>
       <c:spPr>
         <a:noFill/>
@@ -1344,14 +1361,14 @@
       <a:endParaRPr lang="pt-BR"/>
     </a:p>
   </c:txPr>
-  <c:externalData r:id="rId1">
+  <c:externalData r:id="rId3">
     <c:autoUpdate val="0"/>
   </c:externalData>
 </c:chartSpace>
 </file>
 
 <file path=ppt/charts/chart2.xml><?xml version="1.0" encoding="utf-8"?>
-<c:chartSpace xmlns:c="http://schemas.openxmlformats.org/drawingml/2006/chart" xmlns:a="http://schemas.openxmlformats.org/drawingml/2006/main" xmlns:r="http://schemas.openxmlformats.org/officeDocument/2006/relationships">
+<c:chartSpace xmlns:c="http://schemas.openxmlformats.org/drawingml/2006/chart" xmlns:a="http://schemas.openxmlformats.org/drawingml/2006/main" xmlns:r="http://schemas.openxmlformats.org/officeDocument/2006/relationships" xmlns:c16r2="http://schemas.microsoft.com/office/drawing/2015/06/chart">
   <c:date1904 val="0"/>
   <c:lang val="pt-BR"/>
   <c:roundedCorners val="0"/>
@@ -1405,6 +1422,30 @@
         </a:ln>
         <a:effectLst/>
       </c:spPr>
+      <c:txPr>
+        <a:bodyPr rot="0" spcFirstLastPara="1" vertOverflow="ellipsis" vert="horz" wrap="square" anchor="ctr" anchorCtr="1"/>
+        <a:lstStyle/>
+        <a:p>
+          <a:pPr>
+            <a:defRPr sz="2128" b="1" i="0" u="none" strike="noStrike" kern="1200" spc="100" baseline="0">
+              <a:solidFill>
+                <a:schemeClr val="tx1"/>
+              </a:solidFill>
+              <a:effectLst>
+                <a:outerShdw blurRad="50800" dist="38100" dir="5400000" algn="t" rotWithShape="0">
+                  <a:prstClr val="black">
+                    <a:alpha val="40000"/>
+                  </a:prstClr>
+                </a:outerShdw>
+              </a:effectLst>
+              <a:latin typeface="+mn-lt"/>
+              <a:ea typeface="+mn-ea"/>
+              <a:cs typeface="+mn-cs"/>
+            </a:defRPr>
+          </a:pPr>
+          <a:endParaRPr lang="pt-BR"/>
+        </a:p>
+      </c:txPr>
     </c:title>
     <c:autoTitleDeleted val="0"/>
     <c:plotArea>
@@ -1529,8 +1570,9 @@
             <c:showPercent val="0"/>
             <c:showBubbleSize val="0"/>
             <c:showLeaderLines val="0"/>
-            <c:extLst xmlns:c16r2="http://schemas.microsoft.com/office/drawing/2015/06/chart">
+            <c:extLst>
               <c:ext xmlns:c15="http://schemas.microsoft.com/office/drawing/2012/chart" uri="{CE6537A1-D6FC-4f65-9D91-7224C49458BB}">
+                <c15:layout/>
                 <c15:showLeaderLines val="1"/>
                 <c15:leaderLines>
                   <c:spPr>
@@ -1591,7 +1633,7 @@
             </c:numRef>
           </c:val>
           <c:smooth val="0"/>
-          <c:extLst xmlns:c16r2="http://schemas.microsoft.com/office/drawing/2015/06/chart">
+          <c:extLst>
             <c:ext xmlns:c16="http://schemas.microsoft.com/office/drawing/2014/chart" uri="{C3380CC4-5D6E-409C-BE32-E72D297353CC}">
               <c16:uniqueId val="{00000000-FEA7-4093-975A-07747621BF88}"/>
             </c:ext>
@@ -1709,14 +1751,14 @@
       <a:endParaRPr lang="pt-BR"/>
     </a:p>
   </c:txPr>
-  <c:externalData r:id="rId1">
+  <c:externalData r:id="rId3">
     <c:autoUpdate val="0"/>
   </c:externalData>
 </c:chartSpace>
 </file>
 
 <file path=ppt/charts/chart3.xml><?xml version="1.0" encoding="utf-8"?>
-<c:chartSpace xmlns:c="http://schemas.openxmlformats.org/drawingml/2006/chart" xmlns:a="http://schemas.openxmlformats.org/drawingml/2006/main" xmlns:r="http://schemas.openxmlformats.org/officeDocument/2006/relationships">
+<c:chartSpace xmlns:c="http://schemas.openxmlformats.org/drawingml/2006/chart" xmlns:a="http://schemas.openxmlformats.org/drawingml/2006/main" xmlns:r="http://schemas.openxmlformats.org/officeDocument/2006/relationships" xmlns:c16r2="http://schemas.microsoft.com/office/drawing/2015/06/chart">
   <c:date1904 val="0"/>
   <c:lang val="pt-BR"/>
   <c:roundedCorners val="0"/>
@@ -1773,6 +1815,30 @@
         </a:ln>
         <a:effectLst/>
       </c:spPr>
+      <c:txPr>
+        <a:bodyPr rot="0" spcFirstLastPara="1" vertOverflow="ellipsis" vert="horz" wrap="square" anchor="ctr" anchorCtr="1"/>
+        <a:lstStyle/>
+        <a:p>
+          <a:pPr>
+            <a:defRPr sz="2128" b="1" i="0" u="none" strike="noStrike" kern="1200" spc="100" baseline="0">
+              <a:solidFill>
+                <a:schemeClr val="tx1"/>
+              </a:solidFill>
+              <a:effectLst>
+                <a:outerShdw blurRad="50800" dist="38100" dir="5400000" algn="t" rotWithShape="0">
+                  <a:prstClr val="black">
+                    <a:alpha val="40000"/>
+                  </a:prstClr>
+                </a:outerShdw>
+              </a:effectLst>
+              <a:latin typeface="+mn-lt"/>
+              <a:ea typeface="+mn-ea"/>
+              <a:cs typeface="+mn-cs"/>
+            </a:defRPr>
+          </a:pPr>
+          <a:endParaRPr lang="pt-BR"/>
+        </a:p>
+      </c:txPr>
     </c:title>
     <c:autoTitleDeleted val="0"/>
     <c:plotArea>
@@ -1874,8 +1940,9 @@
             <c:showPercent val="0"/>
             <c:showBubbleSize val="0"/>
             <c:showLeaderLines val="0"/>
-            <c:extLst xmlns:c16r2="http://schemas.microsoft.com/office/drawing/2015/06/chart">
+            <c:extLst>
               <c:ext xmlns:c15="http://schemas.microsoft.com/office/drawing/2012/chart" uri="{CE6537A1-D6FC-4f65-9D91-7224C49458BB}">
+                <c15:layout/>
                 <c15:showLeaderLines val="1"/>
                 <c15:leaderLines>
                   <c:spPr>
@@ -1970,7 +2037,7 @@
               </c:numCache>
             </c:numRef>
           </c:val>
-          <c:extLst xmlns:c16r2="http://schemas.microsoft.com/office/drawing/2015/06/chart">
+          <c:extLst>
             <c:ext xmlns:c16="http://schemas.microsoft.com/office/drawing/2014/chart" uri="{C3380CC4-5D6E-409C-BE32-E72D297353CC}">
               <c16:uniqueId val="{00000000-43E0-4529-8164-E5D1E3A81B68}"/>
             </c:ext>
@@ -2086,14 +2153,14 @@
       <a:endParaRPr lang="pt-BR"/>
     </a:p>
   </c:txPr>
-  <c:externalData r:id="rId1">
+  <c:externalData r:id="rId3">
     <c:autoUpdate val="0"/>
   </c:externalData>
 </c:chartSpace>
 </file>
 
 <file path=ppt/charts/chart4.xml><?xml version="1.0" encoding="utf-8"?>
-<c:chartSpace xmlns:c="http://schemas.openxmlformats.org/drawingml/2006/chart" xmlns:a="http://schemas.openxmlformats.org/drawingml/2006/main" xmlns:r="http://schemas.openxmlformats.org/officeDocument/2006/relationships">
+<c:chartSpace xmlns:c="http://schemas.openxmlformats.org/drawingml/2006/chart" xmlns:a="http://schemas.openxmlformats.org/drawingml/2006/main" xmlns:r="http://schemas.openxmlformats.org/officeDocument/2006/relationships" xmlns:c16r2="http://schemas.microsoft.com/office/drawing/2015/06/chart">
   <c:date1904 val="0"/>
   <c:lang val="pt-BR"/>
   <c:roundedCorners val="0"/>
@@ -2146,6 +2213,30 @@
         </a:ln>
         <a:effectLst/>
       </c:spPr>
+      <c:txPr>
+        <a:bodyPr rot="0" spcFirstLastPara="1" vertOverflow="ellipsis" vert="horz" wrap="square" anchor="ctr" anchorCtr="1"/>
+        <a:lstStyle/>
+        <a:p>
+          <a:pPr>
+            <a:defRPr sz="2128" b="1" i="0" u="none" strike="noStrike" kern="1200" spc="100" baseline="0">
+              <a:solidFill>
+                <a:schemeClr val="tx1"/>
+              </a:solidFill>
+              <a:effectLst>
+                <a:outerShdw blurRad="50800" dist="38100" dir="5400000" algn="t" rotWithShape="0">
+                  <a:prstClr val="black">
+                    <a:alpha val="40000"/>
+                  </a:prstClr>
+                </a:outerShdw>
+              </a:effectLst>
+              <a:latin typeface="+mn-lt"/>
+              <a:ea typeface="+mn-ea"/>
+              <a:cs typeface="+mn-cs"/>
+            </a:defRPr>
+          </a:pPr>
+          <a:endParaRPr lang="pt-BR"/>
+        </a:p>
+      </c:txPr>
     </c:title>
     <c:autoTitleDeleted val="0"/>
     <c:plotArea>
@@ -2247,8 +2338,9 @@
             <c:showPercent val="0"/>
             <c:showBubbleSize val="0"/>
             <c:showLeaderLines val="0"/>
-            <c:extLst xmlns:c16r2="http://schemas.microsoft.com/office/drawing/2015/06/chart">
+            <c:extLst>
               <c:ext xmlns:c15="http://schemas.microsoft.com/office/drawing/2012/chart" uri="{CE6537A1-D6FC-4f65-9D91-7224C49458BB}">
+                <c15:layout/>
                 <c15:showLeaderLines val="1"/>
                 <c15:leaderLines>
                   <c:spPr>
@@ -2343,7 +2435,7 @@
               </c:numCache>
             </c:numRef>
           </c:val>
-          <c:extLst xmlns:c16r2="http://schemas.microsoft.com/office/drawing/2015/06/chart">
+          <c:extLst>
             <c:ext xmlns:c16="http://schemas.microsoft.com/office/drawing/2014/chart" uri="{C3380CC4-5D6E-409C-BE32-E72D297353CC}">
               <c16:uniqueId val="{00000000-B540-4E6C-8837-15EAD3EDF728}"/>
             </c:ext>
@@ -2459,14 +2551,14 @@
       <a:endParaRPr lang="pt-BR"/>
     </a:p>
   </c:txPr>
-  <c:externalData r:id="rId1">
+  <c:externalData r:id="rId3">
     <c:autoUpdate val="0"/>
   </c:externalData>
 </c:chartSpace>
 </file>
 
 <file path=ppt/charts/chart5.xml><?xml version="1.0" encoding="utf-8"?>
-<c:chartSpace xmlns:c="http://schemas.openxmlformats.org/drawingml/2006/chart" xmlns:a="http://schemas.openxmlformats.org/drawingml/2006/main" xmlns:r="http://schemas.openxmlformats.org/officeDocument/2006/relationships">
+<c:chartSpace xmlns:c="http://schemas.openxmlformats.org/drawingml/2006/chart" xmlns:a="http://schemas.openxmlformats.org/drawingml/2006/main" xmlns:r="http://schemas.openxmlformats.org/officeDocument/2006/relationships" xmlns:c16r2="http://schemas.microsoft.com/office/drawing/2015/06/chart">
   <c:date1904 val="0"/>
   <c:lang val="pt-BR"/>
   <c:roundedCorners val="0"/>
@@ -2523,6 +2615,30 @@
         </a:ln>
         <a:effectLst/>
       </c:spPr>
+      <c:txPr>
+        <a:bodyPr rot="0" spcFirstLastPara="1" vertOverflow="ellipsis" vert="horz" wrap="square" anchor="ctr" anchorCtr="1"/>
+        <a:lstStyle/>
+        <a:p>
+          <a:pPr>
+            <a:defRPr sz="2128" b="1" i="0" u="none" strike="noStrike" kern="1200" spc="100" baseline="0">
+              <a:solidFill>
+                <a:schemeClr val="tx1"/>
+              </a:solidFill>
+              <a:effectLst>
+                <a:outerShdw blurRad="50800" dist="38100" dir="5400000" algn="t" rotWithShape="0">
+                  <a:prstClr val="black">
+                    <a:alpha val="40000"/>
+                  </a:prstClr>
+                </a:outerShdw>
+              </a:effectLst>
+              <a:latin typeface="+mn-lt"/>
+              <a:ea typeface="+mn-ea"/>
+              <a:cs typeface="+mn-cs"/>
+            </a:defRPr>
+          </a:pPr>
+          <a:endParaRPr lang="pt-BR"/>
+        </a:p>
+      </c:txPr>
     </c:title>
     <c:autoTitleDeleted val="0"/>
     <c:plotArea>
@@ -2647,8 +2763,9 @@
             <c:showPercent val="0"/>
             <c:showBubbleSize val="0"/>
             <c:showLeaderLines val="0"/>
-            <c:extLst xmlns:c16r2="http://schemas.microsoft.com/office/drawing/2015/06/chart">
+            <c:extLst>
               <c:ext xmlns:c15="http://schemas.microsoft.com/office/drawing/2012/chart" uri="{CE6537A1-D6FC-4f65-9D91-7224C49458BB}">
+                <c15:layout/>
                 <c15:showLeaderLines val="1"/>
                 <c15:leaderLines>
                   <c:spPr>
@@ -2709,7 +2826,7 @@
             </c:numRef>
           </c:val>
           <c:smooth val="0"/>
-          <c:extLst xmlns:c16r2="http://schemas.microsoft.com/office/drawing/2015/06/chart">
+          <c:extLst>
             <c:ext xmlns:c16="http://schemas.microsoft.com/office/drawing/2014/chart" uri="{C3380CC4-5D6E-409C-BE32-E72D297353CC}">
               <c16:uniqueId val="{00000000-1587-4608-95AF-4B132C95887F}"/>
             </c:ext>
@@ -2827,14 +2944,14 @@
       <a:endParaRPr lang="pt-BR"/>
     </a:p>
   </c:txPr>
-  <c:externalData r:id="rId1">
+  <c:externalData r:id="rId3">
     <c:autoUpdate val="0"/>
   </c:externalData>
 </c:chartSpace>
 </file>
 
 <file path=ppt/charts/chart6.xml><?xml version="1.0" encoding="utf-8"?>
-<c:chartSpace xmlns:c="http://schemas.openxmlformats.org/drawingml/2006/chart" xmlns:a="http://schemas.openxmlformats.org/drawingml/2006/main" xmlns:r="http://schemas.openxmlformats.org/officeDocument/2006/relationships">
+<c:chartSpace xmlns:c="http://schemas.openxmlformats.org/drawingml/2006/chart" xmlns:a="http://schemas.openxmlformats.org/drawingml/2006/main" xmlns:r="http://schemas.openxmlformats.org/officeDocument/2006/relationships" xmlns:c16r2="http://schemas.microsoft.com/office/drawing/2015/06/chart">
   <c:date1904 val="0"/>
   <c:lang val="pt-BR"/>
   <c:roundedCorners val="0"/>
@@ -2891,6 +3008,30 @@
         </a:ln>
         <a:effectLst/>
       </c:spPr>
+      <c:txPr>
+        <a:bodyPr rot="0" spcFirstLastPara="1" vertOverflow="ellipsis" vert="horz" wrap="square" anchor="ctr" anchorCtr="1"/>
+        <a:lstStyle/>
+        <a:p>
+          <a:pPr>
+            <a:defRPr sz="2128" b="1" i="0" u="none" strike="noStrike" kern="1200" spc="100" baseline="0">
+              <a:solidFill>
+                <a:schemeClr val="tx1"/>
+              </a:solidFill>
+              <a:effectLst>
+                <a:outerShdw blurRad="50800" dist="38100" dir="5400000" algn="t" rotWithShape="0">
+                  <a:prstClr val="black">
+                    <a:alpha val="40000"/>
+                  </a:prstClr>
+                </a:outerShdw>
+              </a:effectLst>
+              <a:latin typeface="+mn-lt"/>
+              <a:ea typeface="+mn-ea"/>
+              <a:cs typeface="+mn-cs"/>
+            </a:defRPr>
+          </a:pPr>
+          <a:endParaRPr lang="pt-BR"/>
+        </a:p>
+      </c:txPr>
     </c:title>
     <c:autoTitleDeleted val="0"/>
     <c:plotArea>
@@ -2992,8 +3133,9 @@
             <c:showPercent val="0"/>
             <c:showBubbleSize val="0"/>
             <c:showLeaderLines val="0"/>
-            <c:extLst xmlns:c16r2="http://schemas.microsoft.com/office/drawing/2015/06/chart">
+            <c:extLst>
               <c:ext xmlns:c15="http://schemas.microsoft.com/office/drawing/2012/chart" uri="{CE6537A1-D6FC-4f65-9D91-7224C49458BB}">
+                <c15:layout/>
                 <c15:showLeaderLines val="1"/>
                 <c15:leaderLines>
                   <c:spPr>
@@ -3053,7 +3195,7 @@
               </c:numCache>
             </c:numRef>
           </c:val>
-          <c:extLst xmlns:c16r2="http://schemas.microsoft.com/office/drawing/2015/06/chart">
+          <c:extLst>
             <c:ext xmlns:c16="http://schemas.microsoft.com/office/drawing/2014/chart" uri="{C3380CC4-5D6E-409C-BE32-E72D297353CC}">
               <c16:uniqueId val="{00000000-D8CD-42D2-863B-B905448DAC26}"/>
             </c:ext>
@@ -3152,8 +3294,9 @@
             <c:showPercent val="0"/>
             <c:showBubbleSize val="0"/>
             <c:showLeaderLines val="0"/>
-            <c:extLst xmlns:c16r2="http://schemas.microsoft.com/office/drawing/2015/06/chart">
+            <c:extLst>
               <c:ext xmlns:c15="http://schemas.microsoft.com/office/drawing/2012/chart" uri="{CE6537A1-D6FC-4f65-9D91-7224C49458BB}">
+                <c15:layout/>
                 <c15:showLeaderLines val="1"/>
                 <c15:leaderLines>
                   <c:spPr>
@@ -3213,7 +3356,7 @@
               </c:numCache>
             </c:numRef>
           </c:val>
-          <c:extLst xmlns:c16r2="http://schemas.microsoft.com/office/drawing/2015/06/chart">
+          <c:extLst>
             <c:ext xmlns:c16="http://schemas.microsoft.com/office/drawing/2014/chart" uri="{C3380CC4-5D6E-409C-BE32-E72D297353CC}">
               <c16:uniqueId val="{00000001-D8CD-42D2-863B-B905448DAC26}"/>
             </c:ext>
@@ -3358,7 +3501,7 @@
       <a:endParaRPr lang="pt-BR"/>
     </a:p>
   </c:txPr>
-  <c:externalData r:id="rId1">
+  <c:externalData r:id="rId3">
     <c:autoUpdate val="0"/>
   </c:externalData>
 </c:chartSpace>
@@ -6662,7 +6805,7 @@
           <a:p>
             <a:fld id="{892BBDE4-B257-4B28-AF9B-80911A110866}" type="datetimeFigureOut">
               <a:rPr lang="pt-BR" smtClean="0"/>
-              <a:t>12/12/2019</a:t>
+              <a:t>13/12/2019</a:t>
             </a:fld>
             <a:endParaRPr lang="pt-BR"/>
           </a:p>
@@ -9617,7 +9760,7 @@
           <a:p>
             <a:fld id="{5608231A-01C7-43A8-9F27-B8568746F2D0}" type="datetime1">
               <a:rPr lang="pt-BR" smtClean="0"/>
-              <a:t>12/12/2019</a:t>
+              <a:t>13/12/2019</a:t>
             </a:fld>
             <a:endParaRPr lang="pt-BR"/>
           </a:p>
@@ -9787,7 +9930,7 @@
           <a:p>
             <a:fld id="{CA90437F-4746-41D5-875E-3EDF8407A153}" type="datetime1">
               <a:rPr lang="pt-BR" smtClean="0"/>
-              <a:t>12/12/2019</a:t>
+              <a:t>13/12/2019</a:t>
             </a:fld>
             <a:endParaRPr lang="pt-BR"/>
           </a:p>
@@ -9967,7 +10110,7 @@
           <a:p>
             <a:fld id="{C9BABADB-CEE7-4513-85C6-02AC753FE149}" type="datetime1">
               <a:rPr lang="pt-BR" smtClean="0"/>
-              <a:t>12/12/2019</a:t>
+              <a:t>13/12/2019</a:t>
             </a:fld>
             <a:endParaRPr lang="pt-BR"/>
           </a:p>
@@ -10137,7 +10280,7 @@
           <a:p>
             <a:fld id="{4E8CA431-1949-4491-8E05-D347E3C74D10}" type="datetime1">
               <a:rPr lang="pt-BR" smtClean="0"/>
-              <a:t>12/12/2019</a:t>
+              <a:t>13/12/2019</a:t>
             </a:fld>
             <a:endParaRPr lang="pt-BR"/>
           </a:p>
@@ -10383,7 +10526,7 @@
           <a:p>
             <a:fld id="{2E967C8F-DAFF-4C6C-A210-F26CDA289138}" type="datetime1">
               <a:rPr lang="pt-BR" smtClean="0"/>
-              <a:t>12/12/2019</a:t>
+              <a:t>13/12/2019</a:t>
             </a:fld>
             <a:endParaRPr lang="pt-BR"/>
           </a:p>
@@ -10671,7 +10814,7 @@
           <a:p>
             <a:fld id="{72FA03A6-FA3E-4FD5-BDA2-C2E2A7B9D603}" type="datetime1">
               <a:rPr lang="pt-BR" smtClean="0"/>
-              <a:t>12/12/2019</a:t>
+              <a:t>13/12/2019</a:t>
             </a:fld>
             <a:endParaRPr lang="pt-BR"/>
           </a:p>
@@ -11093,7 +11236,7 @@
           <a:p>
             <a:fld id="{9952EAC6-DEB8-400E-A784-4E74099B4BB6}" type="datetime1">
               <a:rPr lang="pt-BR" smtClean="0"/>
-              <a:t>12/12/2019</a:t>
+              <a:t>13/12/2019</a:t>
             </a:fld>
             <a:endParaRPr lang="pt-BR"/>
           </a:p>
@@ -11211,7 +11354,7 @@
           <a:p>
             <a:fld id="{FC7B5247-18B5-42C5-B49D-DD105872AB72}" type="datetime1">
               <a:rPr lang="pt-BR" smtClean="0"/>
-              <a:t>12/12/2019</a:t>
+              <a:t>13/12/2019</a:t>
             </a:fld>
             <a:endParaRPr lang="pt-BR"/>
           </a:p>
@@ -11306,7 +11449,7 @@
           <a:p>
             <a:fld id="{F67A856F-47A2-47FE-8E15-AFCA9D099C04}" type="datetime1">
               <a:rPr lang="pt-BR" smtClean="0"/>
-              <a:t>12/12/2019</a:t>
+              <a:t>13/12/2019</a:t>
             </a:fld>
             <a:endParaRPr lang="pt-BR"/>
           </a:p>
@@ -11583,7 +11726,7 @@
           <a:p>
             <a:fld id="{A6FAD85C-2C24-4C92-B3DE-64369A769FDA}" type="datetime1">
               <a:rPr lang="pt-BR" smtClean="0"/>
-              <a:t>12/12/2019</a:t>
+              <a:t>13/12/2019</a:t>
             </a:fld>
             <a:endParaRPr lang="pt-BR"/>
           </a:p>
@@ -11836,7 +11979,7 @@
           <a:p>
             <a:fld id="{0CD11CC5-01CD-4AA9-8FD2-35C2BF59A90E}" type="datetime1">
               <a:rPr lang="pt-BR" smtClean="0"/>
-              <a:t>12/12/2019</a:t>
+              <a:t>13/12/2019</a:t>
             </a:fld>
             <a:endParaRPr lang="pt-BR"/>
           </a:p>
@@ -12079,7 +12222,7 @@
           <a:p>
             <a:fld id="{C58C9F72-14F3-4865-972A-67D71CFBAA47}" type="datetime1">
               <a:rPr lang="pt-BR" smtClean="0"/>
-              <a:t>12/12/2019</a:t>
+              <a:t>13/12/2019</a:t>
             </a:fld>
             <a:endParaRPr lang="pt-BR"/>
           </a:p>
@@ -12484,7 +12627,43 @@
                 </a:solidFill>
                 <a:latin typeface="+mn-lt"/>
               </a:rPr>
-              <a:t>Análise do panorama da atuação do aluno negro na educação básica brasileira de 2015 a 2018 utilizando </a:t>
+              <a:t>Análise do panorama da </a:t>
+            </a:r>
+            <a:r>
+              <a:rPr lang="pt-BR" sz="2800" b="1" dirty="0" smtClean="0">
+                <a:solidFill>
+                  <a:srgbClr val="C00000"/>
+                </a:solidFill>
+                <a:latin typeface="+mn-lt"/>
+              </a:rPr>
+              <a:t>inserção</a:t>
+            </a:r>
+            <a:r>
+              <a:rPr lang="pt-BR" sz="2800" b="1" dirty="0" smtClean="0">
+                <a:solidFill>
+                  <a:srgbClr val="C00000"/>
+                </a:solidFill>
+                <a:latin typeface="+mn-lt"/>
+              </a:rPr>
+              <a:t> </a:t>
+            </a:r>
+            <a:r>
+              <a:rPr lang="pt-BR" sz="2800" b="1" dirty="0">
+                <a:solidFill>
+                  <a:srgbClr val="C00000"/>
+                </a:solidFill>
+                <a:latin typeface="+mn-lt"/>
+              </a:rPr>
+              <a:t>do aluno negro na educação básica brasileira de 2015 a 2018 </a:t>
+            </a:r>
+            <a:r>
+              <a:rPr lang="pt-BR" sz="2800" b="1" dirty="0" smtClean="0">
+                <a:solidFill>
+                  <a:srgbClr val="C00000"/>
+                </a:solidFill>
+                <a:latin typeface="+mn-lt"/>
+              </a:rPr>
+              <a:t>utilizando a abordagem de </a:t>
             </a:r>
             <a:r>
               <a:rPr lang="pt-BR" sz="2800" b="1" i="1" dirty="0">
@@ -12516,7 +12695,7 @@
         </p:spPr>
         <p:txBody>
           <a:bodyPr>
-            <a:normAutofit lnSpcReduction="10000"/>
+            <a:normAutofit/>
           </a:bodyPr>
           <a:lstStyle/>
           <a:p>
@@ -12560,20 +12739,21 @@
                   <a:schemeClr val="tx1"/>
                 </a:solidFill>
               </a:rPr>
-              <a:t>Pedro Henrique Pereira De Oliveira</a:t>
-            </a:r>
-          </a:p>
-          <a:p>
-            <a:pPr algn="r"/>
-            <a:r>
-              <a:rPr lang="pt-BR" sz="2000" b="1" dirty="0">
+              <a:t>Pedro Henrique Pereira De </a:t>
+            </a:r>
+            <a:r>
+              <a:rPr lang="pt-BR" sz="2000" b="1" dirty="0" smtClean="0">
                 <a:solidFill>
                   <a:schemeClr val="tx1"/>
                 </a:solidFill>
               </a:rPr>
-              <a:t>Willian De Sousa Rodrigues</a:t>
-            </a:r>
-            <a:endParaRPr lang="pt-BR" sz="2400" dirty="0"/>
+              <a:t>Oliveira</a:t>
+            </a:r>
+            <a:endParaRPr lang="pt-BR" sz="2000" b="1" dirty="0">
+              <a:solidFill>
+                <a:schemeClr val="tx1"/>
+              </a:solidFill>
+            </a:endParaRPr>
           </a:p>
         </p:txBody>
       </p:sp>
@@ -17059,7 +17239,7 @@
         <p:spPr>
           <a:xfrm>
             <a:off x="1480828" y="4101747"/>
-            <a:ext cx="6264696" cy="1631216"/>
+            <a:ext cx="6264696" cy="1323439"/>
           </a:xfrm>
           <a:prstGeom prst="rect">
             <a:avLst/>
@@ -17095,16 +17275,10 @@
           <a:p>
             <a:pPr algn="ctr"/>
             <a:r>
-              <a:rPr lang="pt-BR" sz="2000" dirty="0"/>
+              <a:rPr lang="pt-BR" sz="2000" dirty="0" smtClean="0"/>
               <a:t>sr.hudrick@gmail.com</a:t>
             </a:r>
-          </a:p>
-          <a:p>
-            <a:pPr algn="ctr"/>
-            <a:r>
-              <a:rPr lang="pt-BR" sz="2000" dirty="0"/>
-              <a:t>willian.rodrigues1106@gmail.com</a:t>
-            </a:r>
+            <a:endParaRPr lang="pt-BR" sz="2000" dirty="0"/>
           </a:p>
         </p:txBody>
       </p:sp>
